--- a/3.lekce.pptx
+++ b/3.lekce.pptx
@@ -215,7 +215,7 @@
           <a:p>
             <a:fld id="{D20C3D66-FE2C-4D2A-AE80-F3E4BE289F92}" type="datetimeFigureOut">
               <a:rPr lang="cs-CZ" smtClean="0"/>
-              <a:t>13.10.2016</a:t>
+              <a:t>19.10.2016</a:t>
             </a:fld>
             <a:endParaRPr lang="cs-CZ" dirty="0"/>
           </a:p>
@@ -736,7 +736,7 @@
           <a:p>
             <a:fld id="{7F7304AD-F242-4632-87E6-EC5F38A9AA59}" type="datetimeFigureOut">
               <a:rPr lang="cs-CZ" smtClean="0"/>
-              <a:t>13.10.2016</a:t>
+              <a:t>19.10.2016</a:t>
             </a:fld>
             <a:endParaRPr lang="cs-CZ" dirty="0"/>
           </a:p>
@@ -1015,7 +1015,7 @@
           <a:p>
             <a:fld id="{7F7304AD-F242-4632-87E6-EC5F38A9AA59}" type="datetimeFigureOut">
               <a:rPr lang="cs-CZ" smtClean="0"/>
-              <a:t>13.10.2016</a:t>
+              <a:t>19.10.2016</a:t>
             </a:fld>
             <a:endParaRPr lang="cs-CZ" dirty="0"/>
           </a:p>
@@ -1258,7 +1258,7 @@
           <a:p>
             <a:fld id="{7F7304AD-F242-4632-87E6-EC5F38A9AA59}" type="datetimeFigureOut">
               <a:rPr lang="cs-CZ" smtClean="0"/>
-              <a:t>13.10.2016</a:t>
+              <a:t>19.10.2016</a:t>
             </a:fld>
             <a:endParaRPr lang="cs-CZ" dirty="0"/>
           </a:p>
@@ -1580,7 +1580,7 @@
           <a:p>
             <a:fld id="{7F7304AD-F242-4632-87E6-EC5F38A9AA59}" type="datetimeFigureOut">
               <a:rPr lang="cs-CZ" smtClean="0"/>
-              <a:t>13.10.2016</a:t>
+              <a:t>19.10.2016</a:t>
             </a:fld>
             <a:endParaRPr lang="cs-CZ" dirty="0"/>
           </a:p>
@@ -2065,7 +2065,7 @@
           <a:p>
             <a:fld id="{7F7304AD-F242-4632-87E6-EC5F38A9AA59}" type="datetimeFigureOut">
               <a:rPr lang="cs-CZ" smtClean="0"/>
-              <a:t>13.10.2016</a:t>
+              <a:t>19.10.2016</a:t>
             </a:fld>
             <a:endParaRPr lang="cs-CZ" dirty="0"/>
           </a:p>
@@ -2624,7 +2624,7 @@
           <a:p>
             <a:fld id="{7F7304AD-F242-4632-87E6-EC5F38A9AA59}" type="datetimeFigureOut">
               <a:rPr lang="cs-CZ" smtClean="0"/>
-              <a:t>13.10.2016</a:t>
+              <a:t>19.10.2016</a:t>
             </a:fld>
             <a:endParaRPr lang="cs-CZ" dirty="0"/>
           </a:p>
@@ -3410,7 +3410,7 @@
           <a:p>
             <a:fld id="{7F7304AD-F242-4632-87E6-EC5F38A9AA59}" type="datetimeFigureOut">
               <a:rPr lang="cs-CZ" smtClean="0"/>
-              <a:t>13.10.2016</a:t>
+              <a:t>19.10.2016</a:t>
             </a:fld>
             <a:endParaRPr lang="cs-CZ" dirty="0"/>
           </a:p>
@@ -3597,7 +3597,7 @@
           <a:p>
             <a:fld id="{7F7304AD-F242-4632-87E6-EC5F38A9AA59}" type="datetimeFigureOut">
               <a:rPr lang="cs-CZ" smtClean="0"/>
-              <a:t>13.10.2016</a:t>
+              <a:t>19.10.2016</a:t>
             </a:fld>
             <a:endParaRPr lang="cs-CZ" dirty="0"/>
           </a:p>
@@ -3832,7 +3832,7 @@
           <a:p>
             <a:fld id="{7F7304AD-F242-4632-87E6-EC5F38A9AA59}" type="datetimeFigureOut">
               <a:rPr lang="cs-CZ" smtClean="0"/>
-              <a:t>13.10.2016</a:t>
+              <a:t>19.10.2016</a:t>
             </a:fld>
             <a:endParaRPr lang="cs-CZ" dirty="0"/>
           </a:p>
@@ -4024,7 +4024,7 @@
           <a:p>
             <a:fld id="{7F7304AD-F242-4632-87E6-EC5F38A9AA59}" type="datetimeFigureOut">
               <a:rPr lang="cs-CZ" smtClean="0"/>
-              <a:t>13.10.2016</a:t>
+              <a:t>19.10.2016</a:t>
             </a:fld>
             <a:endParaRPr lang="cs-CZ" dirty="0"/>
           </a:p>
@@ -4325,7 +4325,7 @@
           <a:p>
             <a:fld id="{7F7304AD-F242-4632-87E6-EC5F38A9AA59}" type="datetimeFigureOut">
               <a:rPr lang="cs-CZ" smtClean="0"/>
-              <a:t>13.10.2016</a:t>
+              <a:t>19.10.2016</a:t>
             </a:fld>
             <a:endParaRPr lang="cs-CZ" dirty="0"/>
           </a:p>
@@ -4579,7 +4579,7 @@
           <a:p>
             <a:fld id="{7F7304AD-F242-4632-87E6-EC5F38A9AA59}" type="datetimeFigureOut">
               <a:rPr lang="cs-CZ" smtClean="0"/>
-              <a:t>13.10.2016</a:t>
+              <a:t>19.10.2016</a:t>
             </a:fld>
             <a:endParaRPr lang="cs-CZ" dirty="0"/>
           </a:p>
@@ -4970,7 +4970,7 @@
           <a:p>
             <a:fld id="{7F7304AD-F242-4632-87E6-EC5F38A9AA59}" type="datetimeFigureOut">
               <a:rPr lang="cs-CZ" smtClean="0"/>
-              <a:t>13.10.2016</a:t>
+              <a:t>19.10.2016</a:t>
             </a:fld>
             <a:endParaRPr lang="cs-CZ" dirty="0"/>
           </a:p>
@@ -5100,7 +5100,7 @@
           <a:p>
             <a:fld id="{7F7304AD-F242-4632-87E6-EC5F38A9AA59}" type="datetimeFigureOut">
               <a:rPr lang="cs-CZ" smtClean="0"/>
-              <a:t>13.10.2016</a:t>
+              <a:t>19.10.2016</a:t>
             </a:fld>
             <a:endParaRPr lang="cs-CZ" dirty="0"/>
           </a:p>
@@ -5207,7 +5207,7 @@
           <a:p>
             <a:fld id="{7F7304AD-F242-4632-87E6-EC5F38A9AA59}" type="datetimeFigureOut">
               <a:rPr lang="cs-CZ" smtClean="0"/>
-              <a:t>13.10.2016</a:t>
+              <a:t>19.10.2016</a:t>
             </a:fld>
             <a:endParaRPr lang="cs-CZ" dirty="0"/>
           </a:p>
@@ -5468,7 +5468,7 @@
           <a:p>
             <a:fld id="{7F7304AD-F242-4632-87E6-EC5F38A9AA59}" type="datetimeFigureOut">
               <a:rPr lang="cs-CZ" smtClean="0"/>
-              <a:t>13.10.2016</a:t>
+              <a:t>19.10.2016</a:t>
             </a:fld>
             <a:endParaRPr lang="cs-CZ" dirty="0"/>
           </a:p>
@@ -5737,7 +5737,7 @@
           <a:p>
             <a:fld id="{7F7304AD-F242-4632-87E6-EC5F38A9AA59}" type="datetimeFigureOut">
               <a:rPr lang="cs-CZ" smtClean="0"/>
-              <a:t>13.10.2016</a:t>
+              <a:t>19.10.2016</a:t>
             </a:fld>
             <a:endParaRPr lang="cs-CZ" dirty="0"/>
           </a:p>
@@ -5992,7 +5992,7 @@
           <a:p>
             <a:fld id="{7F7304AD-F242-4632-87E6-EC5F38A9AA59}" type="datetimeFigureOut">
               <a:rPr lang="cs-CZ" smtClean="0"/>
-              <a:t>13.10.2016</a:t>
+              <a:t>19.10.2016</a:t>
             </a:fld>
             <a:endParaRPr lang="cs-CZ" dirty="0"/>
           </a:p>
@@ -6645,6 +6645,499 @@
       </p:transition>
     </mc:Fallback>
   </mc:AlternateContent>
+  <p:timing>
+    <p:tnLst>
+      <p:par>
+        <p:cTn id="1" dur="indefinite" restart="never" nodeType="tmRoot">
+          <p:childTnLst>
+            <p:seq concurrent="1" nextAc="seek">
+              <p:cTn id="2" dur="indefinite" nodeType="mainSeq">
+                <p:childTnLst>
+                  <p:par>
+                    <p:cTn id="3" fill="hold">
+                      <p:stCondLst>
+                        <p:cond delay="indefinite"/>
+                      </p:stCondLst>
+                      <p:childTnLst>
+                        <p:par>
+                          <p:cTn id="4" fill="hold">
+                            <p:stCondLst>
+                              <p:cond delay="0"/>
+                            </p:stCondLst>
+                            <p:childTnLst>
+                              <p:par>
+                                <p:cTn id="5" presetID="42" presetClass="entr" presetSubtype="0" fill="hold" grpId="0" nodeType="clickEffect">
+                                  <p:stCondLst>
+                                    <p:cond delay="0"/>
+                                  </p:stCondLst>
+                                  <p:childTnLst>
+                                    <p:set>
+                                      <p:cBhvr>
+                                        <p:cTn id="6" dur="1" fill="hold">
+                                          <p:stCondLst>
+                                            <p:cond delay="0"/>
+                                          </p:stCondLst>
+                                        </p:cTn>
+                                        <p:tgtEl>
+                                          <p:spTgt spid="3">
+                                            <p:txEl>
+                                              <p:pRg st="0" end="0"/>
+                                            </p:txEl>
+                                          </p:spTgt>
+                                        </p:tgtEl>
+                                        <p:attrNameLst>
+                                          <p:attrName>style.visibility</p:attrName>
+                                        </p:attrNameLst>
+                                      </p:cBhvr>
+                                      <p:to>
+                                        <p:strVal val="visible"/>
+                                      </p:to>
+                                    </p:set>
+                                    <p:animEffect transition="in" filter="fade">
+                                      <p:cBhvr>
+                                        <p:cTn id="7" dur="1000"/>
+                                        <p:tgtEl>
+                                          <p:spTgt spid="3">
+                                            <p:txEl>
+                                              <p:pRg st="0" end="0"/>
+                                            </p:txEl>
+                                          </p:spTgt>
+                                        </p:tgtEl>
+                                      </p:cBhvr>
+                                    </p:animEffect>
+                                    <p:anim calcmode="lin" valueType="num">
+                                      <p:cBhvr>
+                                        <p:cTn id="8" dur="1000" fill="hold"/>
+                                        <p:tgtEl>
+                                          <p:spTgt spid="3">
+                                            <p:txEl>
+                                              <p:pRg st="0" end="0"/>
+                                            </p:txEl>
+                                          </p:spTgt>
+                                        </p:tgtEl>
+                                        <p:attrNameLst>
+                                          <p:attrName>ppt_x</p:attrName>
+                                        </p:attrNameLst>
+                                      </p:cBhvr>
+                                      <p:tavLst>
+                                        <p:tav tm="0">
+                                          <p:val>
+                                            <p:strVal val="#ppt_x"/>
+                                          </p:val>
+                                        </p:tav>
+                                        <p:tav tm="100000">
+                                          <p:val>
+                                            <p:strVal val="#ppt_x"/>
+                                          </p:val>
+                                        </p:tav>
+                                      </p:tavLst>
+                                    </p:anim>
+                                    <p:anim calcmode="lin" valueType="num">
+                                      <p:cBhvr>
+                                        <p:cTn id="9" dur="1000" fill="hold"/>
+                                        <p:tgtEl>
+                                          <p:spTgt spid="3">
+                                            <p:txEl>
+                                              <p:pRg st="0" end="0"/>
+                                            </p:txEl>
+                                          </p:spTgt>
+                                        </p:tgtEl>
+                                        <p:attrNameLst>
+                                          <p:attrName>ppt_y</p:attrName>
+                                        </p:attrNameLst>
+                                      </p:cBhvr>
+                                      <p:tavLst>
+                                        <p:tav tm="0">
+                                          <p:val>
+                                            <p:strVal val="#ppt_y+.1"/>
+                                          </p:val>
+                                        </p:tav>
+                                        <p:tav tm="100000">
+                                          <p:val>
+                                            <p:strVal val="#ppt_y"/>
+                                          </p:val>
+                                        </p:tav>
+                                      </p:tavLst>
+                                    </p:anim>
+                                  </p:childTnLst>
+                                </p:cTn>
+                              </p:par>
+                            </p:childTnLst>
+                          </p:cTn>
+                        </p:par>
+                      </p:childTnLst>
+                    </p:cTn>
+                  </p:par>
+                  <p:par>
+                    <p:cTn id="10" fill="hold">
+                      <p:stCondLst>
+                        <p:cond delay="indefinite"/>
+                      </p:stCondLst>
+                      <p:childTnLst>
+                        <p:par>
+                          <p:cTn id="11" fill="hold">
+                            <p:stCondLst>
+                              <p:cond delay="0"/>
+                            </p:stCondLst>
+                            <p:childTnLst>
+                              <p:par>
+                                <p:cTn id="12" presetID="42" presetClass="entr" presetSubtype="0" fill="hold" grpId="0" nodeType="clickEffect">
+                                  <p:stCondLst>
+                                    <p:cond delay="0"/>
+                                  </p:stCondLst>
+                                  <p:childTnLst>
+                                    <p:set>
+                                      <p:cBhvr>
+                                        <p:cTn id="13" dur="1" fill="hold">
+                                          <p:stCondLst>
+                                            <p:cond delay="0"/>
+                                          </p:stCondLst>
+                                        </p:cTn>
+                                        <p:tgtEl>
+                                          <p:spTgt spid="3">
+                                            <p:txEl>
+                                              <p:pRg st="1" end="1"/>
+                                            </p:txEl>
+                                          </p:spTgt>
+                                        </p:tgtEl>
+                                        <p:attrNameLst>
+                                          <p:attrName>style.visibility</p:attrName>
+                                        </p:attrNameLst>
+                                      </p:cBhvr>
+                                      <p:to>
+                                        <p:strVal val="visible"/>
+                                      </p:to>
+                                    </p:set>
+                                    <p:animEffect transition="in" filter="fade">
+                                      <p:cBhvr>
+                                        <p:cTn id="14" dur="1000"/>
+                                        <p:tgtEl>
+                                          <p:spTgt spid="3">
+                                            <p:txEl>
+                                              <p:pRg st="1" end="1"/>
+                                            </p:txEl>
+                                          </p:spTgt>
+                                        </p:tgtEl>
+                                      </p:cBhvr>
+                                    </p:animEffect>
+                                    <p:anim calcmode="lin" valueType="num">
+                                      <p:cBhvr>
+                                        <p:cTn id="15" dur="1000" fill="hold"/>
+                                        <p:tgtEl>
+                                          <p:spTgt spid="3">
+                                            <p:txEl>
+                                              <p:pRg st="1" end="1"/>
+                                            </p:txEl>
+                                          </p:spTgt>
+                                        </p:tgtEl>
+                                        <p:attrNameLst>
+                                          <p:attrName>ppt_x</p:attrName>
+                                        </p:attrNameLst>
+                                      </p:cBhvr>
+                                      <p:tavLst>
+                                        <p:tav tm="0">
+                                          <p:val>
+                                            <p:strVal val="#ppt_x"/>
+                                          </p:val>
+                                        </p:tav>
+                                        <p:tav tm="100000">
+                                          <p:val>
+                                            <p:strVal val="#ppt_x"/>
+                                          </p:val>
+                                        </p:tav>
+                                      </p:tavLst>
+                                    </p:anim>
+                                    <p:anim calcmode="lin" valueType="num">
+                                      <p:cBhvr>
+                                        <p:cTn id="16" dur="1000" fill="hold"/>
+                                        <p:tgtEl>
+                                          <p:spTgt spid="3">
+                                            <p:txEl>
+                                              <p:pRg st="1" end="1"/>
+                                            </p:txEl>
+                                          </p:spTgt>
+                                        </p:tgtEl>
+                                        <p:attrNameLst>
+                                          <p:attrName>ppt_y</p:attrName>
+                                        </p:attrNameLst>
+                                      </p:cBhvr>
+                                      <p:tavLst>
+                                        <p:tav tm="0">
+                                          <p:val>
+                                            <p:strVal val="#ppt_y+.1"/>
+                                          </p:val>
+                                        </p:tav>
+                                        <p:tav tm="100000">
+                                          <p:val>
+                                            <p:strVal val="#ppt_y"/>
+                                          </p:val>
+                                        </p:tav>
+                                      </p:tavLst>
+                                    </p:anim>
+                                  </p:childTnLst>
+                                </p:cTn>
+                              </p:par>
+                            </p:childTnLst>
+                          </p:cTn>
+                        </p:par>
+                      </p:childTnLst>
+                    </p:cTn>
+                  </p:par>
+                  <p:par>
+                    <p:cTn id="17" fill="hold">
+                      <p:stCondLst>
+                        <p:cond delay="indefinite"/>
+                      </p:stCondLst>
+                      <p:childTnLst>
+                        <p:par>
+                          <p:cTn id="18" fill="hold">
+                            <p:stCondLst>
+                              <p:cond delay="0"/>
+                            </p:stCondLst>
+                            <p:childTnLst>
+                              <p:par>
+                                <p:cTn id="19" presetID="42" presetClass="entr" presetSubtype="0" fill="hold" grpId="0" nodeType="clickEffect">
+                                  <p:stCondLst>
+                                    <p:cond delay="0"/>
+                                  </p:stCondLst>
+                                  <p:childTnLst>
+                                    <p:set>
+                                      <p:cBhvr>
+                                        <p:cTn id="20" dur="1" fill="hold">
+                                          <p:stCondLst>
+                                            <p:cond delay="0"/>
+                                          </p:stCondLst>
+                                        </p:cTn>
+                                        <p:tgtEl>
+                                          <p:spTgt spid="3">
+                                            <p:txEl>
+                                              <p:pRg st="2" end="2"/>
+                                            </p:txEl>
+                                          </p:spTgt>
+                                        </p:tgtEl>
+                                        <p:attrNameLst>
+                                          <p:attrName>style.visibility</p:attrName>
+                                        </p:attrNameLst>
+                                      </p:cBhvr>
+                                      <p:to>
+                                        <p:strVal val="visible"/>
+                                      </p:to>
+                                    </p:set>
+                                    <p:animEffect transition="in" filter="fade">
+                                      <p:cBhvr>
+                                        <p:cTn id="21" dur="1000"/>
+                                        <p:tgtEl>
+                                          <p:spTgt spid="3">
+                                            <p:txEl>
+                                              <p:pRg st="2" end="2"/>
+                                            </p:txEl>
+                                          </p:spTgt>
+                                        </p:tgtEl>
+                                      </p:cBhvr>
+                                    </p:animEffect>
+                                    <p:anim calcmode="lin" valueType="num">
+                                      <p:cBhvr>
+                                        <p:cTn id="22" dur="1000" fill="hold"/>
+                                        <p:tgtEl>
+                                          <p:spTgt spid="3">
+                                            <p:txEl>
+                                              <p:pRg st="2" end="2"/>
+                                            </p:txEl>
+                                          </p:spTgt>
+                                        </p:tgtEl>
+                                        <p:attrNameLst>
+                                          <p:attrName>ppt_x</p:attrName>
+                                        </p:attrNameLst>
+                                      </p:cBhvr>
+                                      <p:tavLst>
+                                        <p:tav tm="0">
+                                          <p:val>
+                                            <p:strVal val="#ppt_x"/>
+                                          </p:val>
+                                        </p:tav>
+                                        <p:tav tm="100000">
+                                          <p:val>
+                                            <p:strVal val="#ppt_x"/>
+                                          </p:val>
+                                        </p:tav>
+                                      </p:tavLst>
+                                    </p:anim>
+                                    <p:anim calcmode="lin" valueType="num">
+                                      <p:cBhvr>
+                                        <p:cTn id="23" dur="1000" fill="hold"/>
+                                        <p:tgtEl>
+                                          <p:spTgt spid="3">
+                                            <p:txEl>
+                                              <p:pRg st="2" end="2"/>
+                                            </p:txEl>
+                                          </p:spTgt>
+                                        </p:tgtEl>
+                                        <p:attrNameLst>
+                                          <p:attrName>ppt_y</p:attrName>
+                                        </p:attrNameLst>
+                                      </p:cBhvr>
+                                      <p:tavLst>
+                                        <p:tav tm="0">
+                                          <p:val>
+                                            <p:strVal val="#ppt_y+.1"/>
+                                          </p:val>
+                                        </p:tav>
+                                        <p:tav tm="100000">
+                                          <p:val>
+                                            <p:strVal val="#ppt_y"/>
+                                          </p:val>
+                                        </p:tav>
+                                      </p:tavLst>
+                                    </p:anim>
+                                  </p:childTnLst>
+                                </p:cTn>
+                              </p:par>
+                            </p:childTnLst>
+                          </p:cTn>
+                        </p:par>
+                      </p:childTnLst>
+                    </p:cTn>
+                  </p:par>
+                  <p:par>
+                    <p:cTn id="24" fill="hold">
+                      <p:stCondLst>
+                        <p:cond delay="indefinite"/>
+                      </p:stCondLst>
+                      <p:childTnLst>
+                        <p:par>
+                          <p:cTn id="25" fill="hold">
+                            <p:stCondLst>
+                              <p:cond delay="0"/>
+                            </p:stCondLst>
+                            <p:childTnLst>
+                              <p:par>
+                                <p:cTn id="26" presetID="42" presetClass="entr" presetSubtype="0" fill="hold" grpId="0" nodeType="clickEffect">
+                                  <p:stCondLst>
+                                    <p:cond delay="0"/>
+                                  </p:stCondLst>
+                                  <p:childTnLst>
+                                    <p:set>
+                                      <p:cBhvr>
+                                        <p:cTn id="27" dur="1" fill="hold">
+                                          <p:stCondLst>
+                                            <p:cond delay="0"/>
+                                          </p:stCondLst>
+                                        </p:cTn>
+                                        <p:tgtEl>
+                                          <p:spTgt spid="3">
+                                            <p:txEl>
+                                              <p:pRg st="3" end="3"/>
+                                            </p:txEl>
+                                          </p:spTgt>
+                                        </p:tgtEl>
+                                        <p:attrNameLst>
+                                          <p:attrName>style.visibility</p:attrName>
+                                        </p:attrNameLst>
+                                      </p:cBhvr>
+                                      <p:to>
+                                        <p:strVal val="visible"/>
+                                      </p:to>
+                                    </p:set>
+                                    <p:animEffect transition="in" filter="fade">
+                                      <p:cBhvr>
+                                        <p:cTn id="28" dur="1000"/>
+                                        <p:tgtEl>
+                                          <p:spTgt spid="3">
+                                            <p:txEl>
+                                              <p:pRg st="3" end="3"/>
+                                            </p:txEl>
+                                          </p:spTgt>
+                                        </p:tgtEl>
+                                      </p:cBhvr>
+                                    </p:animEffect>
+                                    <p:anim calcmode="lin" valueType="num">
+                                      <p:cBhvr>
+                                        <p:cTn id="29" dur="1000" fill="hold"/>
+                                        <p:tgtEl>
+                                          <p:spTgt spid="3">
+                                            <p:txEl>
+                                              <p:pRg st="3" end="3"/>
+                                            </p:txEl>
+                                          </p:spTgt>
+                                        </p:tgtEl>
+                                        <p:attrNameLst>
+                                          <p:attrName>ppt_x</p:attrName>
+                                        </p:attrNameLst>
+                                      </p:cBhvr>
+                                      <p:tavLst>
+                                        <p:tav tm="0">
+                                          <p:val>
+                                            <p:strVal val="#ppt_x"/>
+                                          </p:val>
+                                        </p:tav>
+                                        <p:tav tm="100000">
+                                          <p:val>
+                                            <p:strVal val="#ppt_x"/>
+                                          </p:val>
+                                        </p:tav>
+                                      </p:tavLst>
+                                    </p:anim>
+                                    <p:anim calcmode="lin" valueType="num">
+                                      <p:cBhvr>
+                                        <p:cTn id="30" dur="1000" fill="hold"/>
+                                        <p:tgtEl>
+                                          <p:spTgt spid="3">
+                                            <p:txEl>
+                                              <p:pRg st="3" end="3"/>
+                                            </p:txEl>
+                                          </p:spTgt>
+                                        </p:tgtEl>
+                                        <p:attrNameLst>
+                                          <p:attrName>ppt_y</p:attrName>
+                                        </p:attrNameLst>
+                                      </p:cBhvr>
+                                      <p:tavLst>
+                                        <p:tav tm="0">
+                                          <p:val>
+                                            <p:strVal val="#ppt_y+.1"/>
+                                          </p:val>
+                                        </p:tav>
+                                        <p:tav tm="100000">
+                                          <p:val>
+                                            <p:strVal val="#ppt_y"/>
+                                          </p:val>
+                                        </p:tav>
+                                      </p:tavLst>
+                                    </p:anim>
+                                  </p:childTnLst>
+                                </p:cTn>
+                              </p:par>
+                            </p:childTnLst>
+                          </p:cTn>
+                        </p:par>
+                      </p:childTnLst>
+                    </p:cTn>
+                  </p:par>
+                </p:childTnLst>
+              </p:cTn>
+              <p:prevCondLst>
+                <p:cond evt="onPrev" delay="0">
+                  <p:tgtEl>
+                    <p:sldTgt/>
+                  </p:tgtEl>
+                </p:cond>
+              </p:prevCondLst>
+              <p:nextCondLst>
+                <p:cond evt="onNext" delay="0">
+                  <p:tgtEl>
+                    <p:sldTgt/>
+                  </p:tgtEl>
+                </p:cond>
+              </p:nextCondLst>
+            </p:seq>
+          </p:childTnLst>
+        </p:cTn>
+      </p:par>
+    </p:tnLst>
+    <p:bldLst>
+      <p:bldP spid="3" grpId="0" build="p"/>
+    </p:bldLst>
+  </p:timing>
 </p:sld>
 </file>
 
@@ -7075,6 +7568,384 @@
       </p:transition>
     </mc:Fallback>
   </mc:AlternateContent>
+  <p:timing>
+    <p:tnLst>
+      <p:par>
+        <p:cTn id="1" dur="indefinite" restart="never" nodeType="tmRoot">
+          <p:childTnLst>
+            <p:seq concurrent="1" nextAc="seek">
+              <p:cTn id="2" dur="indefinite" nodeType="mainSeq">
+                <p:childTnLst>
+                  <p:par>
+                    <p:cTn id="3" fill="hold">
+                      <p:stCondLst>
+                        <p:cond delay="indefinite"/>
+                      </p:stCondLst>
+                      <p:childTnLst>
+                        <p:par>
+                          <p:cTn id="4" fill="hold">
+                            <p:stCondLst>
+                              <p:cond delay="0"/>
+                            </p:stCondLst>
+                            <p:childTnLst>
+                              <p:par>
+                                <p:cTn id="5" presetID="42" presetClass="entr" presetSubtype="0" fill="hold" grpId="0" nodeType="clickEffect">
+                                  <p:stCondLst>
+                                    <p:cond delay="0"/>
+                                  </p:stCondLst>
+                                  <p:childTnLst>
+                                    <p:set>
+                                      <p:cBhvr>
+                                        <p:cTn id="6" dur="1" fill="hold">
+                                          <p:stCondLst>
+                                            <p:cond delay="0"/>
+                                          </p:stCondLst>
+                                        </p:cTn>
+                                        <p:tgtEl>
+                                          <p:spTgt spid="3">
+                                            <p:txEl>
+                                              <p:pRg st="0" end="0"/>
+                                            </p:txEl>
+                                          </p:spTgt>
+                                        </p:tgtEl>
+                                        <p:attrNameLst>
+                                          <p:attrName>style.visibility</p:attrName>
+                                        </p:attrNameLst>
+                                      </p:cBhvr>
+                                      <p:to>
+                                        <p:strVal val="visible"/>
+                                      </p:to>
+                                    </p:set>
+                                    <p:animEffect transition="in" filter="fade">
+                                      <p:cBhvr>
+                                        <p:cTn id="7" dur="1000"/>
+                                        <p:tgtEl>
+                                          <p:spTgt spid="3">
+                                            <p:txEl>
+                                              <p:pRg st="0" end="0"/>
+                                            </p:txEl>
+                                          </p:spTgt>
+                                        </p:tgtEl>
+                                      </p:cBhvr>
+                                    </p:animEffect>
+                                    <p:anim calcmode="lin" valueType="num">
+                                      <p:cBhvr>
+                                        <p:cTn id="8" dur="1000" fill="hold"/>
+                                        <p:tgtEl>
+                                          <p:spTgt spid="3">
+                                            <p:txEl>
+                                              <p:pRg st="0" end="0"/>
+                                            </p:txEl>
+                                          </p:spTgt>
+                                        </p:tgtEl>
+                                        <p:attrNameLst>
+                                          <p:attrName>ppt_x</p:attrName>
+                                        </p:attrNameLst>
+                                      </p:cBhvr>
+                                      <p:tavLst>
+                                        <p:tav tm="0">
+                                          <p:val>
+                                            <p:strVal val="#ppt_x"/>
+                                          </p:val>
+                                        </p:tav>
+                                        <p:tav tm="100000">
+                                          <p:val>
+                                            <p:strVal val="#ppt_x"/>
+                                          </p:val>
+                                        </p:tav>
+                                      </p:tavLst>
+                                    </p:anim>
+                                    <p:anim calcmode="lin" valueType="num">
+                                      <p:cBhvr>
+                                        <p:cTn id="9" dur="1000" fill="hold"/>
+                                        <p:tgtEl>
+                                          <p:spTgt spid="3">
+                                            <p:txEl>
+                                              <p:pRg st="0" end="0"/>
+                                            </p:txEl>
+                                          </p:spTgt>
+                                        </p:tgtEl>
+                                        <p:attrNameLst>
+                                          <p:attrName>ppt_y</p:attrName>
+                                        </p:attrNameLst>
+                                      </p:cBhvr>
+                                      <p:tavLst>
+                                        <p:tav tm="0">
+                                          <p:val>
+                                            <p:strVal val="#ppt_y+.1"/>
+                                          </p:val>
+                                        </p:tav>
+                                        <p:tav tm="100000">
+                                          <p:val>
+                                            <p:strVal val="#ppt_y"/>
+                                          </p:val>
+                                        </p:tav>
+                                      </p:tavLst>
+                                    </p:anim>
+                                  </p:childTnLst>
+                                </p:cTn>
+                              </p:par>
+                            </p:childTnLst>
+                          </p:cTn>
+                        </p:par>
+                      </p:childTnLst>
+                    </p:cTn>
+                  </p:par>
+                  <p:par>
+                    <p:cTn id="10" fill="hold">
+                      <p:stCondLst>
+                        <p:cond delay="indefinite"/>
+                      </p:stCondLst>
+                      <p:childTnLst>
+                        <p:par>
+                          <p:cTn id="11" fill="hold">
+                            <p:stCondLst>
+                              <p:cond delay="0"/>
+                            </p:stCondLst>
+                            <p:childTnLst>
+                              <p:par>
+                                <p:cTn id="12" presetID="42" presetClass="entr" presetSubtype="0" fill="hold" grpId="0" nodeType="clickEffect">
+                                  <p:stCondLst>
+                                    <p:cond delay="0"/>
+                                  </p:stCondLst>
+                                  <p:childTnLst>
+                                    <p:set>
+                                      <p:cBhvr>
+                                        <p:cTn id="13" dur="1" fill="hold">
+                                          <p:stCondLst>
+                                            <p:cond delay="0"/>
+                                          </p:stCondLst>
+                                        </p:cTn>
+                                        <p:tgtEl>
+                                          <p:spTgt spid="3">
+                                            <p:txEl>
+                                              <p:pRg st="1" end="1"/>
+                                            </p:txEl>
+                                          </p:spTgt>
+                                        </p:tgtEl>
+                                        <p:attrNameLst>
+                                          <p:attrName>style.visibility</p:attrName>
+                                        </p:attrNameLst>
+                                      </p:cBhvr>
+                                      <p:to>
+                                        <p:strVal val="visible"/>
+                                      </p:to>
+                                    </p:set>
+                                    <p:animEffect transition="in" filter="fade">
+                                      <p:cBhvr>
+                                        <p:cTn id="14" dur="1000"/>
+                                        <p:tgtEl>
+                                          <p:spTgt spid="3">
+                                            <p:txEl>
+                                              <p:pRg st="1" end="1"/>
+                                            </p:txEl>
+                                          </p:spTgt>
+                                        </p:tgtEl>
+                                      </p:cBhvr>
+                                    </p:animEffect>
+                                    <p:anim calcmode="lin" valueType="num">
+                                      <p:cBhvr>
+                                        <p:cTn id="15" dur="1000" fill="hold"/>
+                                        <p:tgtEl>
+                                          <p:spTgt spid="3">
+                                            <p:txEl>
+                                              <p:pRg st="1" end="1"/>
+                                            </p:txEl>
+                                          </p:spTgt>
+                                        </p:tgtEl>
+                                        <p:attrNameLst>
+                                          <p:attrName>ppt_x</p:attrName>
+                                        </p:attrNameLst>
+                                      </p:cBhvr>
+                                      <p:tavLst>
+                                        <p:tav tm="0">
+                                          <p:val>
+                                            <p:strVal val="#ppt_x"/>
+                                          </p:val>
+                                        </p:tav>
+                                        <p:tav tm="100000">
+                                          <p:val>
+                                            <p:strVal val="#ppt_x"/>
+                                          </p:val>
+                                        </p:tav>
+                                      </p:tavLst>
+                                    </p:anim>
+                                    <p:anim calcmode="lin" valueType="num">
+                                      <p:cBhvr>
+                                        <p:cTn id="16" dur="1000" fill="hold"/>
+                                        <p:tgtEl>
+                                          <p:spTgt spid="3">
+                                            <p:txEl>
+                                              <p:pRg st="1" end="1"/>
+                                            </p:txEl>
+                                          </p:spTgt>
+                                        </p:tgtEl>
+                                        <p:attrNameLst>
+                                          <p:attrName>ppt_y</p:attrName>
+                                        </p:attrNameLst>
+                                      </p:cBhvr>
+                                      <p:tavLst>
+                                        <p:tav tm="0">
+                                          <p:val>
+                                            <p:strVal val="#ppt_y+.1"/>
+                                          </p:val>
+                                        </p:tav>
+                                        <p:tav tm="100000">
+                                          <p:val>
+                                            <p:strVal val="#ppt_y"/>
+                                          </p:val>
+                                        </p:tav>
+                                      </p:tavLst>
+                                    </p:anim>
+                                  </p:childTnLst>
+                                </p:cTn>
+                              </p:par>
+                            </p:childTnLst>
+                          </p:cTn>
+                        </p:par>
+                      </p:childTnLst>
+                    </p:cTn>
+                  </p:par>
+                  <p:par>
+                    <p:cTn id="17" fill="hold">
+                      <p:stCondLst>
+                        <p:cond delay="indefinite"/>
+                      </p:stCondLst>
+                      <p:childTnLst>
+                        <p:par>
+                          <p:cTn id="18" fill="hold">
+                            <p:stCondLst>
+                              <p:cond delay="0"/>
+                            </p:stCondLst>
+                            <p:childTnLst>
+                              <p:par>
+                                <p:cTn id="19" presetID="42" presetClass="entr" presetSubtype="0" fill="hold" grpId="0" nodeType="clickEffect">
+                                  <p:stCondLst>
+                                    <p:cond delay="0"/>
+                                  </p:stCondLst>
+                                  <p:childTnLst>
+                                    <p:set>
+                                      <p:cBhvr>
+                                        <p:cTn id="20" dur="1" fill="hold">
+                                          <p:stCondLst>
+                                            <p:cond delay="0"/>
+                                          </p:stCondLst>
+                                        </p:cTn>
+                                        <p:tgtEl>
+                                          <p:spTgt spid="3">
+                                            <p:txEl>
+                                              <p:pRg st="2" end="2"/>
+                                            </p:txEl>
+                                          </p:spTgt>
+                                        </p:tgtEl>
+                                        <p:attrNameLst>
+                                          <p:attrName>style.visibility</p:attrName>
+                                        </p:attrNameLst>
+                                      </p:cBhvr>
+                                      <p:to>
+                                        <p:strVal val="visible"/>
+                                      </p:to>
+                                    </p:set>
+                                    <p:animEffect transition="in" filter="fade">
+                                      <p:cBhvr>
+                                        <p:cTn id="21" dur="1000"/>
+                                        <p:tgtEl>
+                                          <p:spTgt spid="3">
+                                            <p:txEl>
+                                              <p:pRg st="2" end="2"/>
+                                            </p:txEl>
+                                          </p:spTgt>
+                                        </p:tgtEl>
+                                      </p:cBhvr>
+                                    </p:animEffect>
+                                    <p:anim calcmode="lin" valueType="num">
+                                      <p:cBhvr>
+                                        <p:cTn id="22" dur="1000" fill="hold"/>
+                                        <p:tgtEl>
+                                          <p:spTgt spid="3">
+                                            <p:txEl>
+                                              <p:pRg st="2" end="2"/>
+                                            </p:txEl>
+                                          </p:spTgt>
+                                        </p:tgtEl>
+                                        <p:attrNameLst>
+                                          <p:attrName>ppt_x</p:attrName>
+                                        </p:attrNameLst>
+                                      </p:cBhvr>
+                                      <p:tavLst>
+                                        <p:tav tm="0">
+                                          <p:val>
+                                            <p:strVal val="#ppt_x"/>
+                                          </p:val>
+                                        </p:tav>
+                                        <p:tav tm="100000">
+                                          <p:val>
+                                            <p:strVal val="#ppt_x"/>
+                                          </p:val>
+                                        </p:tav>
+                                      </p:tavLst>
+                                    </p:anim>
+                                    <p:anim calcmode="lin" valueType="num">
+                                      <p:cBhvr>
+                                        <p:cTn id="23" dur="1000" fill="hold"/>
+                                        <p:tgtEl>
+                                          <p:spTgt spid="3">
+                                            <p:txEl>
+                                              <p:pRg st="2" end="2"/>
+                                            </p:txEl>
+                                          </p:spTgt>
+                                        </p:tgtEl>
+                                        <p:attrNameLst>
+                                          <p:attrName>ppt_y</p:attrName>
+                                        </p:attrNameLst>
+                                      </p:cBhvr>
+                                      <p:tavLst>
+                                        <p:tav tm="0">
+                                          <p:val>
+                                            <p:strVal val="#ppt_y+.1"/>
+                                          </p:val>
+                                        </p:tav>
+                                        <p:tav tm="100000">
+                                          <p:val>
+                                            <p:strVal val="#ppt_y"/>
+                                          </p:val>
+                                        </p:tav>
+                                      </p:tavLst>
+                                    </p:anim>
+                                  </p:childTnLst>
+                                </p:cTn>
+                              </p:par>
+                            </p:childTnLst>
+                          </p:cTn>
+                        </p:par>
+                      </p:childTnLst>
+                    </p:cTn>
+                  </p:par>
+                </p:childTnLst>
+              </p:cTn>
+              <p:prevCondLst>
+                <p:cond evt="onPrev" delay="0">
+                  <p:tgtEl>
+                    <p:sldTgt/>
+                  </p:tgtEl>
+                </p:cond>
+              </p:prevCondLst>
+              <p:nextCondLst>
+                <p:cond evt="onNext" delay="0">
+                  <p:tgtEl>
+                    <p:sldTgt/>
+                  </p:tgtEl>
+                </p:cond>
+              </p:nextCondLst>
+            </p:seq>
+          </p:childTnLst>
+        </p:cTn>
+      </p:par>
+    </p:tnLst>
+    <p:bldLst>
+      <p:bldP spid="3" grpId="0" build="p"/>
+    </p:bldLst>
+  </p:timing>
 </p:sld>
 </file>
 
@@ -7583,6 +8454,384 @@
       </p:transition>
     </mc:Fallback>
   </mc:AlternateContent>
+  <p:timing>
+    <p:tnLst>
+      <p:par>
+        <p:cTn id="1" dur="indefinite" restart="never" nodeType="tmRoot">
+          <p:childTnLst>
+            <p:seq concurrent="1" nextAc="seek">
+              <p:cTn id="2" dur="indefinite" nodeType="mainSeq">
+                <p:childTnLst>
+                  <p:par>
+                    <p:cTn id="3" fill="hold">
+                      <p:stCondLst>
+                        <p:cond delay="indefinite"/>
+                      </p:stCondLst>
+                      <p:childTnLst>
+                        <p:par>
+                          <p:cTn id="4" fill="hold">
+                            <p:stCondLst>
+                              <p:cond delay="0"/>
+                            </p:stCondLst>
+                            <p:childTnLst>
+                              <p:par>
+                                <p:cTn id="5" presetID="42" presetClass="entr" presetSubtype="0" fill="hold" grpId="0" nodeType="clickEffect">
+                                  <p:stCondLst>
+                                    <p:cond delay="0"/>
+                                  </p:stCondLst>
+                                  <p:childTnLst>
+                                    <p:set>
+                                      <p:cBhvr>
+                                        <p:cTn id="6" dur="1" fill="hold">
+                                          <p:stCondLst>
+                                            <p:cond delay="0"/>
+                                          </p:stCondLst>
+                                        </p:cTn>
+                                        <p:tgtEl>
+                                          <p:spTgt spid="3">
+                                            <p:txEl>
+                                              <p:pRg st="0" end="0"/>
+                                            </p:txEl>
+                                          </p:spTgt>
+                                        </p:tgtEl>
+                                        <p:attrNameLst>
+                                          <p:attrName>style.visibility</p:attrName>
+                                        </p:attrNameLst>
+                                      </p:cBhvr>
+                                      <p:to>
+                                        <p:strVal val="visible"/>
+                                      </p:to>
+                                    </p:set>
+                                    <p:animEffect transition="in" filter="fade">
+                                      <p:cBhvr>
+                                        <p:cTn id="7" dur="1000"/>
+                                        <p:tgtEl>
+                                          <p:spTgt spid="3">
+                                            <p:txEl>
+                                              <p:pRg st="0" end="0"/>
+                                            </p:txEl>
+                                          </p:spTgt>
+                                        </p:tgtEl>
+                                      </p:cBhvr>
+                                    </p:animEffect>
+                                    <p:anim calcmode="lin" valueType="num">
+                                      <p:cBhvr>
+                                        <p:cTn id="8" dur="1000" fill="hold"/>
+                                        <p:tgtEl>
+                                          <p:spTgt spid="3">
+                                            <p:txEl>
+                                              <p:pRg st="0" end="0"/>
+                                            </p:txEl>
+                                          </p:spTgt>
+                                        </p:tgtEl>
+                                        <p:attrNameLst>
+                                          <p:attrName>ppt_x</p:attrName>
+                                        </p:attrNameLst>
+                                      </p:cBhvr>
+                                      <p:tavLst>
+                                        <p:tav tm="0">
+                                          <p:val>
+                                            <p:strVal val="#ppt_x"/>
+                                          </p:val>
+                                        </p:tav>
+                                        <p:tav tm="100000">
+                                          <p:val>
+                                            <p:strVal val="#ppt_x"/>
+                                          </p:val>
+                                        </p:tav>
+                                      </p:tavLst>
+                                    </p:anim>
+                                    <p:anim calcmode="lin" valueType="num">
+                                      <p:cBhvr>
+                                        <p:cTn id="9" dur="1000" fill="hold"/>
+                                        <p:tgtEl>
+                                          <p:spTgt spid="3">
+                                            <p:txEl>
+                                              <p:pRg st="0" end="0"/>
+                                            </p:txEl>
+                                          </p:spTgt>
+                                        </p:tgtEl>
+                                        <p:attrNameLst>
+                                          <p:attrName>ppt_y</p:attrName>
+                                        </p:attrNameLst>
+                                      </p:cBhvr>
+                                      <p:tavLst>
+                                        <p:tav tm="0">
+                                          <p:val>
+                                            <p:strVal val="#ppt_y+.1"/>
+                                          </p:val>
+                                        </p:tav>
+                                        <p:tav tm="100000">
+                                          <p:val>
+                                            <p:strVal val="#ppt_y"/>
+                                          </p:val>
+                                        </p:tav>
+                                      </p:tavLst>
+                                    </p:anim>
+                                  </p:childTnLst>
+                                </p:cTn>
+                              </p:par>
+                            </p:childTnLst>
+                          </p:cTn>
+                        </p:par>
+                      </p:childTnLst>
+                    </p:cTn>
+                  </p:par>
+                  <p:par>
+                    <p:cTn id="10" fill="hold">
+                      <p:stCondLst>
+                        <p:cond delay="indefinite"/>
+                      </p:stCondLst>
+                      <p:childTnLst>
+                        <p:par>
+                          <p:cTn id="11" fill="hold">
+                            <p:stCondLst>
+                              <p:cond delay="0"/>
+                            </p:stCondLst>
+                            <p:childTnLst>
+                              <p:par>
+                                <p:cTn id="12" presetID="42" presetClass="entr" presetSubtype="0" fill="hold" grpId="0" nodeType="clickEffect">
+                                  <p:stCondLst>
+                                    <p:cond delay="0"/>
+                                  </p:stCondLst>
+                                  <p:childTnLst>
+                                    <p:set>
+                                      <p:cBhvr>
+                                        <p:cTn id="13" dur="1" fill="hold">
+                                          <p:stCondLst>
+                                            <p:cond delay="0"/>
+                                          </p:stCondLst>
+                                        </p:cTn>
+                                        <p:tgtEl>
+                                          <p:spTgt spid="3">
+                                            <p:txEl>
+                                              <p:pRg st="1" end="1"/>
+                                            </p:txEl>
+                                          </p:spTgt>
+                                        </p:tgtEl>
+                                        <p:attrNameLst>
+                                          <p:attrName>style.visibility</p:attrName>
+                                        </p:attrNameLst>
+                                      </p:cBhvr>
+                                      <p:to>
+                                        <p:strVal val="visible"/>
+                                      </p:to>
+                                    </p:set>
+                                    <p:animEffect transition="in" filter="fade">
+                                      <p:cBhvr>
+                                        <p:cTn id="14" dur="1000"/>
+                                        <p:tgtEl>
+                                          <p:spTgt spid="3">
+                                            <p:txEl>
+                                              <p:pRg st="1" end="1"/>
+                                            </p:txEl>
+                                          </p:spTgt>
+                                        </p:tgtEl>
+                                      </p:cBhvr>
+                                    </p:animEffect>
+                                    <p:anim calcmode="lin" valueType="num">
+                                      <p:cBhvr>
+                                        <p:cTn id="15" dur="1000" fill="hold"/>
+                                        <p:tgtEl>
+                                          <p:spTgt spid="3">
+                                            <p:txEl>
+                                              <p:pRg st="1" end="1"/>
+                                            </p:txEl>
+                                          </p:spTgt>
+                                        </p:tgtEl>
+                                        <p:attrNameLst>
+                                          <p:attrName>ppt_x</p:attrName>
+                                        </p:attrNameLst>
+                                      </p:cBhvr>
+                                      <p:tavLst>
+                                        <p:tav tm="0">
+                                          <p:val>
+                                            <p:strVal val="#ppt_x"/>
+                                          </p:val>
+                                        </p:tav>
+                                        <p:tav tm="100000">
+                                          <p:val>
+                                            <p:strVal val="#ppt_x"/>
+                                          </p:val>
+                                        </p:tav>
+                                      </p:tavLst>
+                                    </p:anim>
+                                    <p:anim calcmode="lin" valueType="num">
+                                      <p:cBhvr>
+                                        <p:cTn id="16" dur="1000" fill="hold"/>
+                                        <p:tgtEl>
+                                          <p:spTgt spid="3">
+                                            <p:txEl>
+                                              <p:pRg st="1" end="1"/>
+                                            </p:txEl>
+                                          </p:spTgt>
+                                        </p:tgtEl>
+                                        <p:attrNameLst>
+                                          <p:attrName>ppt_y</p:attrName>
+                                        </p:attrNameLst>
+                                      </p:cBhvr>
+                                      <p:tavLst>
+                                        <p:tav tm="0">
+                                          <p:val>
+                                            <p:strVal val="#ppt_y+.1"/>
+                                          </p:val>
+                                        </p:tav>
+                                        <p:tav tm="100000">
+                                          <p:val>
+                                            <p:strVal val="#ppt_y"/>
+                                          </p:val>
+                                        </p:tav>
+                                      </p:tavLst>
+                                    </p:anim>
+                                  </p:childTnLst>
+                                </p:cTn>
+                              </p:par>
+                            </p:childTnLst>
+                          </p:cTn>
+                        </p:par>
+                      </p:childTnLst>
+                    </p:cTn>
+                  </p:par>
+                  <p:par>
+                    <p:cTn id="17" fill="hold">
+                      <p:stCondLst>
+                        <p:cond delay="indefinite"/>
+                      </p:stCondLst>
+                      <p:childTnLst>
+                        <p:par>
+                          <p:cTn id="18" fill="hold">
+                            <p:stCondLst>
+                              <p:cond delay="0"/>
+                            </p:stCondLst>
+                            <p:childTnLst>
+                              <p:par>
+                                <p:cTn id="19" presetID="42" presetClass="entr" presetSubtype="0" fill="hold" grpId="0" nodeType="clickEffect">
+                                  <p:stCondLst>
+                                    <p:cond delay="0"/>
+                                  </p:stCondLst>
+                                  <p:childTnLst>
+                                    <p:set>
+                                      <p:cBhvr>
+                                        <p:cTn id="20" dur="1" fill="hold">
+                                          <p:stCondLst>
+                                            <p:cond delay="0"/>
+                                          </p:stCondLst>
+                                        </p:cTn>
+                                        <p:tgtEl>
+                                          <p:spTgt spid="3">
+                                            <p:txEl>
+                                              <p:pRg st="2" end="2"/>
+                                            </p:txEl>
+                                          </p:spTgt>
+                                        </p:tgtEl>
+                                        <p:attrNameLst>
+                                          <p:attrName>style.visibility</p:attrName>
+                                        </p:attrNameLst>
+                                      </p:cBhvr>
+                                      <p:to>
+                                        <p:strVal val="visible"/>
+                                      </p:to>
+                                    </p:set>
+                                    <p:animEffect transition="in" filter="fade">
+                                      <p:cBhvr>
+                                        <p:cTn id="21" dur="1000"/>
+                                        <p:tgtEl>
+                                          <p:spTgt spid="3">
+                                            <p:txEl>
+                                              <p:pRg st="2" end="2"/>
+                                            </p:txEl>
+                                          </p:spTgt>
+                                        </p:tgtEl>
+                                      </p:cBhvr>
+                                    </p:animEffect>
+                                    <p:anim calcmode="lin" valueType="num">
+                                      <p:cBhvr>
+                                        <p:cTn id="22" dur="1000" fill="hold"/>
+                                        <p:tgtEl>
+                                          <p:spTgt spid="3">
+                                            <p:txEl>
+                                              <p:pRg st="2" end="2"/>
+                                            </p:txEl>
+                                          </p:spTgt>
+                                        </p:tgtEl>
+                                        <p:attrNameLst>
+                                          <p:attrName>ppt_x</p:attrName>
+                                        </p:attrNameLst>
+                                      </p:cBhvr>
+                                      <p:tavLst>
+                                        <p:tav tm="0">
+                                          <p:val>
+                                            <p:strVal val="#ppt_x"/>
+                                          </p:val>
+                                        </p:tav>
+                                        <p:tav tm="100000">
+                                          <p:val>
+                                            <p:strVal val="#ppt_x"/>
+                                          </p:val>
+                                        </p:tav>
+                                      </p:tavLst>
+                                    </p:anim>
+                                    <p:anim calcmode="lin" valueType="num">
+                                      <p:cBhvr>
+                                        <p:cTn id="23" dur="1000" fill="hold"/>
+                                        <p:tgtEl>
+                                          <p:spTgt spid="3">
+                                            <p:txEl>
+                                              <p:pRg st="2" end="2"/>
+                                            </p:txEl>
+                                          </p:spTgt>
+                                        </p:tgtEl>
+                                        <p:attrNameLst>
+                                          <p:attrName>ppt_y</p:attrName>
+                                        </p:attrNameLst>
+                                      </p:cBhvr>
+                                      <p:tavLst>
+                                        <p:tav tm="0">
+                                          <p:val>
+                                            <p:strVal val="#ppt_y+.1"/>
+                                          </p:val>
+                                        </p:tav>
+                                        <p:tav tm="100000">
+                                          <p:val>
+                                            <p:strVal val="#ppt_y"/>
+                                          </p:val>
+                                        </p:tav>
+                                      </p:tavLst>
+                                    </p:anim>
+                                  </p:childTnLst>
+                                </p:cTn>
+                              </p:par>
+                            </p:childTnLst>
+                          </p:cTn>
+                        </p:par>
+                      </p:childTnLst>
+                    </p:cTn>
+                  </p:par>
+                </p:childTnLst>
+              </p:cTn>
+              <p:prevCondLst>
+                <p:cond evt="onPrev" delay="0">
+                  <p:tgtEl>
+                    <p:sldTgt/>
+                  </p:tgtEl>
+                </p:cond>
+              </p:prevCondLst>
+              <p:nextCondLst>
+                <p:cond evt="onNext" delay="0">
+                  <p:tgtEl>
+                    <p:sldTgt/>
+                  </p:tgtEl>
+                </p:cond>
+              </p:nextCondLst>
+            </p:seq>
+          </p:childTnLst>
+        </p:cTn>
+      </p:par>
+    </p:tnLst>
+    <p:bldLst>
+      <p:bldP spid="3" grpId="0" build="p"/>
+    </p:bldLst>
+  </p:timing>
 </p:sld>
 </file>
 
@@ -8349,7 +9598,7 @@
           </a:p>
           <a:p>
             <a:r>
-              <a:rPr lang="cs-CZ" sz="1900" dirty="0" err="1"/>
+              <a:rPr lang="cs-CZ" sz="1900"/>
               <a:t>break</a:t>
             </a:r>
             <a:endParaRPr lang="cs-CZ" sz="1900" dirty="0"/>
@@ -9184,6 +10433,801 @@
       </p:transition>
     </mc:Fallback>
   </mc:AlternateContent>
+  <p:timing>
+    <p:tnLst>
+      <p:par>
+        <p:cTn id="1" dur="indefinite" restart="never" nodeType="tmRoot">
+          <p:childTnLst>
+            <p:seq concurrent="1" nextAc="seek">
+              <p:cTn id="2" dur="indefinite" nodeType="mainSeq">
+                <p:childTnLst>
+                  <p:par>
+                    <p:cTn id="3" fill="hold">
+                      <p:stCondLst>
+                        <p:cond delay="indefinite"/>
+                      </p:stCondLst>
+                      <p:childTnLst>
+                        <p:par>
+                          <p:cTn id="4" fill="hold">
+                            <p:stCondLst>
+                              <p:cond delay="0"/>
+                            </p:stCondLst>
+                            <p:childTnLst>
+                              <p:par>
+                                <p:cTn id="5" presetID="42" presetClass="entr" presetSubtype="0" fill="hold" nodeType="clickEffect">
+                                  <p:stCondLst>
+                                    <p:cond delay="0"/>
+                                  </p:stCondLst>
+                                  <p:childTnLst>
+                                    <p:set>
+                                      <p:cBhvr>
+                                        <p:cTn id="6" dur="1" fill="hold">
+                                          <p:stCondLst>
+                                            <p:cond delay="0"/>
+                                          </p:stCondLst>
+                                        </p:cTn>
+                                        <p:tgtEl>
+                                          <p:spTgt spid="3">
+                                            <p:txEl>
+                                              <p:pRg st="0" end="0"/>
+                                            </p:txEl>
+                                          </p:spTgt>
+                                        </p:tgtEl>
+                                        <p:attrNameLst>
+                                          <p:attrName>style.visibility</p:attrName>
+                                        </p:attrNameLst>
+                                      </p:cBhvr>
+                                      <p:to>
+                                        <p:strVal val="visible"/>
+                                      </p:to>
+                                    </p:set>
+                                    <p:animEffect transition="in" filter="fade">
+                                      <p:cBhvr>
+                                        <p:cTn id="7" dur="1000"/>
+                                        <p:tgtEl>
+                                          <p:spTgt spid="3">
+                                            <p:txEl>
+                                              <p:pRg st="0" end="0"/>
+                                            </p:txEl>
+                                          </p:spTgt>
+                                        </p:tgtEl>
+                                      </p:cBhvr>
+                                    </p:animEffect>
+                                    <p:anim calcmode="lin" valueType="num">
+                                      <p:cBhvr>
+                                        <p:cTn id="8" dur="1000" fill="hold"/>
+                                        <p:tgtEl>
+                                          <p:spTgt spid="3">
+                                            <p:txEl>
+                                              <p:pRg st="0" end="0"/>
+                                            </p:txEl>
+                                          </p:spTgt>
+                                        </p:tgtEl>
+                                        <p:attrNameLst>
+                                          <p:attrName>ppt_x</p:attrName>
+                                        </p:attrNameLst>
+                                      </p:cBhvr>
+                                      <p:tavLst>
+                                        <p:tav tm="0">
+                                          <p:val>
+                                            <p:strVal val="#ppt_x"/>
+                                          </p:val>
+                                        </p:tav>
+                                        <p:tav tm="100000">
+                                          <p:val>
+                                            <p:strVal val="#ppt_x"/>
+                                          </p:val>
+                                        </p:tav>
+                                      </p:tavLst>
+                                    </p:anim>
+                                    <p:anim calcmode="lin" valueType="num">
+                                      <p:cBhvr>
+                                        <p:cTn id="9" dur="1000" fill="hold"/>
+                                        <p:tgtEl>
+                                          <p:spTgt spid="3">
+                                            <p:txEl>
+                                              <p:pRg st="0" end="0"/>
+                                            </p:txEl>
+                                          </p:spTgt>
+                                        </p:tgtEl>
+                                        <p:attrNameLst>
+                                          <p:attrName>ppt_y</p:attrName>
+                                        </p:attrNameLst>
+                                      </p:cBhvr>
+                                      <p:tavLst>
+                                        <p:tav tm="0">
+                                          <p:val>
+                                            <p:strVal val="#ppt_y+.1"/>
+                                          </p:val>
+                                        </p:tav>
+                                        <p:tav tm="100000">
+                                          <p:val>
+                                            <p:strVal val="#ppt_y"/>
+                                          </p:val>
+                                        </p:tav>
+                                      </p:tavLst>
+                                    </p:anim>
+                                  </p:childTnLst>
+                                </p:cTn>
+                              </p:par>
+                            </p:childTnLst>
+                          </p:cTn>
+                        </p:par>
+                      </p:childTnLst>
+                    </p:cTn>
+                  </p:par>
+                  <p:par>
+                    <p:cTn id="10" fill="hold">
+                      <p:stCondLst>
+                        <p:cond delay="indefinite"/>
+                      </p:stCondLst>
+                      <p:childTnLst>
+                        <p:par>
+                          <p:cTn id="11" fill="hold">
+                            <p:stCondLst>
+                              <p:cond delay="0"/>
+                            </p:stCondLst>
+                            <p:childTnLst>
+                              <p:par>
+                                <p:cTn id="12" presetID="42" presetClass="entr" presetSubtype="0" fill="hold" nodeType="clickEffect">
+                                  <p:stCondLst>
+                                    <p:cond delay="0"/>
+                                  </p:stCondLst>
+                                  <p:childTnLst>
+                                    <p:set>
+                                      <p:cBhvr>
+                                        <p:cTn id="13" dur="1" fill="hold">
+                                          <p:stCondLst>
+                                            <p:cond delay="0"/>
+                                          </p:stCondLst>
+                                        </p:cTn>
+                                        <p:tgtEl>
+                                          <p:spTgt spid="3">
+                                            <p:txEl>
+                                              <p:pRg st="1" end="1"/>
+                                            </p:txEl>
+                                          </p:spTgt>
+                                        </p:tgtEl>
+                                        <p:attrNameLst>
+                                          <p:attrName>style.visibility</p:attrName>
+                                        </p:attrNameLst>
+                                      </p:cBhvr>
+                                      <p:to>
+                                        <p:strVal val="visible"/>
+                                      </p:to>
+                                    </p:set>
+                                    <p:animEffect transition="in" filter="fade">
+                                      <p:cBhvr>
+                                        <p:cTn id="14" dur="1000"/>
+                                        <p:tgtEl>
+                                          <p:spTgt spid="3">
+                                            <p:txEl>
+                                              <p:pRg st="1" end="1"/>
+                                            </p:txEl>
+                                          </p:spTgt>
+                                        </p:tgtEl>
+                                      </p:cBhvr>
+                                    </p:animEffect>
+                                    <p:anim calcmode="lin" valueType="num">
+                                      <p:cBhvr>
+                                        <p:cTn id="15" dur="1000" fill="hold"/>
+                                        <p:tgtEl>
+                                          <p:spTgt spid="3">
+                                            <p:txEl>
+                                              <p:pRg st="1" end="1"/>
+                                            </p:txEl>
+                                          </p:spTgt>
+                                        </p:tgtEl>
+                                        <p:attrNameLst>
+                                          <p:attrName>ppt_x</p:attrName>
+                                        </p:attrNameLst>
+                                      </p:cBhvr>
+                                      <p:tavLst>
+                                        <p:tav tm="0">
+                                          <p:val>
+                                            <p:strVal val="#ppt_x"/>
+                                          </p:val>
+                                        </p:tav>
+                                        <p:tav tm="100000">
+                                          <p:val>
+                                            <p:strVal val="#ppt_x"/>
+                                          </p:val>
+                                        </p:tav>
+                                      </p:tavLst>
+                                    </p:anim>
+                                    <p:anim calcmode="lin" valueType="num">
+                                      <p:cBhvr>
+                                        <p:cTn id="16" dur="1000" fill="hold"/>
+                                        <p:tgtEl>
+                                          <p:spTgt spid="3">
+                                            <p:txEl>
+                                              <p:pRg st="1" end="1"/>
+                                            </p:txEl>
+                                          </p:spTgt>
+                                        </p:tgtEl>
+                                        <p:attrNameLst>
+                                          <p:attrName>ppt_y</p:attrName>
+                                        </p:attrNameLst>
+                                      </p:cBhvr>
+                                      <p:tavLst>
+                                        <p:tav tm="0">
+                                          <p:val>
+                                            <p:strVal val="#ppt_y+.1"/>
+                                          </p:val>
+                                        </p:tav>
+                                        <p:tav tm="100000">
+                                          <p:val>
+                                            <p:strVal val="#ppt_y"/>
+                                          </p:val>
+                                        </p:tav>
+                                      </p:tavLst>
+                                    </p:anim>
+                                  </p:childTnLst>
+                                </p:cTn>
+                              </p:par>
+                            </p:childTnLst>
+                          </p:cTn>
+                        </p:par>
+                      </p:childTnLst>
+                    </p:cTn>
+                  </p:par>
+                  <p:par>
+                    <p:cTn id="17" fill="hold">
+                      <p:stCondLst>
+                        <p:cond delay="indefinite"/>
+                      </p:stCondLst>
+                      <p:childTnLst>
+                        <p:par>
+                          <p:cTn id="18" fill="hold">
+                            <p:stCondLst>
+                              <p:cond delay="0"/>
+                            </p:stCondLst>
+                            <p:childTnLst>
+                              <p:par>
+                                <p:cTn id="19" presetID="10" presetClass="entr" presetSubtype="0" fill="hold" nodeType="clickEffect">
+                                  <p:stCondLst>
+                                    <p:cond delay="0"/>
+                                  </p:stCondLst>
+                                  <p:childTnLst>
+                                    <p:set>
+                                      <p:cBhvr>
+                                        <p:cTn id="20" dur="1" fill="hold">
+                                          <p:stCondLst>
+                                            <p:cond delay="0"/>
+                                          </p:stCondLst>
+                                        </p:cTn>
+                                        <p:tgtEl>
+                                          <p:spTgt spid="3">
+                                            <p:txEl>
+                                              <p:pRg st="2" end="2"/>
+                                            </p:txEl>
+                                          </p:spTgt>
+                                        </p:tgtEl>
+                                        <p:attrNameLst>
+                                          <p:attrName>style.visibility</p:attrName>
+                                        </p:attrNameLst>
+                                      </p:cBhvr>
+                                      <p:to>
+                                        <p:strVal val="visible"/>
+                                      </p:to>
+                                    </p:set>
+                                    <p:animEffect transition="in" filter="fade">
+                                      <p:cBhvr>
+                                        <p:cTn id="21" dur="500"/>
+                                        <p:tgtEl>
+                                          <p:spTgt spid="3">
+                                            <p:txEl>
+                                              <p:pRg st="2" end="2"/>
+                                            </p:txEl>
+                                          </p:spTgt>
+                                        </p:tgtEl>
+                                      </p:cBhvr>
+                                    </p:animEffect>
+                                  </p:childTnLst>
+                                </p:cTn>
+                              </p:par>
+                            </p:childTnLst>
+                          </p:cTn>
+                        </p:par>
+                      </p:childTnLst>
+                    </p:cTn>
+                  </p:par>
+                  <p:par>
+                    <p:cTn id="22" fill="hold">
+                      <p:stCondLst>
+                        <p:cond delay="indefinite"/>
+                      </p:stCondLst>
+                      <p:childTnLst>
+                        <p:par>
+                          <p:cTn id="23" fill="hold">
+                            <p:stCondLst>
+                              <p:cond delay="0"/>
+                            </p:stCondLst>
+                            <p:childTnLst>
+                              <p:par>
+                                <p:cTn id="24" presetID="10" presetClass="entr" presetSubtype="0" fill="hold" nodeType="clickEffect">
+                                  <p:stCondLst>
+                                    <p:cond delay="0"/>
+                                  </p:stCondLst>
+                                  <p:childTnLst>
+                                    <p:set>
+                                      <p:cBhvr>
+                                        <p:cTn id="25" dur="1" fill="hold">
+                                          <p:stCondLst>
+                                            <p:cond delay="0"/>
+                                          </p:stCondLst>
+                                        </p:cTn>
+                                        <p:tgtEl>
+                                          <p:spTgt spid="3">
+                                            <p:txEl>
+                                              <p:pRg st="3" end="3"/>
+                                            </p:txEl>
+                                          </p:spTgt>
+                                        </p:tgtEl>
+                                        <p:attrNameLst>
+                                          <p:attrName>style.visibility</p:attrName>
+                                        </p:attrNameLst>
+                                      </p:cBhvr>
+                                      <p:to>
+                                        <p:strVal val="visible"/>
+                                      </p:to>
+                                    </p:set>
+                                    <p:animEffect transition="in" filter="fade">
+                                      <p:cBhvr>
+                                        <p:cTn id="26" dur="500"/>
+                                        <p:tgtEl>
+                                          <p:spTgt spid="3">
+                                            <p:txEl>
+                                              <p:pRg st="3" end="3"/>
+                                            </p:txEl>
+                                          </p:spTgt>
+                                        </p:tgtEl>
+                                      </p:cBhvr>
+                                    </p:animEffect>
+                                  </p:childTnLst>
+                                </p:cTn>
+                              </p:par>
+                            </p:childTnLst>
+                          </p:cTn>
+                        </p:par>
+                      </p:childTnLst>
+                    </p:cTn>
+                  </p:par>
+                  <p:par>
+                    <p:cTn id="27" fill="hold">
+                      <p:stCondLst>
+                        <p:cond delay="indefinite"/>
+                      </p:stCondLst>
+                      <p:childTnLst>
+                        <p:par>
+                          <p:cTn id="28" fill="hold">
+                            <p:stCondLst>
+                              <p:cond delay="0"/>
+                            </p:stCondLst>
+                            <p:childTnLst>
+                              <p:par>
+                                <p:cTn id="29" presetID="10" presetClass="entr" presetSubtype="0" fill="hold" nodeType="clickEffect">
+                                  <p:stCondLst>
+                                    <p:cond delay="0"/>
+                                  </p:stCondLst>
+                                  <p:childTnLst>
+                                    <p:set>
+                                      <p:cBhvr>
+                                        <p:cTn id="30" dur="1" fill="hold">
+                                          <p:stCondLst>
+                                            <p:cond delay="0"/>
+                                          </p:stCondLst>
+                                        </p:cTn>
+                                        <p:tgtEl>
+                                          <p:spTgt spid="3">
+                                            <p:txEl>
+                                              <p:pRg st="4" end="4"/>
+                                            </p:txEl>
+                                          </p:spTgt>
+                                        </p:tgtEl>
+                                        <p:attrNameLst>
+                                          <p:attrName>style.visibility</p:attrName>
+                                        </p:attrNameLst>
+                                      </p:cBhvr>
+                                      <p:to>
+                                        <p:strVal val="visible"/>
+                                      </p:to>
+                                    </p:set>
+                                    <p:animEffect transition="in" filter="fade">
+                                      <p:cBhvr>
+                                        <p:cTn id="31" dur="500"/>
+                                        <p:tgtEl>
+                                          <p:spTgt spid="3">
+                                            <p:txEl>
+                                              <p:pRg st="4" end="4"/>
+                                            </p:txEl>
+                                          </p:spTgt>
+                                        </p:tgtEl>
+                                      </p:cBhvr>
+                                    </p:animEffect>
+                                  </p:childTnLst>
+                                </p:cTn>
+                              </p:par>
+                            </p:childTnLst>
+                          </p:cTn>
+                        </p:par>
+                      </p:childTnLst>
+                    </p:cTn>
+                  </p:par>
+                  <p:par>
+                    <p:cTn id="32" fill="hold">
+                      <p:stCondLst>
+                        <p:cond delay="indefinite"/>
+                      </p:stCondLst>
+                      <p:childTnLst>
+                        <p:par>
+                          <p:cTn id="33" fill="hold">
+                            <p:stCondLst>
+                              <p:cond delay="0"/>
+                            </p:stCondLst>
+                            <p:childTnLst>
+                              <p:par>
+                                <p:cTn id="34" presetID="10" presetClass="entr" presetSubtype="0" fill="hold" nodeType="clickEffect">
+                                  <p:stCondLst>
+                                    <p:cond delay="0"/>
+                                  </p:stCondLst>
+                                  <p:childTnLst>
+                                    <p:set>
+                                      <p:cBhvr>
+                                        <p:cTn id="35" dur="1" fill="hold">
+                                          <p:stCondLst>
+                                            <p:cond delay="0"/>
+                                          </p:stCondLst>
+                                        </p:cTn>
+                                        <p:tgtEl>
+                                          <p:spTgt spid="3">
+                                            <p:txEl>
+                                              <p:pRg st="5" end="5"/>
+                                            </p:txEl>
+                                          </p:spTgt>
+                                        </p:tgtEl>
+                                        <p:attrNameLst>
+                                          <p:attrName>style.visibility</p:attrName>
+                                        </p:attrNameLst>
+                                      </p:cBhvr>
+                                      <p:to>
+                                        <p:strVal val="visible"/>
+                                      </p:to>
+                                    </p:set>
+                                    <p:animEffect transition="in" filter="fade">
+                                      <p:cBhvr>
+                                        <p:cTn id="36" dur="500"/>
+                                        <p:tgtEl>
+                                          <p:spTgt spid="3">
+                                            <p:txEl>
+                                              <p:pRg st="5" end="5"/>
+                                            </p:txEl>
+                                          </p:spTgt>
+                                        </p:tgtEl>
+                                      </p:cBhvr>
+                                    </p:animEffect>
+                                  </p:childTnLst>
+                                </p:cTn>
+                              </p:par>
+                            </p:childTnLst>
+                          </p:cTn>
+                        </p:par>
+                      </p:childTnLst>
+                    </p:cTn>
+                  </p:par>
+                  <p:par>
+                    <p:cTn id="37" fill="hold">
+                      <p:stCondLst>
+                        <p:cond delay="indefinite"/>
+                      </p:stCondLst>
+                      <p:childTnLst>
+                        <p:par>
+                          <p:cTn id="38" fill="hold">
+                            <p:stCondLst>
+                              <p:cond delay="0"/>
+                            </p:stCondLst>
+                            <p:childTnLst>
+                              <p:par>
+                                <p:cTn id="39" presetID="10" presetClass="entr" presetSubtype="0" fill="hold" nodeType="clickEffect">
+                                  <p:stCondLst>
+                                    <p:cond delay="0"/>
+                                  </p:stCondLst>
+                                  <p:childTnLst>
+                                    <p:set>
+                                      <p:cBhvr>
+                                        <p:cTn id="40" dur="1" fill="hold">
+                                          <p:stCondLst>
+                                            <p:cond delay="0"/>
+                                          </p:stCondLst>
+                                        </p:cTn>
+                                        <p:tgtEl>
+                                          <p:spTgt spid="3">
+                                            <p:txEl>
+                                              <p:pRg st="6" end="6"/>
+                                            </p:txEl>
+                                          </p:spTgt>
+                                        </p:tgtEl>
+                                        <p:attrNameLst>
+                                          <p:attrName>style.visibility</p:attrName>
+                                        </p:attrNameLst>
+                                      </p:cBhvr>
+                                      <p:to>
+                                        <p:strVal val="visible"/>
+                                      </p:to>
+                                    </p:set>
+                                    <p:animEffect transition="in" filter="fade">
+                                      <p:cBhvr>
+                                        <p:cTn id="41" dur="500"/>
+                                        <p:tgtEl>
+                                          <p:spTgt spid="3">
+                                            <p:txEl>
+                                              <p:pRg st="6" end="6"/>
+                                            </p:txEl>
+                                          </p:spTgt>
+                                        </p:tgtEl>
+                                      </p:cBhvr>
+                                    </p:animEffect>
+                                  </p:childTnLst>
+                                </p:cTn>
+                              </p:par>
+                            </p:childTnLst>
+                          </p:cTn>
+                        </p:par>
+                      </p:childTnLst>
+                    </p:cTn>
+                  </p:par>
+                  <p:par>
+                    <p:cTn id="42" fill="hold">
+                      <p:stCondLst>
+                        <p:cond delay="indefinite"/>
+                      </p:stCondLst>
+                      <p:childTnLst>
+                        <p:par>
+                          <p:cTn id="43" fill="hold">
+                            <p:stCondLst>
+                              <p:cond delay="0"/>
+                            </p:stCondLst>
+                            <p:childTnLst>
+                              <p:par>
+                                <p:cTn id="44" presetID="42" presetClass="entr" presetSubtype="0" fill="hold" nodeType="clickEffect">
+                                  <p:stCondLst>
+                                    <p:cond delay="0"/>
+                                  </p:stCondLst>
+                                  <p:childTnLst>
+                                    <p:set>
+                                      <p:cBhvr>
+                                        <p:cTn id="45" dur="1" fill="hold">
+                                          <p:stCondLst>
+                                            <p:cond delay="0"/>
+                                          </p:stCondLst>
+                                        </p:cTn>
+                                        <p:tgtEl>
+                                          <p:spTgt spid="3">
+                                            <p:txEl>
+                                              <p:pRg st="7" end="7"/>
+                                            </p:txEl>
+                                          </p:spTgt>
+                                        </p:tgtEl>
+                                        <p:attrNameLst>
+                                          <p:attrName>style.visibility</p:attrName>
+                                        </p:attrNameLst>
+                                      </p:cBhvr>
+                                      <p:to>
+                                        <p:strVal val="visible"/>
+                                      </p:to>
+                                    </p:set>
+                                    <p:animEffect transition="in" filter="fade">
+                                      <p:cBhvr>
+                                        <p:cTn id="46" dur="1000"/>
+                                        <p:tgtEl>
+                                          <p:spTgt spid="3">
+                                            <p:txEl>
+                                              <p:pRg st="7" end="7"/>
+                                            </p:txEl>
+                                          </p:spTgt>
+                                        </p:tgtEl>
+                                      </p:cBhvr>
+                                    </p:animEffect>
+                                    <p:anim calcmode="lin" valueType="num">
+                                      <p:cBhvr>
+                                        <p:cTn id="47" dur="1000" fill="hold"/>
+                                        <p:tgtEl>
+                                          <p:spTgt spid="3">
+                                            <p:txEl>
+                                              <p:pRg st="7" end="7"/>
+                                            </p:txEl>
+                                          </p:spTgt>
+                                        </p:tgtEl>
+                                        <p:attrNameLst>
+                                          <p:attrName>ppt_x</p:attrName>
+                                        </p:attrNameLst>
+                                      </p:cBhvr>
+                                      <p:tavLst>
+                                        <p:tav tm="0">
+                                          <p:val>
+                                            <p:strVal val="#ppt_x"/>
+                                          </p:val>
+                                        </p:tav>
+                                        <p:tav tm="100000">
+                                          <p:val>
+                                            <p:strVal val="#ppt_x"/>
+                                          </p:val>
+                                        </p:tav>
+                                      </p:tavLst>
+                                    </p:anim>
+                                    <p:anim calcmode="lin" valueType="num">
+                                      <p:cBhvr>
+                                        <p:cTn id="48" dur="1000" fill="hold"/>
+                                        <p:tgtEl>
+                                          <p:spTgt spid="3">
+                                            <p:txEl>
+                                              <p:pRg st="7" end="7"/>
+                                            </p:txEl>
+                                          </p:spTgt>
+                                        </p:tgtEl>
+                                        <p:attrNameLst>
+                                          <p:attrName>ppt_y</p:attrName>
+                                        </p:attrNameLst>
+                                      </p:cBhvr>
+                                      <p:tavLst>
+                                        <p:tav tm="0">
+                                          <p:val>
+                                            <p:strVal val="#ppt_y+.1"/>
+                                          </p:val>
+                                        </p:tav>
+                                        <p:tav tm="100000">
+                                          <p:val>
+                                            <p:strVal val="#ppt_y"/>
+                                          </p:val>
+                                        </p:tav>
+                                      </p:tavLst>
+                                    </p:anim>
+                                  </p:childTnLst>
+                                </p:cTn>
+                              </p:par>
+                            </p:childTnLst>
+                          </p:cTn>
+                        </p:par>
+                      </p:childTnLst>
+                    </p:cTn>
+                  </p:par>
+                  <p:par>
+                    <p:cTn id="49" fill="hold">
+                      <p:stCondLst>
+                        <p:cond delay="indefinite"/>
+                      </p:stCondLst>
+                      <p:childTnLst>
+                        <p:par>
+                          <p:cTn id="50" fill="hold">
+                            <p:stCondLst>
+                              <p:cond delay="0"/>
+                            </p:stCondLst>
+                            <p:childTnLst>
+                              <p:par>
+                                <p:cTn id="51" presetID="42" presetClass="entr" presetSubtype="0" fill="hold" nodeType="clickEffect">
+                                  <p:stCondLst>
+                                    <p:cond delay="0"/>
+                                  </p:stCondLst>
+                                  <p:childTnLst>
+                                    <p:set>
+                                      <p:cBhvr>
+                                        <p:cTn id="52" dur="1" fill="hold">
+                                          <p:stCondLst>
+                                            <p:cond delay="0"/>
+                                          </p:stCondLst>
+                                        </p:cTn>
+                                        <p:tgtEl>
+                                          <p:spTgt spid="3">
+                                            <p:txEl>
+                                              <p:pRg st="8" end="8"/>
+                                            </p:txEl>
+                                          </p:spTgt>
+                                        </p:tgtEl>
+                                        <p:attrNameLst>
+                                          <p:attrName>style.visibility</p:attrName>
+                                        </p:attrNameLst>
+                                      </p:cBhvr>
+                                      <p:to>
+                                        <p:strVal val="visible"/>
+                                      </p:to>
+                                    </p:set>
+                                    <p:animEffect transition="in" filter="fade">
+                                      <p:cBhvr>
+                                        <p:cTn id="53" dur="1000"/>
+                                        <p:tgtEl>
+                                          <p:spTgt spid="3">
+                                            <p:txEl>
+                                              <p:pRg st="8" end="8"/>
+                                            </p:txEl>
+                                          </p:spTgt>
+                                        </p:tgtEl>
+                                      </p:cBhvr>
+                                    </p:animEffect>
+                                    <p:anim calcmode="lin" valueType="num">
+                                      <p:cBhvr>
+                                        <p:cTn id="54" dur="1000" fill="hold"/>
+                                        <p:tgtEl>
+                                          <p:spTgt spid="3">
+                                            <p:txEl>
+                                              <p:pRg st="8" end="8"/>
+                                            </p:txEl>
+                                          </p:spTgt>
+                                        </p:tgtEl>
+                                        <p:attrNameLst>
+                                          <p:attrName>ppt_x</p:attrName>
+                                        </p:attrNameLst>
+                                      </p:cBhvr>
+                                      <p:tavLst>
+                                        <p:tav tm="0">
+                                          <p:val>
+                                            <p:strVal val="#ppt_x"/>
+                                          </p:val>
+                                        </p:tav>
+                                        <p:tav tm="100000">
+                                          <p:val>
+                                            <p:strVal val="#ppt_x"/>
+                                          </p:val>
+                                        </p:tav>
+                                      </p:tavLst>
+                                    </p:anim>
+                                    <p:anim calcmode="lin" valueType="num">
+                                      <p:cBhvr>
+                                        <p:cTn id="55" dur="1000" fill="hold"/>
+                                        <p:tgtEl>
+                                          <p:spTgt spid="3">
+                                            <p:txEl>
+                                              <p:pRg st="8" end="8"/>
+                                            </p:txEl>
+                                          </p:spTgt>
+                                        </p:tgtEl>
+                                        <p:attrNameLst>
+                                          <p:attrName>ppt_y</p:attrName>
+                                        </p:attrNameLst>
+                                      </p:cBhvr>
+                                      <p:tavLst>
+                                        <p:tav tm="0">
+                                          <p:val>
+                                            <p:strVal val="#ppt_y+.1"/>
+                                          </p:val>
+                                        </p:tav>
+                                        <p:tav tm="100000">
+                                          <p:val>
+                                            <p:strVal val="#ppt_y"/>
+                                          </p:val>
+                                        </p:tav>
+                                      </p:tavLst>
+                                    </p:anim>
+                                  </p:childTnLst>
+                                </p:cTn>
+                              </p:par>
+                            </p:childTnLst>
+                          </p:cTn>
+                        </p:par>
+                      </p:childTnLst>
+                    </p:cTn>
+                  </p:par>
+                </p:childTnLst>
+              </p:cTn>
+              <p:prevCondLst>
+                <p:cond evt="onPrev" delay="0">
+                  <p:tgtEl>
+                    <p:sldTgt/>
+                  </p:tgtEl>
+                </p:cond>
+              </p:prevCondLst>
+              <p:nextCondLst>
+                <p:cond evt="onNext" delay="0">
+                  <p:tgtEl>
+                    <p:sldTgt/>
+                  </p:tgtEl>
+                </p:cond>
+              </p:nextCondLst>
+            </p:seq>
+          </p:childTnLst>
+        </p:cTn>
+      </p:par>
+    </p:tnLst>
+  </p:timing>
 </p:sld>
 </file>
 
@@ -9360,6 +11404,1099 @@
       </p:transition>
     </mc:Fallback>
   </mc:AlternateContent>
+  <p:timing>
+    <p:tnLst>
+      <p:par>
+        <p:cTn id="1" dur="indefinite" restart="never" nodeType="tmRoot">
+          <p:childTnLst>
+            <p:seq concurrent="1" nextAc="seek">
+              <p:cTn id="2" dur="indefinite" nodeType="mainSeq">
+                <p:childTnLst>
+                  <p:par>
+                    <p:cTn id="3" fill="hold">
+                      <p:stCondLst>
+                        <p:cond delay="indefinite"/>
+                      </p:stCondLst>
+                      <p:childTnLst>
+                        <p:par>
+                          <p:cTn id="4" fill="hold">
+                            <p:stCondLst>
+                              <p:cond delay="0"/>
+                            </p:stCondLst>
+                            <p:childTnLst>
+                              <p:par>
+                                <p:cTn id="5" presetID="42" presetClass="entr" presetSubtype="0" fill="hold" nodeType="clickEffect">
+                                  <p:stCondLst>
+                                    <p:cond delay="0"/>
+                                  </p:stCondLst>
+                                  <p:childTnLst>
+                                    <p:set>
+                                      <p:cBhvr>
+                                        <p:cTn id="6" dur="1" fill="hold">
+                                          <p:stCondLst>
+                                            <p:cond delay="0"/>
+                                          </p:stCondLst>
+                                        </p:cTn>
+                                        <p:tgtEl>
+                                          <p:spTgt spid="3">
+                                            <p:txEl>
+                                              <p:pRg st="0" end="0"/>
+                                            </p:txEl>
+                                          </p:spTgt>
+                                        </p:tgtEl>
+                                        <p:attrNameLst>
+                                          <p:attrName>style.visibility</p:attrName>
+                                        </p:attrNameLst>
+                                      </p:cBhvr>
+                                      <p:to>
+                                        <p:strVal val="visible"/>
+                                      </p:to>
+                                    </p:set>
+                                    <p:animEffect transition="in" filter="fade">
+                                      <p:cBhvr>
+                                        <p:cTn id="7" dur="1000"/>
+                                        <p:tgtEl>
+                                          <p:spTgt spid="3">
+                                            <p:txEl>
+                                              <p:pRg st="0" end="0"/>
+                                            </p:txEl>
+                                          </p:spTgt>
+                                        </p:tgtEl>
+                                      </p:cBhvr>
+                                    </p:animEffect>
+                                    <p:anim calcmode="lin" valueType="num">
+                                      <p:cBhvr>
+                                        <p:cTn id="8" dur="1000" fill="hold"/>
+                                        <p:tgtEl>
+                                          <p:spTgt spid="3">
+                                            <p:txEl>
+                                              <p:pRg st="0" end="0"/>
+                                            </p:txEl>
+                                          </p:spTgt>
+                                        </p:tgtEl>
+                                        <p:attrNameLst>
+                                          <p:attrName>ppt_x</p:attrName>
+                                        </p:attrNameLst>
+                                      </p:cBhvr>
+                                      <p:tavLst>
+                                        <p:tav tm="0">
+                                          <p:val>
+                                            <p:strVal val="#ppt_x"/>
+                                          </p:val>
+                                        </p:tav>
+                                        <p:tav tm="100000">
+                                          <p:val>
+                                            <p:strVal val="#ppt_x"/>
+                                          </p:val>
+                                        </p:tav>
+                                      </p:tavLst>
+                                    </p:anim>
+                                    <p:anim calcmode="lin" valueType="num">
+                                      <p:cBhvr>
+                                        <p:cTn id="9" dur="1000" fill="hold"/>
+                                        <p:tgtEl>
+                                          <p:spTgt spid="3">
+                                            <p:txEl>
+                                              <p:pRg st="0" end="0"/>
+                                            </p:txEl>
+                                          </p:spTgt>
+                                        </p:tgtEl>
+                                        <p:attrNameLst>
+                                          <p:attrName>ppt_y</p:attrName>
+                                        </p:attrNameLst>
+                                      </p:cBhvr>
+                                      <p:tavLst>
+                                        <p:tav tm="0">
+                                          <p:val>
+                                            <p:strVal val="#ppt_y+.1"/>
+                                          </p:val>
+                                        </p:tav>
+                                        <p:tav tm="100000">
+                                          <p:val>
+                                            <p:strVal val="#ppt_y"/>
+                                          </p:val>
+                                        </p:tav>
+                                      </p:tavLst>
+                                    </p:anim>
+                                  </p:childTnLst>
+                                </p:cTn>
+                              </p:par>
+                            </p:childTnLst>
+                          </p:cTn>
+                        </p:par>
+                      </p:childTnLst>
+                    </p:cTn>
+                  </p:par>
+                  <p:par>
+                    <p:cTn id="10" fill="hold">
+                      <p:stCondLst>
+                        <p:cond delay="indefinite"/>
+                      </p:stCondLst>
+                      <p:childTnLst>
+                        <p:par>
+                          <p:cTn id="11" fill="hold">
+                            <p:stCondLst>
+                              <p:cond delay="0"/>
+                            </p:stCondLst>
+                            <p:childTnLst>
+                              <p:par>
+                                <p:cTn id="12" presetID="42" presetClass="entr" presetSubtype="0" fill="hold" nodeType="clickEffect">
+                                  <p:stCondLst>
+                                    <p:cond delay="0"/>
+                                  </p:stCondLst>
+                                  <p:childTnLst>
+                                    <p:set>
+                                      <p:cBhvr>
+                                        <p:cTn id="13" dur="1" fill="hold">
+                                          <p:stCondLst>
+                                            <p:cond delay="0"/>
+                                          </p:stCondLst>
+                                        </p:cTn>
+                                        <p:tgtEl>
+                                          <p:spTgt spid="3">
+                                            <p:txEl>
+                                              <p:pRg st="1" end="1"/>
+                                            </p:txEl>
+                                          </p:spTgt>
+                                        </p:tgtEl>
+                                        <p:attrNameLst>
+                                          <p:attrName>style.visibility</p:attrName>
+                                        </p:attrNameLst>
+                                      </p:cBhvr>
+                                      <p:to>
+                                        <p:strVal val="visible"/>
+                                      </p:to>
+                                    </p:set>
+                                    <p:animEffect transition="in" filter="fade">
+                                      <p:cBhvr>
+                                        <p:cTn id="14" dur="1000"/>
+                                        <p:tgtEl>
+                                          <p:spTgt spid="3">
+                                            <p:txEl>
+                                              <p:pRg st="1" end="1"/>
+                                            </p:txEl>
+                                          </p:spTgt>
+                                        </p:tgtEl>
+                                      </p:cBhvr>
+                                    </p:animEffect>
+                                    <p:anim calcmode="lin" valueType="num">
+                                      <p:cBhvr>
+                                        <p:cTn id="15" dur="1000" fill="hold"/>
+                                        <p:tgtEl>
+                                          <p:spTgt spid="3">
+                                            <p:txEl>
+                                              <p:pRg st="1" end="1"/>
+                                            </p:txEl>
+                                          </p:spTgt>
+                                        </p:tgtEl>
+                                        <p:attrNameLst>
+                                          <p:attrName>ppt_x</p:attrName>
+                                        </p:attrNameLst>
+                                      </p:cBhvr>
+                                      <p:tavLst>
+                                        <p:tav tm="0">
+                                          <p:val>
+                                            <p:strVal val="#ppt_x"/>
+                                          </p:val>
+                                        </p:tav>
+                                        <p:tav tm="100000">
+                                          <p:val>
+                                            <p:strVal val="#ppt_x"/>
+                                          </p:val>
+                                        </p:tav>
+                                      </p:tavLst>
+                                    </p:anim>
+                                    <p:anim calcmode="lin" valueType="num">
+                                      <p:cBhvr>
+                                        <p:cTn id="16" dur="1000" fill="hold"/>
+                                        <p:tgtEl>
+                                          <p:spTgt spid="3">
+                                            <p:txEl>
+                                              <p:pRg st="1" end="1"/>
+                                            </p:txEl>
+                                          </p:spTgt>
+                                        </p:tgtEl>
+                                        <p:attrNameLst>
+                                          <p:attrName>ppt_y</p:attrName>
+                                        </p:attrNameLst>
+                                      </p:cBhvr>
+                                      <p:tavLst>
+                                        <p:tav tm="0">
+                                          <p:val>
+                                            <p:strVal val="#ppt_y+.1"/>
+                                          </p:val>
+                                        </p:tav>
+                                        <p:tav tm="100000">
+                                          <p:val>
+                                            <p:strVal val="#ppt_y"/>
+                                          </p:val>
+                                        </p:tav>
+                                      </p:tavLst>
+                                    </p:anim>
+                                  </p:childTnLst>
+                                </p:cTn>
+                              </p:par>
+                            </p:childTnLst>
+                          </p:cTn>
+                        </p:par>
+                      </p:childTnLst>
+                    </p:cTn>
+                  </p:par>
+                  <p:par>
+                    <p:cTn id="17" fill="hold">
+                      <p:stCondLst>
+                        <p:cond delay="indefinite"/>
+                      </p:stCondLst>
+                      <p:childTnLst>
+                        <p:par>
+                          <p:cTn id="18" fill="hold">
+                            <p:stCondLst>
+                              <p:cond delay="0"/>
+                            </p:stCondLst>
+                            <p:childTnLst>
+                              <p:par>
+                                <p:cTn id="19" presetID="42" presetClass="entr" presetSubtype="0" fill="hold" nodeType="clickEffect">
+                                  <p:stCondLst>
+                                    <p:cond delay="0"/>
+                                  </p:stCondLst>
+                                  <p:childTnLst>
+                                    <p:set>
+                                      <p:cBhvr>
+                                        <p:cTn id="20" dur="1" fill="hold">
+                                          <p:stCondLst>
+                                            <p:cond delay="0"/>
+                                          </p:stCondLst>
+                                        </p:cTn>
+                                        <p:tgtEl>
+                                          <p:spTgt spid="3">
+                                            <p:txEl>
+                                              <p:pRg st="2" end="2"/>
+                                            </p:txEl>
+                                          </p:spTgt>
+                                        </p:tgtEl>
+                                        <p:attrNameLst>
+                                          <p:attrName>style.visibility</p:attrName>
+                                        </p:attrNameLst>
+                                      </p:cBhvr>
+                                      <p:to>
+                                        <p:strVal val="visible"/>
+                                      </p:to>
+                                    </p:set>
+                                    <p:animEffect transition="in" filter="fade">
+                                      <p:cBhvr>
+                                        <p:cTn id="21" dur="1000"/>
+                                        <p:tgtEl>
+                                          <p:spTgt spid="3">
+                                            <p:txEl>
+                                              <p:pRg st="2" end="2"/>
+                                            </p:txEl>
+                                          </p:spTgt>
+                                        </p:tgtEl>
+                                      </p:cBhvr>
+                                    </p:animEffect>
+                                    <p:anim calcmode="lin" valueType="num">
+                                      <p:cBhvr>
+                                        <p:cTn id="22" dur="1000" fill="hold"/>
+                                        <p:tgtEl>
+                                          <p:spTgt spid="3">
+                                            <p:txEl>
+                                              <p:pRg st="2" end="2"/>
+                                            </p:txEl>
+                                          </p:spTgt>
+                                        </p:tgtEl>
+                                        <p:attrNameLst>
+                                          <p:attrName>ppt_x</p:attrName>
+                                        </p:attrNameLst>
+                                      </p:cBhvr>
+                                      <p:tavLst>
+                                        <p:tav tm="0">
+                                          <p:val>
+                                            <p:strVal val="#ppt_x"/>
+                                          </p:val>
+                                        </p:tav>
+                                        <p:tav tm="100000">
+                                          <p:val>
+                                            <p:strVal val="#ppt_x"/>
+                                          </p:val>
+                                        </p:tav>
+                                      </p:tavLst>
+                                    </p:anim>
+                                    <p:anim calcmode="lin" valueType="num">
+                                      <p:cBhvr>
+                                        <p:cTn id="23" dur="1000" fill="hold"/>
+                                        <p:tgtEl>
+                                          <p:spTgt spid="3">
+                                            <p:txEl>
+                                              <p:pRg st="2" end="2"/>
+                                            </p:txEl>
+                                          </p:spTgt>
+                                        </p:tgtEl>
+                                        <p:attrNameLst>
+                                          <p:attrName>ppt_y</p:attrName>
+                                        </p:attrNameLst>
+                                      </p:cBhvr>
+                                      <p:tavLst>
+                                        <p:tav tm="0">
+                                          <p:val>
+                                            <p:strVal val="#ppt_y+.1"/>
+                                          </p:val>
+                                        </p:tav>
+                                        <p:tav tm="100000">
+                                          <p:val>
+                                            <p:strVal val="#ppt_y"/>
+                                          </p:val>
+                                        </p:tav>
+                                      </p:tavLst>
+                                    </p:anim>
+                                  </p:childTnLst>
+                                </p:cTn>
+                              </p:par>
+                            </p:childTnLst>
+                          </p:cTn>
+                        </p:par>
+                      </p:childTnLst>
+                    </p:cTn>
+                  </p:par>
+                  <p:par>
+                    <p:cTn id="24" fill="hold">
+                      <p:stCondLst>
+                        <p:cond delay="indefinite"/>
+                      </p:stCondLst>
+                      <p:childTnLst>
+                        <p:par>
+                          <p:cTn id="25" fill="hold">
+                            <p:stCondLst>
+                              <p:cond delay="0"/>
+                            </p:stCondLst>
+                            <p:childTnLst>
+                              <p:par>
+                                <p:cTn id="26" presetID="42" presetClass="entr" presetSubtype="0" fill="hold" nodeType="clickEffect">
+                                  <p:stCondLst>
+                                    <p:cond delay="0"/>
+                                  </p:stCondLst>
+                                  <p:childTnLst>
+                                    <p:set>
+                                      <p:cBhvr>
+                                        <p:cTn id="27" dur="1" fill="hold">
+                                          <p:stCondLst>
+                                            <p:cond delay="0"/>
+                                          </p:stCondLst>
+                                        </p:cTn>
+                                        <p:tgtEl>
+                                          <p:spTgt spid="3">
+                                            <p:txEl>
+                                              <p:pRg st="3" end="3"/>
+                                            </p:txEl>
+                                          </p:spTgt>
+                                        </p:tgtEl>
+                                        <p:attrNameLst>
+                                          <p:attrName>style.visibility</p:attrName>
+                                        </p:attrNameLst>
+                                      </p:cBhvr>
+                                      <p:to>
+                                        <p:strVal val="visible"/>
+                                      </p:to>
+                                    </p:set>
+                                    <p:animEffect transition="in" filter="fade">
+                                      <p:cBhvr>
+                                        <p:cTn id="28" dur="1000"/>
+                                        <p:tgtEl>
+                                          <p:spTgt spid="3">
+                                            <p:txEl>
+                                              <p:pRg st="3" end="3"/>
+                                            </p:txEl>
+                                          </p:spTgt>
+                                        </p:tgtEl>
+                                      </p:cBhvr>
+                                    </p:animEffect>
+                                    <p:anim calcmode="lin" valueType="num">
+                                      <p:cBhvr>
+                                        <p:cTn id="29" dur="1000" fill="hold"/>
+                                        <p:tgtEl>
+                                          <p:spTgt spid="3">
+                                            <p:txEl>
+                                              <p:pRg st="3" end="3"/>
+                                            </p:txEl>
+                                          </p:spTgt>
+                                        </p:tgtEl>
+                                        <p:attrNameLst>
+                                          <p:attrName>ppt_x</p:attrName>
+                                        </p:attrNameLst>
+                                      </p:cBhvr>
+                                      <p:tavLst>
+                                        <p:tav tm="0">
+                                          <p:val>
+                                            <p:strVal val="#ppt_x"/>
+                                          </p:val>
+                                        </p:tav>
+                                        <p:tav tm="100000">
+                                          <p:val>
+                                            <p:strVal val="#ppt_x"/>
+                                          </p:val>
+                                        </p:tav>
+                                      </p:tavLst>
+                                    </p:anim>
+                                    <p:anim calcmode="lin" valueType="num">
+                                      <p:cBhvr>
+                                        <p:cTn id="30" dur="1000" fill="hold"/>
+                                        <p:tgtEl>
+                                          <p:spTgt spid="3">
+                                            <p:txEl>
+                                              <p:pRg st="3" end="3"/>
+                                            </p:txEl>
+                                          </p:spTgt>
+                                        </p:tgtEl>
+                                        <p:attrNameLst>
+                                          <p:attrName>ppt_y</p:attrName>
+                                        </p:attrNameLst>
+                                      </p:cBhvr>
+                                      <p:tavLst>
+                                        <p:tav tm="0">
+                                          <p:val>
+                                            <p:strVal val="#ppt_y+.1"/>
+                                          </p:val>
+                                        </p:tav>
+                                        <p:tav tm="100000">
+                                          <p:val>
+                                            <p:strVal val="#ppt_y"/>
+                                          </p:val>
+                                        </p:tav>
+                                      </p:tavLst>
+                                    </p:anim>
+                                  </p:childTnLst>
+                                </p:cTn>
+                              </p:par>
+                            </p:childTnLst>
+                          </p:cTn>
+                        </p:par>
+                      </p:childTnLst>
+                    </p:cTn>
+                  </p:par>
+                  <p:par>
+                    <p:cTn id="31" fill="hold">
+                      <p:stCondLst>
+                        <p:cond delay="indefinite"/>
+                      </p:stCondLst>
+                      <p:childTnLst>
+                        <p:par>
+                          <p:cTn id="32" fill="hold">
+                            <p:stCondLst>
+                              <p:cond delay="0"/>
+                            </p:stCondLst>
+                            <p:childTnLst>
+                              <p:par>
+                                <p:cTn id="33" presetID="42" presetClass="entr" presetSubtype="0" fill="hold" nodeType="clickEffect">
+                                  <p:stCondLst>
+                                    <p:cond delay="0"/>
+                                  </p:stCondLst>
+                                  <p:childTnLst>
+                                    <p:set>
+                                      <p:cBhvr>
+                                        <p:cTn id="34" dur="1" fill="hold">
+                                          <p:stCondLst>
+                                            <p:cond delay="0"/>
+                                          </p:stCondLst>
+                                        </p:cTn>
+                                        <p:tgtEl>
+                                          <p:spTgt spid="3">
+                                            <p:txEl>
+                                              <p:pRg st="5" end="5"/>
+                                            </p:txEl>
+                                          </p:spTgt>
+                                        </p:tgtEl>
+                                        <p:attrNameLst>
+                                          <p:attrName>style.visibility</p:attrName>
+                                        </p:attrNameLst>
+                                      </p:cBhvr>
+                                      <p:to>
+                                        <p:strVal val="visible"/>
+                                      </p:to>
+                                    </p:set>
+                                    <p:animEffect transition="in" filter="fade">
+                                      <p:cBhvr>
+                                        <p:cTn id="35" dur="1000"/>
+                                        <p:tgtEl>
+                                          <p:spTgt spid="3">
+                                            <p:txEl>
+                                              <p:pRg st="5" end="5"/>
+                                            </p:txEl>
+                                          </p:spTgt>
+                                        </p:tgtEl>
+                                      </p:cBhvr>
+                                    </p:animEffect>
+                                    <p:anim calcmode="lin" valueType="num">
+                                      <p:cBhvr>
+                                        <p:cTn id="36" dur="1000" fill="hold"/>
+                                        <p:tgtEl>
+                                          <p:spTgt spid="3">
+                                            <p:txEl>
+                                              <p:pRg st="5" end="5"/>
+                                            </p:txEl>
+                                          </p:spTgt>
+                                        </p:tgtEl>
+                                        <p:attrNameLst>
+                                          <p:attrName>ppt_x</p:attrName>
+                                        </p:attrNameLst>
+                                      </p:cBhvr>
+                                      <p:tavLst>
+                                        <p:tav tm="0">
+                                          <p:val>
+                                            <p:strVal val="#ppt_x"/>
+                                          </p:val>
+                                        </p:tav>
+                                        <p:tav tm="100000">
+                                          <p:val>
+                                            <p:strVal val="#ppt_x"/>
+                                          </p:val>
+                                        </p:tav>
+                                      </p:tavLst>
+                                    </p:anim>
+                                    <p:anim calcmode="lin" valueType="num">
+                                      <p:cBhvr>
+                                        <p:cTn id="37" dur="1000" fill="hold"/>
+                                        <p:tgtEl>
+                                          <p:spTgt spid="3">
+                                            <p:txEl>
+                                              <p:pRg st="5" end="5"/>
+                                            </p:txEl>
+                                          </p:spTgt>
+                                        </p:tgtEl>
+                                        <p:attrNameLst>
+                                          <p:attrName>ppt_y</p:attrName>
+                                        </p:attrNameLst>
+                                      </p:cBhvr>
+                                      <p:tavLst>
+                                        <p:tav tm="0">
+                                          <p:val>
+                                            <p:strVal val="#ppt_y+.1"/>
+                                          </p:val>
+                                        </p:tav>
+                                        <p:tav tm="100000">
+                                          <p:val>
+                                            <p:strVal val="#ppt_y"/>
+                                          </p:val>
+                                        </p:tav>
+                                      </p:tavLst>
+                                    </p:anim>
+                                  </p:childTnLst>
+                                </p:cTn>
+                              </p:par>
+                            </p:childTnLst>
+                          </p:cTn>
+                        </p:par>
+                      </p:childTnLst>
+                    </p:cTn>
+                  </p:par>
+                  <p:par>
+                    <p:cTn id="38" fill="hold">
+                      <p:stCondLst>
+                        <p:cond delay="indefinite"/>
+                      </p:stCondLst>
+                      <p:childTnLst>
+                        <p:par>
+                          <p:cTn id="39" fill="hold">
+                            <p:stCondLst>
+                              <p:cond delay="0"/>
+                            </p:stCondLst>
+                            <p:childTnLst>
+                              <p:par>
+                                <p:cTn id="40" presetID="10" presetClass="entr" presetSubtype="0" fill="hold" nodeType="clickEffect">
+                                  <p:stCondLst>
+                                    <p:cond delay="0"/>
+                                  </p:stCondLst>
+                                  <p:childTnLst>
+                                    <p:set>
+                                      <p:cBhvr>
+                                        <p:cTn id="41" dur="1" fill="hold">
+                                          <p:stCondLst>
+                                            <p:cond delay="0"/>
+                                          </p:stCondLst>
+                                        </p:cTn>
+                                        <p:tgtEl>
+                                          <p:spTgt spid="3">
+                                            <p:txEl>
+                                              <p:pRg st="6" end="6"/>
+                                            </p:txEl>
+                                          </p:spTgt>
+                                        </p:tgtEl>
+                                        <p:attrNameLst>
+                                          <p:attrName>style.visibility</p:attrName>
+                                        </p:attrNameLst>
+                                      </p:cBhvr>
+                                      <p:to>
+                                        <p:strVal val="visible"/>
+                                      </p:to>
+                                    </p:set>
+                                    <p:animEffect transition="in" filter="fade">
+                                      <p:cBhvr>
+                                        <p:cTn id="42" dur="500"/>
+                                        <p:tgtEl>
+                                          <p:spTgt spid="3">
+                                            <p:txEl>
+                                              <p:pRg st="6" end="6"/>
+                                            </p:txEl>
+                                          </p:spTgt>
+                                        </p:tgtEl>
+                                      </p:cBhvr>
+                                    </p:animEffect>
+                                  </p:childTnLst>
+                                </p:cTn>
+                              </p:par>
+                            </p:childTnLst>
+                          </p:cTn>
+                        </p:par>
+                      </p:childTnLst>
+                    </p:cTn>
+                  </p:par>
+                  <p:par>
+                    <p:cTn id="43" fill="hold">
+                      <p:stCondLst>
+                        <p:cond delay="indefinite"/>
+                      </p:stCondLst>
+                      <p:childTnLst>
+                        <p:par>
+                          <p:cTn id="44" fill="hold">
+                            <p:stCondLst>
+                              <p:cond delay="0"/>
+                            </p:stCondLst>
+                            <p:childTnLst>
+                              <p:par>
+                                <p:cTn id="45" presetID="10" presetClass="entr" presetSubtype="0" fill="hold" nodeType="clickEffect">
+                                  <p:stCondLst>
+                                    <p:cond delay="0"/>
+                                  </p:stCondLst>
+                                  <p:childTnLst>
+                                    <p:set>
+                                      <p:cBhvr>
+                                        <p:cTn id="46" dur="1" fill="hold">
+                                          <p:stCondLst>
+                                            <p:cond delay="0"/>
+                                          </p:stCondLst>
+                                        </p:cTn>
+                                        <p:tgtEl>
+                                          <p:spTgt spid="3">
+                                            <p:txEl>
+                                              <p:pRg st="7" end="7"/>
+                                            </p:txEl>
+                                          </p:spTgt>
+                                        </p:tgtEl>
+                                        <p:attrNameLst>
+                                          <p:attrName>style.visibility</p:attrName>
+                                        </p:attrNameLst>
+                                      </p:cBhvr>
+                                      <p:to>
+                                        <p:strVal val="visible"/>
+                                      </p:to>
+                                    </p:set>
+                                    <p:animEffect transition="in" filter="fade">
+                                      <p:cBhvr>
+                                        <p:cTn id="47" dur="500"/>
+                                        <p:tgtEl>
+                                          <p:spTgt spid="3">
+                                            <p:txEl>
+                                              <p:pRg st="7" end="7"/>
+                                            </p:txEl>
+                                          </p:spTgt>
+                                        </p:tgtEl>
+                                      </p:cBhvr>
+                                    </p:animEffect>
+                                  </p:childTnLst>
+                                </p:cTn>
+                              </p:par>
+                            </p:childTnLst>
+                          </p:cTn>
+                        </p:par>
+                      </p:childTnLst>
+                    </p:cTn>
+                  </p:par>
+                  <p:par>
+                    <p:cTn id="48" fill="hold">
+                      <p:stCondLst>
+                        <p:cond delay="indefinite"/>
+                      </p:stCondLst>
+                      <p:childTnLst>
+                        <p:par>
+                          <p:cTn id="49" fill="hold">
+                            <p:stCondLst>
+                              <p:cond delay="0"/>
+                            </p:stCondLst>
+                            <p:childTnLst>
+                              <p:par>
+                                <p:cTn id="50" presetID="10" presetClass="entr" presetSubtype="0" fill="hold" nodeType="clickEffect">
+                                  <p:stCondLst>
+                                    <p:cond delay="0"/>
+                                  </p:stCondLst>
+                                  <p:childTnLst>
+                                    <p:set>
+                                      <p:cBhvr>
+                                        <p:cTn id="51" dur="1" fill="hold">
+                                          <p:stCondLst>
+                                            <p:cond delay="0"/>
+                                          </p:stCondLst>
+                                        </p:cTn>
+                                        <p:tgtEl>
+                                          <p:spTgt spid="3">
+                                            <p:txEl>
+                                              <p:pRg st="8" end="8"/>
+                                            </p:txEl>
+                                          </p:spTgt>
+                                        </p:tgtEl>
+                                        <p:attrNameLst>
+                                          <p:attrName>style.visibility</p:attrName>
+                                        </p:attrNameLst>
+                                      </p:cBhvr>
+                                      <p:to>
+                                        <p:strVal val="visible"/>
+                                      </p:to>
+                                    </p:set>
+                                    <p:animEffect transition="in" filter="fade">
+                                      <p:cBhvr>
+                                        <p:cTn id="52" dur="500"/>
+                                        <p:tgtEl>
+                                          <p:spTgt spid="3">
+                                            <p:txEl>
+                                              <p:pRg st="8" end="8"/>
+                                            </p:txEl>
+                                          </p:spTgt>
+                                        </p:tgtEl>
+                                      </p:cBhvr>
+                                    </p:animEffect>
+                                  </p:childTnLst>
+                                </p:cTn>
+                              </p:par>
+                            </p:childTnLst>
+                          </p:cTn>
+                        </p:par>
+                      </p:childTnLst>
+                    </p:cTn>
+                  </p:par>
+                  <p:par>
+                    <p:cTn id="53" fill="hold">
+                      <p:stCondLst>
+                        <p:cond delay="indefinite"/>
+                      </p:stCondLst>
+                      <p:childTnLst>
+                        <p:par>
+                          <p:cTn id="54" fill="hold">
+                            <p:stCondLst>
+                              <p:cond delay="0"/>
+                            </p:stCondLst>
+                            <p:childTnLst>
+                              <p:par>
+                                <p:cTn id="55" presetID="10" presetClass="entr" presetSubtype="0" fill="hold" nodeType="clickEffect">
+                                  <p:stCondLst>
+                                    <p:cond delay="0"/>
+                                  </p:stCondLst>
+                                  <p:childTnLst>
+                                    <p:set>
+                                      <p:cBhvr>
+                                        <p:cTn id="56" dur="1" fill="hold">
+                                          <p:stCondLst>
+                                            <p:cond delay="0"/>
+                                          </p:stCondLst>
+                                        </p:cTn>
+                                        <p:tgtEl>
+                                          <p:spTgt spid="3">
+                                            <p:txEl>
+                                              <p:pRg st="9" end="9"/>
+                                            </p:txEl>
+                                          </p:spTgt>
+                                        </p:tgtEl>
+                                        <p:attrNameLst>
+                                          <p:attrName>style.visibility</p:attrName>
+                                        </p:attrNameLst>
+                                      </p:cBhvr>
+                                      <p:to>
+                                        <p:strVal val="visible"/>
+                                      </p:to>
+                                    </p:set>
+                                    <p:animEffect transition="in" filter="fade">
+                                      <p:cBhvr>
+                                        <p:cTn id="57" dur="500"/>
+                                        <p:tgtEl>
+                                          <p:spTgt spid="3">
+                                            <p:txEl>
+                                              <p:pRg st="9" end="9"/>
+                                            </p:txEl>
+                                          </p:spTgt>
+                                        </p:tgtEl>
+                                      </p:cBhvr>
+                                    </p:animEffect>
+                                  </p:childTnLst>
+                                </p:cTn>
+                              </p:par>
+                            </p:childTnLst>
+                          </p:cTn>
+                        </p:par>
+                      </p:childTnLst>
+                    </p:cTn>
+                  </p:par>
+                  <p:par>
+                    <p:cTn id="58" fill="hold">
+                      <p:stCondLst>
+                        <p:cond delay="indefinite"/>
+                      </p:stCondLst>
+                      <p:childTnLst>
+                        <p:par>
+                          <p:cTn id="59" fill="hold">
+                            <p:stCondLst>
+                              <p:cond delay="0"/>
+                            </p:stCondLst>
+                            <p:childTnLst>
+                              <p:par>
+                                <p:cTn id="60" presetID="10" presetClass="entr" presetSubtype="0" fill="hold" nodeType="clickEffect">
+                                  <p:stCondLst>
+                                    <p:cond delay="0"/>
+                                  </p:stCondLst>
+                                  <p:childTnLst>
+                                    <p:set>
+                                      <p:cBhvr>
+                                        <p:cTn id="61" dur="1" fill="hold">
+                                          <p:stCondLst>
+                                            <p:cond delay="0"/>
+                                          </p:stCondLst>
+                                        </p:cTn>
+                                        <p:tgtEl>
+                                          <p:spTgt spid="3">
+                                            <p:txEl>
+                                              <p:pRg st="10" end="10"/>
+                                            </p:txEl>
+                                          </p:spTgt>
+                                        </p:tgtEl>
+                                        <p:attrNameLst>
+                                          <p:attrName>style.visibility</p:attrName>
+                                        </p:attrNameLst>
+                                      </p:cBhvr>
+                                      <p:to>
+                                        <p:strVal val="visible"/>
+                                      </p:to>
+                                    </p:set>
+                                    <p:animEffect transition="in" filter="fade">
+                                      <p:cBhvr>
+                                        <p:cTn id="62" dur="500"/>
+                                        <p:tgtEl>
+                                          <p:spTgt spid="3">
+                                            <p:txEl>
+                                              <p:pRg st="10" end="10"/>
+                                            </p:txEl>
+                                          </p:spTgt>
+                                        </p:tgtEl>
+                                      </p:cBhvr>
+                                    </p:animEffect>
+                                  </p:childTnLst>
+                                </p:cTn>
+                              </p:par>
+                            </p:childTnLst>
+                          </p:cTn>
+                        </p:par>
+                      </p:childTnLst>
+                    </p:cTn>
+                  </p:par>
+                  <p:par>
+                    <p:cTn id="63" fill="hold">
+                      <p:stCondLst>
+                        <p:cond delay="indefinite"/>
+                      </p:stCondLst>
+                      <p:childTnLst>
+                        <p:par>
+                          <p:cTn id="64" fill="hold">
+                            <p:stCondLst>
+                              <p:cond delay="0"/>
+                            </p:stCondLst>
+                            <p:childTnLst>
+                              <p:par>
+                                <p:cTn id="65" presetID="10" presetClass="entr" presetSubtype="0" fill="hold" nodeType="clickEffect">
+                                  <p:stCondLst>
+                                    <p:cond delay="0"/>
+                                  </p:stCondLst>
+                                  <p:childTnLst>
+                                    <p:set>
+                                      <p:cBhvr>
+                                        <p:cTn id="66" dur="1" fill="hold">
+                                          <p:stCondLst>
+                                            <p:cond delay="0"/>
+                                          </p:stCondLst>
+                                        </p:cTn>
+                                        <p:tgtEl>
+                                          <p:spTgt spid="3">
+                                            <p:txEl>
+                                              <p:pRg st="11" end="11"/>
+                                            </p:txEl>
+                                          </p:spTgt>
+                                        </p:tgtEl>
+                                        <p:attrNameLst>
+                                          <p:attrName>style.visibility</p:attrName>
+                                        </p:attrNameLst>
+                                      </p:cBhvr>
+                                      <p:to>
+                                        <p:strVal val="visible"/>
+                                      </p:to>
+                                    </p:set>
+                                    <p:animEffect transition="in" filter="fade">
+                                      <p:cBhvr>
+                                        <p:cTn id="67" dur="500"/>
+                                        <p:tgtEl>
+                                          <p:spTgt spid="3">
+                                            <p:txEl>
+                                              <p:pRg st="11" end="11"/>
+                                            </p:txEl>
+                                          </p:spTgt>
+                                        </p:tgtEl>
+                                      </p:cBhvr>
+                                    </p:animEffect>
+                                  </p:childTnLst>
+                                </p:cTn>
+                              </p:par>
+                            </p:childTnLst>
+                          </p:cTn>
+                        </p:par>
+                      </p:childTnLst>
+                    </p:cTn>
+                  </p:par>
+                  <p:par>
+                    <p:cTn id="68" fill="hold">
+                      <p:stCondLst>
+                        <p:cond delay="indefinite"/>
+                      </p:stCondLst>
+                      <p:childTnLst>
+                        <p:par>
+                          <p:cTn id="69" fill="hold">
+                            <p:stCondLst>
+                              <p:cond delay="0"/>
+                            </p:stCondLst>
+                            <p:childTnLst>
+                              <p:par>
+                                <p:cTn id="70" presetID="10" presetClass="entr" presetSubtype="0" fill="hold" nodeType="clickEffect">
+                                  <p:stCondLst>
+                                    <p:cond delay="0"/>
+                                  </p:stCondLst>
+                                  <p:childTnLst>
+                                    <p:set>
+                                      <p:cBhvr>
+                                        <p:cTn id="71" dur="1" fill="hold">
+                                          <p:stCondLst>
+                                            <p:cond delay="0"/>
+                                          </p:stCondLst>
+                                        </p:cTn>
+                                        <p:tgtEl>
+                                          <p:spTgt spid="3">
+                                            <p:txEl>
+                                              <p:pRg st="12" end="12"/>
+                                            </p:txEl>
+                                          </p:spTgt>
+                                        </p:tgtEl>
+                                        <p:attrNameLst>
+                                          <p:attrName>style.visibility</p:attrName>
+                                        </p:attrNameLst>
+                                      </p:cBhvr>
+                                      <p:to>
+                                        <p:strVal val="visible"/>
+                                      </p:to>
+                                    </p:set>
+                                    <p:animEffect transition="in" filter="fade">
+                                      <p:cBhvr>
+                                        <p:cTn id="72" dur="500"/>
+                                        <p:tgtEl>
+                                          <p:spTgt spid="3">
+                                            <p:txEl>
+                                              <p:pRg st="12" end="12"/>
+                                            </p:txEl>
+                                          </p:spTgt>
+                                        </p:tgtEl>
+                                      </p:cBhvr>
+                                    </p:animEffect>
+                                  </p:childTnLst>
+                                </p:cTn>
+                              </p:par>
+                            </p:childTnLst>
+                          </p:cTn>
+                        </p:par>
+                      </p:childTnLst>
+                    </p:cTn>
+                  </p:par>
+                  <p:par>
+                    <p:cTn id="73" fill="hold">
+                      <p:stCondLst>
+                        <p:cond delay="indefinite"/>
+                      </p:stCondLst>
+                      <p:childTnLst>
+                        <p:par>
+                          <p:cTn id="74" fill="hold">
+                            <p:stCondLst>
+                              <p:cond delay="0"/>
+                            </p:stCondLst>
+                            <p:childTnLst>
+                              <p:par>
+                                <p:cTn id="75" presetID="10" presetClass="entr" presetSubtype="0" fill="hold" nodeType="clickEffect">
+                                  <p:stCondLst>
+                                    <p:cond delay="0"/>
+                                  </p:stCondLst>
+                                  <p:childTnLst>
+                                    <p:set>
+                                      <p:cBhvr>
+                                        <p:cTn id="76" dur="1" fill="hold">
+                                          <p:stCondLst>
+                                            <p:cond delay="0"/>
+                                          </p:stCondLst>
+                                        </p:cTn>
+                                        <p:tgtEl>
+                                          <p:spTgt spid="3">
+                                            <p:txEl>
+                                              <p:pRg st="13" end="13"/>
+                                            </p:txEl>
+                                          </p:spTgt>
+                                        </p:tgtEl>
+                                        <p:attrNameLst>
+                                          <p:attrName>style.visibility</p:attrName>
+                                        </p:attrNameLst>
+                                      </p:cBhvr>
+                                      <p:to>
+                                        <p:strVal val="visible"/>
+                                      </p:to>
+                                    </p:set>
+                                    <p:animEffect transition="in" filter="fade">
+                                      <p:cBhvr>
+                                        <p:cTn id="77" dur="500"/>
+                                        <p:tgtEl>
+                                          <p:spTgt spid="3">
+                                            <p:txEl>
+                                              <p:pRg st="13" end="13"/>
+                                            </p:txEl>
+                                          </p:spTgt>
+                                        </p:tgtEl>
+                                      </p:cBhvr>
+                                    </p:animEffect>
+                                  </p:childTnLst>
+                                </p:cTn>
+                              </p:par>
+                            </p:childTnLst>
+                          </p:cTn>
+                        </p:par>
+                      </p:childTnLst>
+                    </p:cTn>
+                  </p:par>
+                </p:childTnLst>
+              </p:cTn>
+              <p:prevCondLst>
+                <p:cond evt="onPrev" delay="0">
+                  <p:tgtEl>
+                    <p:sldTgt/>
+                  </p:tgtEl>
+                </p:cond>
+              </p:prevCondLst>
+              <p:nextCondLst>
+                <p:cond evt="onNext" delay="0">
+                  <p:tgtEl>
+                    <p:sldTgt/>
+                  </p:tgtEl>
+                </p:cond>
+              </p:nextCondLst>
+            </p:seq>
+          </p:childTnLst>
+        </p:cTn>
+      </p:par>
+    </p:tnLst>
+  </p:timing>
 </p:sld>
 </file>
 
@@ -10919,6 +14056,182 @@
       </p:transition>
     </mc:Fallback>
   </mc:AlternateContent>
+  <p:timing>
+    <p:tnLst>
+      <p:par>
+        <p:cTn id="1" dur="indefinite" restart="never" nodeType="tmRoot">
+          <p:childTnLst>
+            <p:seq concurrent="1" nextAc="seek">
+              <p:cTn id="2" dur="indefinite" nodeType="mainSeq">
+                <p:childTnLst>
+                  <p:par>
+                    <p:cTn id="3" fill="hold">
+                      <p:stCondLst>
+                        <p:cond delay="indefinite"/>
+                      </p:stCondLst>
+                      <p:childTnLst>
+                        <p:par>
+                          <p:cTn id="4" fill="hold">
+                            <p:stCondLst>
+                              <p:cond delay="0"/>
+                            </p:stCondLst>
+                            <p:childTnLst>
+                              <p:par>
+                                <p:cTn id="5" presetID="10" presetClass="entr" presetSubtype="0" fill="hold" grpId="0" nodeType="clickEffect">
+                                  <p:stCondLst>
+                                    <p:cond delay="0"/>
+                                  </p:stCondLst>
+                                  <p:childTnLst>
+                                    <p:set>
+                                      <p:cBhvr>
+                                        <p:cTn id="6" dur="1" fill="hold">
+                                          <p:stCondLst>
+                                            <p:cond delay="0"/>
+                                          </p:stCondLst>
+                                        </p:cTn>
+                                        <p:tgtEl>
+                                          <p:spTgt spid="7"/>
+                                        </p:tgtEl>
+                                        <p:attrNameLst>
+                                          <p:attrName>style.visibility</p:attrName>
+                                        </p:attrNameLst>
+                                      </p:cBhvr>
+                                      <p:to>
+                                        <p:strVal val="visible"/>
+                                      </p:to>
+                                    </p:set>
+                                    <p:animEffect transition="in" filter="fade">
+                                      <p:cBhvr>
+                                        <p:cTn id="7" dur="500"/>
+                                        <p:tgtEl>
+                                          <p:spTgt spid="7"/>
+                                        </p:tgtEl>
+                                      </p:cBhvr>
+                                    </p:animEffect>
+                                  </p:childTnLst>
+                                </p:cTn>
+                              </p:par>
+                              <p:par>
+                                <p:cTn id="8" presetID="10" presetClass="entr" presetSubtype="0" fill="hold" grpId="0" nodeType="withEffect">
+                                  <p:stCondLst>
+                                    <p:cond delay="0"/>
+                                  </p:stCondLst>
+                                  <p:childTnLst>
+                                    <p:set>
+                                      <p:cBhvr>
+                                        <p:cTn id="9" dur="1" fill="hold">
+                                          <p:stCondLst>
+                                            <p:cond delay="0"/>
+                                          </p:stCondLst>
+                                        </p:cTn>
+                                        <p:tgtEl>
+                                          <p:spTgt spid="9"/>
+                                        </p:tgtEl>
+                                        <p:attrNameLst>
+                                          <p:attrName>style.visibility</p:attrName>
+                                        </p:attrNameLst>
+                                      </p:cBhvr>
+                                      <p:to>
+                                        <p:strVal val="visible"/>
+                                      </p:to>
+                                    </p:set>
+                                    <p:animEffect transition="in" filter="fade">
+                                      <p:cBhvr>
+                                        <p:cTn id="10" dur="500"/>
+                                        <p:tgtEl>
+                                          <p:spTgt spid="9"/>
+                                        </p:tgtEl>
+                                      </p:cBhvr>
+                                    </p:animEffect>
+                                  </p:childTnLst>
+                                </p:cTn>
+                              </p:par>
+                            </p:childTnLst>
+                          </p:cTn>
+                        </p:par>
+                      </p:childTnLst>
+                    </p:cTn>
+                  </p:par>
+                  <p:par>
+                    <p:cTn id="11" fill="hold">
+                      <p:stCondLst>
+                        <p:cond delay="indefinite"/>
+                      </p:stCondLst>
+                      <p:childTnLst>
+                        <p:par>
+                          <p:cTn id="12" fill="hold">
+                            <p:stCondLst>
+                              <p:cond delay="0"/>
+                            </p:stCondLst>
+                            <p:childTnLst>
+                              <p:par>
+                                <p:cTn id="13" presetID="10" presetClass="entr" presetSubtype="0" fill="hold" grpId="0" nodeType="clickEffect">
+                                  <p:stCondLst>
+                                    <p:cond delay="0"/>
+                                  </p:stCondLst>
+                                  <p:childTnLst>
+                                    <p:set>
+                                      <p:cBhvr>
+                                        <p:cTn id="14" dur="1" fill="hold">
+                                          <p:stCondLst>
+                                            <p:cond delay="0"/>
+                                          </p:stCondLst>
+                                        </p:cTn>
+                                        <p:tgtEl>
+                                          <p:spTgt spid="10"/>
+                                        </p:tgtEl>
+                                        <p:attrNameLst>
+                                          <p:attrName>style.visibility</p:attrName>
+                                        </p:attrNameLst>
+                                      </p:cBhvr>
+                                      <p:to>
+                                        <p:strVal val="visible"/>
+                                      </p:to>
+                                    </p:set>
+                                    <p:animEffect transition="in" filter="fade">
+                                      <p:cBhvr>
+                                        <p:cTn id="15" dur="500"/>
+                                        <p:tgtEl>
+                                          <p:spTgt spid="10"/>
+                                        </p:tgtEl>
+                                      </p:cBhvr>
+                                    </p:animEffect>
+                                  </p:childTnLst>
+                                </p:cTn>
+                              </p:par>
+                            </p:childTnLst>
+                          </p:cTn>
+                        </p:par>
+                      </p:childTnLst>
+                    </p:cTn>
+                  </p:par>
+                </p:childTnLst>
+              </p:cTn>
+              <p:prevCondLst>
+                <p:cond evt="onPrev" delay="0">
+                  <p:tgtEl>
+                    <p:sldTgt/>
+                  </p:tgtEl>
+                </p:cond>
+              </p:prevCondLst>
+              <p:nextCondLst>
+                <p:cond evt="onNext" delay="0">
+                  <p:tgtEl>
+                    <p:sldTgt/>
+                  </p:tgtEl>
+                </p:cond>
+              </p:nextCondLst>
+            </p:seq>
+          </p:childTnLst>
+        </p:cTn>
+      </p:par>
+    </p:tnLst>
+    <p:bldLst>
+      <p:bldP spid="7" grpId="0" animBg="1"/>
+      <p:bldP spid="9" grpId="0"/>
+      <p:bldP spid="10" grpId="0"/>
+    </p:bldLst>
+  </p:timing>
 </p:sld>
 </file>
 
@@ -11029,6 +14342,614 @@
       </p:transition>
     </mc:Fallback>
   </mc:AlternateContent>
+  <p:timing>
+    <p:tnLst>
+      <p:par>
+        <p:cTn id="1" dur="indefinite" restart="never" nodeType="tmRoot">
+          <p:childTnLst>
+            <p:seq concurrent="1" nextAc="seek">
+              <p:cTn id="2" dur="indefinite" nodeType="mainSeq">
+                <p:childTnLst>
+                  <p:par>
+                    <p:cTn id="3" fill="hold">
+                      <p:stCondLst>
+                        <p:cond delay="indefinite"/>
+                      </p:stCondLst>
+                      <p:childTnLst>
+                        <p:par>
+                          <p:cTn id="4" fill="hold">
+                            <p:stCondLst>
+                              <p:cond delay="0"/>
+                            </p:stCondLst>
+                            <p:childTnLst>
+                              <p:par>
+                                <p:cTn id="5" presetID="42" presetClass="entr" presetSubtype="0" fill="hold" grpId="0" nodeType="clickEffect">
+                                  <p:stCondLst>
+                                    <p:cond delay="0"/>
+                                  </p:stCondLst>
+                                  <p:childTnLst>
+                                    <p:set>
+                                      <p:cBhvr>
+                                        <p:cTn id="6" dur="1" fill="hold">
+                                          <p:stCondLst>
+                                            <p:cond delay="0"/>
+                                          </p:stCondLst>
+                                        </p:cTn>
+                                        <p:tgtEl>
+                                          <p:spTgt spid="3">
+                                            <p:txEl>
+                                              <p:pRg st="0" end="0"/>
+                                            </p:txEl>
+                                          </p:spTgt>
+                                        </p:tgtEl>
+                                        <p:attrNameLst>
+                                          <p:attrName>style.visibility</p:attrName>
+                                        </p:attrNameLst>
+                                      </p:cBhvr>
+                                      <p:to>
+                                        <p:strVal val="visible"/>
+                                      </p:to>
+                                    </p:set>
+                                    <p:animEffect transition="in" filter="fade">
+                                      <p:cBhvr>
+                                        <p:cTn id="7" dur="1000"/>
+                                        <p:tgtEl>
+                                          <p:spTgt spid="3">
+                                            <p:txEl>
+                                              <p:pRg st="0" end="0"/>
+                                            </p:txEl>
+                                          </p:spTgt>
+                                        </p:tgtEl>
+                                      </p:cBhvr>
+                                    </p:animEffect>
+                                    <p:anim calcmode="lin" valueType="num">
+                                      <p:cBhvr>
+                                        <p:cTn id="8" dur="1000" fill="hold"/>
+                                        <p:tgtEl>
+                                          <p:spTgt spid="3">
+                                            <p:txEl>
+                                              <p:pRg st="0" end="0"/>
+                                            </p:txEl>
+                                          </p:spTgt>
+                                        </p:tgtEl>
+                                        <p:attrNameLst>
+                                          <p:attrName>ppt_x</p:attrName>
+                                        </p:attrNameLst>
+                                      </p:cBhvr>
+                                      <p:tavLst>
+                                        <p:tav tm="0">
+                                          <p:val>
+                                            <p:strVal val="#ppt_x"/>
+                                          </p:val>
+                                        </p:tav>
+                                        <p:tav tm="100000">
+                                          <p:val>
+                                            <p:strVal val="#ppt_x"/>
+                                          </p:val>
+                                        </p:tav>
+                                      </p:tavLst>
+                                    </p:anim>
+                                    <p:anim calcmode="lin" valueType="num">
+                                      <p:cBhvr>
+                                        <p:cTn id="9" dur="1000" fill="hold"/>
+                                        <p:tgtEl>
+                                          <p:spTgt spid="3">
+                                            <p:txEl>
+                                              <p:pRg st="0" end="0"/>
+                                            </p:txEl>
+                                          </p:spTgt>
+                                        </p:tgtEl>
+                                        <p:attrNameLst>
+                                          <p:attrName>ppt_y</p:attrName>
+                                        </p:attrNameLst>
+                                      </p:cBhvr>
+                                      <p:tavLst>
+                                        <p:tav tm="0">
+                                          <p:val>
+                                            <p:strVal val="#ppt_y+.1"/>
+                                          </p:val>
+                                        </p:tav>
+                                        <p:tav tm="100000">
+                                          <p:val>
+                                            <p:strVal val="#ppt_y"/>
+                                          </p:val>
+                                        </p:tav>
+                                      </p:tavLst>
+                                    </p:anim>
+                                  </p:childTnLst>
+                                </p:cTn>
+                              </p:par>
+                            </p:childTnLst>
+                          </p:cTn>
+                        </p:par>
+                      </p:childTnLst>
+                    </p:cTn>
+                  </p:par>
+                  <p:par>
+                    <p:cTn id="10" fill="hold">
+                      <p:stCondLst>
+                        <p:cond delay="indefinite"/>
+                      </p:stCondLst>
+                      <p:childTnLst>
+                        <p:par>
+                          <p:cTn id="11" fill="hold">
+                            <p:stCondLst>
+                              <p:cond delay="0"/>
+                            </p:stCondLst>
+                            <p:childTnLst>
+                              <p:par>
+                                <p:cTn id="12" presetID="42" presetClass="entr" presetSubtype="0" fill="hold" grpId="0" nodeType="clickEffect">
+                                  <p:stCondLst>
+                                    <p:cond delay="0"/>
+                                  </p:stCondLst>
+                                  <p:childTnLst>
+                                    <p:set>
+                                      <p:cBhvr>
+                                        <p:cTn id="13" dur="1" fill="hold">
+                                          <p:stCondLst>
+                                            <p:cond delay="0"/>
+                                          </p:stCondLst>
+                                        </p:cTn>
+                                        <p:tgtEl>
+                                          <p:spTgt spid="3">
+                                            <p:txEl>
+                                              <p:pRg st="1" end="1"/>
+                                            </p:txEl>
+                                          </p:spTgt>
+                                        </p:tgtEl>
+                                        <p:attrNameLst>
+                                          <p:attrName>style.visibility</p:attrName>
+                                        </p:attrNameLst>
+                                      </p:cBhvr>
+                                      <p:to>
+                                        <p:strVal val="visible"/>
+                                      </p:to>
+                                    </p:set>
+                                    <p:animEffect transition="in" filter="fade">
+                                      <p:cBhvr>
+                                        <p:cTn id="14" dur="1000"/>
+                                        <p:tgtEl>
+                                          <p:spTgt spid="3">
+                                            <p:txEl>
+                                              <p:pRg st="1" end="1"/>
+                                            </p:txEl>
+                                          </p:spTgt>
+                                        </p:tgtEl>
+                                      </p:cBhvr>
+                                    </p:animEffect>
+                                    <p:anim calcmode="lin" valueType="num">
+                                      <p:cBhvr>
+                                        <p:cTn id="15" dur="1000" fill="hold"/>
+                                        <p:tgtEl>
+                                          <p:spTgt spid="3">
+                                            <p:txEl>
+                                              <p:pRg st="1" end="1"/>
+                                            </p:txEl>
+                                          </p:spTgt>
+                                        </p:tgtEl>
+                                        <p:attrNameLst>
+                                          <p:attrName>ppt_x</p:attrName>
+                                        </p:attrNameLst>
+                                      </p:cBhvr>
+                                      <p:tavLst>
+                                        <p:tav tm="0">
+                                          <p:val>
+                                            <p:strVal val="#ppt_x"/>
+                                          </p:val>
+                                        </p:tav>
+                                        <p:tav tm="100000">
+                                          <p:val>
+                                            <p:strVal val="#ppt_x"/>
+                                          </p:val>
+                                        </p:tav>
+                                      </p:tavLst>
+                                    </p:anim>
+                                    <p:anim calcmode="lin" valueType="num">
+                                      <p:cBhvr>
+                                        <p:cTn id="16" dur="1000" fill="hold"/>
+                                        <p:tgtEl>
+                                          <p:spTgt spid="3">
+                                            <p:txEl>
+                                              <p:pRg st="1" end="1"/>
+                                            </p:txEl>
+                                          </p:spTgt>
+                                        </p:tgtEl>
+                                        <p:attrNameLst>
+                                          <p:attrName>ppt_y</p:attrName>
+                                        </p:attrNameLst>
+                                      </p:cBhvr>
+                                      <p:tavLst>
+                                        <p:tav tm="0">
+                                          <p:val>
+                                            <p:strVal val="#ppt_y+.1"/>
+                                          </p:val>
+                                        </p:tav>
+                                        <p:tav tm="100000">
+                                          <p:val>
+                                            <p:strVal val="#ppt_y"/>
+                                          </p:val>
+                                        </p:tav>
+                                      </p:tavLst>
+                                    </p:anim>
+                                  </p:childTnLst>
+                                </p:cTn>
+                              </p:par>
+                            </p:childTnLst>
+                          </p:cTn>
+                        </p:par>
+                      </p:childTnLst>
+                    </p:cTn>
+                  </p:par>
+                  <p:par>
+                    <p:cTn id="17" fill="hold">
+                      <p:stCondLst>
+                        <p:cond delay="indefinite"/>
+                      </p:stCondLst>
+                      <p:childTnLst>
+                        <p:par>
+                          <p:cTn id="18" fill="hold">
+                            <p:stCondLst>
+                              <p:cond delay="0"/>
+                            </p:stCondLst>
+                            <p:childTnLst>
+                              <p:par>
+                                <p:cTn id="19" presetID="42" presetClass="entr" presetSubtype="0" fill="hold" grpId="0" nodeType="clickEffect">
+                                  <p:stCondLst>
+                                    <p:cond delay="0"/>
+                                  </p:stCondLst>
+                                  <p:childTnLst>
+                                    <p:set>
+                                      <p:cBhvr>
+                                        <p:cTn id="20" dur="1" fill="hold">
+                                          <p:stCondLst>
+                                            <p:cond delay="0"/>
+                                          </p:stCondLst>
+                                        </p:cTn>
+                                        <p:tgtEl>
+                                          <p:spTgt spid="3">
+                                            <p:txEl>
+                                              <p:pRg st="2" end="2"/>
+                                            </p:txEl>
+                                          </p:spTgt>
+                                        </p:tgtEl>
+                                        <p:attrNameLst>
+                                          <p:attrName>style.visibility</p:attrName>
+                                        </p:attrNameLst>
+                                      </p:cBhvr>
+                                      <p:to>
+                                        <p:strVal val="visible"/>
+                                      </p:to>
+                                    </p:set>
+                                    <p:animEffect transition="in" filter="fade">
+                                      <p:cBhvr>
+                                        <p:cTn id="21" dur="1000"/>
+                                        <p:tgtEl>
+                                          <p:spTgt spid="3">
+                                            <p:txEl>
+                                              <p:pRg st="2" end="2"/>
+                                            </p:txEl>
+                                          </p:spTgt>
+                                        </p:tgtEl>
+                                      </p:cBhvr>
+                                    </p:animEffect>
+                                    <p:anim calcmode="lin" valueType="num">
+                                      <p:cBhvr>
+                                        <p:cTn id="22" dur="1000" fill="hold"/>
+                                        <p:tgtEl>
+                                          <p:spTgt spid="3">
+                                            <p:txEl>
+                                              <p:pRg st="2" end="2"/>
+                                            </p:txEl>
+                                          </p:spTgt>
+                                        </p:tgtEl>
+                                        <p:attrNameLst>
+                                          <p:attrName>ppt_x</p:attrName>
+                                        </p:attrNameLst>
+                                      </p:cBhvr>
+                                      <p:tavLst>
+                                        <p:tav tm="0">
+                                          <p:val>
+                                            <p:strVal val="#ppt_x"/>
+                                          </p:val>
+                                        </p:tav>
+                                        <p:tav tm="100000">
+                                          <p:val>
+                                            <p:strVal val="#ppt_x"/>
+                                          </p:val>
+                                        </p:tav>
+                                      </p:tavLst>
+                                    </p:anim>
+                                    <p:anim calcmode="lin" valueType="num">
+                                      <p:cBhvr>
+                                        <p:cTn id="23" dur="1000" fill="hold"/>
+                                        <p:tgtEl>
+                                          <p:spTgt spid="3">
+                                            <p:txEl>
+                                              <p:pRg st="2" end="2"/>
+                                            </p:txEl>
+                                          </p:spTgt>
+                                        </p:tgtEl>
+                                        <p:attrNameLst>
+                                          <p:attrName>ppt_y</p:attrName>
+                                        </p:attrNameLst>
+                                      </p:cBhvr>
+                                      <p:tavLst>
+                                        <p:tav tm="0">
+                                          <p:val>
+                                            <p:strVal val="#ppt_y+.1"/>
+                                          </p:val>
+                                        </p:tav>
+                                        <p:tav tm="100000">
+                                          <p:val>
+                                            <p:strVal val="#ppt_y"/>
+                                          </p:val>
+                                        </p:tav>
+                                      </p:tavLst>
+                                    </p:anim>
+                                  </p:childTnLst>
+                                </p:cTn>
+                              </p:par>
+                            </p:childTnLst>
+                          </p:cTn>
+                        </p:par>
+                      </p:childTnLst>
+                    </p:cTn>
+                  </p:par>
+                  <p:par>
+                    <p:cTn id="24" fill="hold">
+                      <p:stCondLst>
+                        <p:cond delay="indefinite"/>
+                      </p:stCondLst>
+                      <p:childTnLst>
+                        <p:par>
+                          <p:cTn id="25" fill="hold">
+                            <p:stCondLst>
+                              <p:cond delay="0"/>
+                            </p:stCondLst>
+                            <p:childTnLst>
+                              <p:par>
+                                <p:cTn id="26" presetID="42" presetClass="entr" presetSubtype="0" fill="hold" grpId="0" nodeType="clickEffect">
+                                  <p:stCondLst>
+                                    <p:cond delay="0"/>
+                                  </p:stCondLst>
+                                  <p:childTnLst>
+                                    <p:set>
+                                      <p:cBhvr>
+                                        <p:cTn id="27" dur="1" fill="hold">
+                                          <p:stCondLst>
+                                            <p:cond delay="0"/>
+                                          </p:stCondLst>
+                                        </p:cTn>
+                                        <p:tgtEl>
+                                          <p:spTgt spid="3">
+                                            <p:txEl>
+                                              <p:pRg st="3" end="3"/>
+                                            </p:txEl>
+                                          </p:spTgt>
+                                        </p:tgtEl>
+                                        <p:attrNameLst>
+                                          <p:attrName>style.visibility</p:attrName>
+                                        </p:attrNameLst>
+                                      </p:cBhvr>
+                                      <p:to>
+                                        <p:strVal val="visible"/>
+                                      </p:to>
+                                    </p:set>
+                                    <p:animEffect transition="in" filter="fade">
+                                      <p:cBhvr>
+                                        <p:cTn id="28" dur="1000"/>
+                                        <p:tgtEl>
+                                          <p:spTgt spid="3">
+                                            <p:txEl>
+                                              <p:pRg st="3" end="3"/>
+                                            </p:txEl>
+                                          </p:spTgt>
+                                        </p:tgtEl>
+                                      </p:cBhvr>
+                                    </p:animEffect>
+                                    <p:anim calcmode="lin" valueType="num">
+                                      <p:cBhvr>
+                                        <p:cTn id="29" dur="1000" fill="hold"/>
+                                        <p:tgtEl>
+                                          <p:spTgt spid="3">
+                                            <p:txEl>
+                                              <p:pRg st="3" end="3"/>
+                                            </p:txEl>
+                                          </p:spTgt>
+                                        </p:tgtEl>
+                                        <p:attrNameLst>
+                                          <p:attrName>ppt_x</p:attrName>
+                                        </p:attrNameLst>
+                                      </p:cBhvr>
+                                      <p:tavLst>
+                                        <p:tav tm="0">
+                                          <p:val>
+                                            <p:strVal val="#ppt_x"/>
+                                          </p:val>
+                                        </p:tav>
+                                        <p:tav tm="100000">
+                                          <p:val>
+                                            <p:strVal val="#ppt_x"/>
+                                          </p:val>
+                                        </p:tav>
+                                      </p:tavLst>
+                                    </p:anim>
+                                    <p:anim calcmode="lin" valueType="num">
+                                      <p:cBhvr>
+                                        <p:cTn id="30" dur="1000" fill="hold"/>
+                                        <p:tgtEl>
+                                          <p:spTgt spid="3">
+                                            <p:txEl>
+                                              <p:pRg st="3" end="3"/>
+                                            </p:txEl>
+                                          </p:spTgt>
+                                        </p:tgtEl>
+                                        <p:attrNameLst>
+                                          <p:attrName>ppt_y</p:attrName>
+                                        </p:attrNameLst>
+                                      </p:cBhvr>
+                                      <p:tavLst>
+                                        <p:tav tm="0">
+                                          <p:val>
+                                            <p:strVal val="#ppt_y+.1"/>
+                                          </p:val>
+                                        </p:tav>
+                                        <p:tav tm="100000">
+                                          <p:val>
+                                            <p:strVal val="#ppt_y"/>
+                                          </p:val>
+                                        </p:tav>
+                                      </p:tavLst>
+                                    </p:anim>
+                                  </p:childTnLst>
+                                </p:cTn>
+                              </p:par>
+                            </p:childTnLst>
+                          </p:cTn>
+                        </p:par>
+                      </p:childTnLst>
+                    </p:cTn>
+                  </p:par>
+                  <p:par>
+                    <p:cTn id="31" fill="hold">
+                      <p:stCondLst>
+                        <p:cond delay="indefinite"/>
+                      </p:stCondLst>
+                      <p:childTnLst>
+                        <p:par>
+                          <p:cTn id="32" fill="hold">
+                            <p:stCondLst>
+                              <p:cond delay="0"/>
+                            </p:stCondLst>
+                            <p:childTnLst>
+                              <p:par>
+                                <p:cTn id="33" presetID="42" presetClass="entr" presetSubtype="0" fill="hold" grpId="0" nodeType="clickEffect">
+                                  <p:stCondLst>
+                                    <p:cond delay="0"/>
+                                  </p:stCondLst>
+                                  <p:childTnLst>
+                                    <p:set>
+                                      <p:cBhvr>
+                                        <p:cTn id="34" dur="1" fill="hold">
+                                          <p:stCondLst>
+                                            <p:cond delay="0"/>
+                                          </p:stCondLst>
+                                        </p:cTn>
+                                        <p:tgtEl>
+                                          <p:spTgt spid="3">
+                                            <p:txEl>
+                                              <p:pRg st="4" end="4"/>
+                                            </p:txEl>
+                                          </p:spTgt>
+                                        </p:tgtEl>
+                                        <p:attrNameLst>
+                                          <p:attrName>style.visibility</p:attrName>
+                                        </p:attrNameLst>
+                                      </p:cBhvr>
+                                      <p:to>
+                                        <p:strVal val="visible"/>
+                                      </p:to>
+                                    </p:set>
+                                    <p:animEffect transition="in" filter="fade">
+                                      <p:cBhvr>
+                                        <p:cTn id="35" dur="1000"/>
+                                        <p:tgtEl>
+                                          <p:spTgt spid="3">
+                                            <p:txEl>
+                                              <p:pRg st="4" end="4"/>
+                                            </p:txEl>
+                                          </p:spTgt>
+                                        </p:tgtEl>
+                                      </p:cBhvr>
+                                    </p:animEffect>
+                                    <p:anim calcmode="lin" valueType="num">
+                                      <p:cBhvr>
+                                        <p:cTn id="36" dur="1000" fill="hold"/>
+                                        <p:tgtEl>
+                                          <p:spTgt spid="3">
+                                            <p:txEl>
+                                              <p:pRg st="4" end="4"/>
+                                            </p:txEl>
+                                          </p:spTgt>
+                                        </p:tgtEl>
+                                        <p:attrNameLst>
+                                          <p:attrName>ppt_x</p:attrName>
+                                        </p:attrNameLst>
+                                      </p:cBhvr>
+                                      <p:tavLst>
+                                        <p:tav tm="0">
+                                          <p:val>
+                                            <p:strVal val="#ppt_x"/>
+                                          </p:val>
+                                        </p:tav>
+                                        <p:tav tm="100000">
+                                          <p:val>
+                                            <p:strVal val="#ppt_x"/>
+                                          </p:val>
+                                        </p:tav>
+                                      </p:tavLst>
+                                    </p:anim>
+                                    <p:anim calcmode="lin" valueType="num">
+                                      <p:cBhvr>
+                                        <p:cTn id="37" dur="1000" fill="hold"/>
+                                        <p:tgtEl>
+                                          <p:spTgt spid="3">
+                                            <p:txEl>
+                                              <p:pRg st="4" end="4"/>
+                                            </p:txEl>
+                                          </p:spTgt>
+                                        </p:tgtEl>
+                                        <p:attrNameLst>
+                                          <p:attrName>ppt_y</p:attrName>
+                                        </p:attrNameLst>
+                                      </p:cBhvr>
+                                      <p:tavLst>
+                                        <p:tav tm="0">
+                                          <p:val>
+                                            <p:strVal val="#ppt_y+.1"/>
+                                          </p:val>
+                                        </p:tav>
+                                        <p:tav tm="100000">
+                                          <p:val>
+                                            <p:strVal val="#ppt_y"/>
+                                          </p:val>
+                                        </p:tav>
+                                      </p:tavLst>
+                                    </p:anim>
+                                  </p:childTnLst>
+                                </p:cTn>
+                              </p:par>
+                            </p:childTnLst>
+                          </p:cTn>
+                        </p:par>
+                      </p:childTnLst>
+                    </p:cTn>
+                  </p:par>
+                </p:childTnLst>
+              </p:cTn>
+              <p:prevCondLst>
+                <p:cond evt="onPrev" delay="0">
+                  <p:tgtEl>
+                    <p:sldTgt/>
+                  </p:tgtEl>
+                </p:cond>
+              </p:prevCondLst>
+              <p:nextCondLst>
+                <p:cond evt="onNext" delay="0">
+                  <p:tgtEl>
+                    <p:sldTgt/>
+                  </p:tgtEl>
+                </p:cond>
+              </p:nextCondLst>
+            </p:seq>
+          </p:childTnLst>
+        </p:cTn>
+      </p:par>
+    </p:tnLst>
+    <p:bldLst>
+      <p:bldP spid="3" grpId="0" build="p"/>
+    </p:bldLst>
+  </p:timing>
 </p:sld>
 </file>
 
@@ -11174,6 +15095,649 @@
       </p:transition>
     </mc:Fallback>
   </mc:AlternateContent>
+  <p:timing>
+    <p:tnLst>
+      <p:par>
+        <p:cTn id="1" dur="indefinite" restart="never" nodeType="tmRoot">
+          <p:childTnLst>
+            <p:seq concurrent="1" nextAc="seek">
+              <p:cTn id="2" dur="indefinite" nodeType="mainSeq">
+                <p:childTnLst>
+                  <p:par>
+                    <p:cTn id="3" fill="hold">
+                      <p:stCondLst>
+                        <p:cond delay="indefinite"/>
+                      </p:stCondLst>
+                      <p:childTnLst>
+                        <p:par>
+                          <p:cTn id="4" fill="hold">
+                            <p:stCondLst>
+                              <p:cond delay="0"/>
+                            </p:stCondLst>
+                            <p:childTnLst>
+                              <p:par>
+                                <p:cTn id="5" presetID="10" presetClass="entr" presetSubtype="0" fill="hold" grpId="0" nodeType="clickEffect">
+                                  <p:stCondLst>
+                                    <p:cond delay="0"/>
+                                  </p:stCondLst>
+                                  <p:childTnLst>
+                                    <p:set>
+                                      <p:cBhvr>
+                                        <p:cTn id="6" dur="1" fill="hold">
+                                          <p:stCondLst>
+                                            <p:cond delay="0"/>
+                                          </p:stCondLst>
+                                        </p:cTn>
+                                        <p:tgtEl>
+                                          <p:spTgt spid="3">
+                                            <p:txEl>
+                                              <p:pRg st="0" end="0"/>
+                                            </p:txEl>
+                                          </p:spTgt>
+                                        </p:tgtEl>
+                                        <p:attrNameLst>
+                                          <p:attrName>style.visibility</p:attrName>
+                                        </p:attrNameLst>
+                                      </p:cBhvr>
+                                      <p:to>
+                                        <p:strVal val="visible"/>
+                                      </p:to>
+                                    </p:set>
+                                    <p:animEffect transition="in" filter="fade">
+                                      <p:cBhvr>
+                                        <p:cTn id="7" dur="500"/>
+                                        <p:tgtEl>
+                                          <p:spTgt spid="3">
+                                            <p:txEl>
+                                              <p:pRg st="0" end="0"/>
+                                            </p:txEl>
+                                          </p:spTgt>
+                                        </p:tgtEl>
+                                      </p:cBhvr>
+                                    </p:animEffect>
+                                  </p:childTnLst>
+                                </p:cTn>
+                              </p:par>
+                            </p:childTnLst>
+                          </p:cTn>
+                        </p:par>
+                      </p:childTnLst>
+                    </p:cTn>
+                  </p:par>
+                  <p:par>
+                    <p:cTn id="8" fill="hold">
+                      <p:stCondLst>
+                        <p:cond delay="indefinite"/>
+                      </p:stCondLst>
+                      <p:childTnLst>
+                        <p:par>
+                          <p:cTn id="9" fill="hold">
+                            <p:stCondLst>
+                              <p:cond delay="0"/>
+                            </p:stCondLst>
+                            <p:childTnLst>
+                              <p:par>
+                                <p:cTn id="10" presetID="10" presetClass="entr" presetSubtype="0" fill="hold" grpId="0" nodeType="clickEffect">
+                                  <p:stCondLst>
+                                    <p:cond delay="0"/>
+                                  </p:stCondLst>
+                                  <p:childTnLst>
+                                    <p:set>
+                                      <p:cBhvr>
+                                        <p:cTn id="11" dur="1" fill="hold">
+                                          <p:stCondLst>
+                                            <p:cond delay="0"/>
+                                          </p:stCondLst>
+                                        </p:cTn>
+                                        <p:tgtEl>
+                                          <p:spTgt spid="3">
+                                            <p:txEl>
+                                              <p:pRg st="1" end="1"/>
+                                            </p:txEl>
+                                          </p:spTgt>
+                                        </p:tgtEl>
+                                        <p:attrNameLst>
+                                          <p:attrName>style.visibility</p:attrName>
+                                        </p:attrNameLst>
+                                      </p:cBhvr>
+                                      <p:to>
+                                        <p:strVal val="visible"/>
+                                      </p:to>
+                                    </p:set>
+                                    <p:animEffect transition="in" filter="fade">
+                                      <p:cBhvr>
+                                        <p:cTn id="12" dur="500"/>
+                                        <p:tgtEl>
+                                          <p:spTgt spid="3">
+                                            <p:txEl>
+                                              <p:pRg st="1" end="1"/>
+                                            </p:txEl>
+                                          </p:spTgt>
+                                        </p:tgtEl>
+                                      </p:cBhvr>
+                                    </p:animEffect>
+                                  </p:childTnLst>
+                                </p:cTn>
+                              </p:par>
+                            </p:childTnLst>
+                          </p:cTn>
+                        </p:par>
+                      </p:childTnLst>
+                    </p:cTn>
+                  </p:par>
+                  <p:par>
+                    <p:cTn id="13" fill="hold">
+                      <p:stCondLst>
+                        <p:cond delay="indefinite"/>
+                      </p:stCondLst>
+                      <p:childTnLst>
+                        <p:par>
+                          <p:cTn id="14" fill="hold">
+                            <p:stCondLst>
+                              <p:cond delay="0"/>
+                            </p:stCondLst>
+                            <p:childTnLst>
+                              <p:par>
+                                <p:cTn id="15" presetID="10" presetClass="entr" presetSubtype="0" fill="hold" grpId="0" nodeType="clickEffect">
+                                  <p:stCondLst>
+                                    <p:cond delay="0"/>
+                                  </p:stCondLst>
+                                  <p:childTnLst>
+                                    <p:set>
+                                      <p:cBhvr>
+                                        <p:cTn id="16" dur="1" fill="hold">
+                                          <p:stCondLst>
+                                            <p:cond delay="0"/>
+                                          </p:stCondLst>
+                                        </p:cTn>
+                                        <p:tgtEl>
+                                          <p:spTgt spid="3">
+                                            <p:txEl>
+                                              <p:pRg st="2" end="2"/>
+                                            </p:txEl>
+                                          </p:spTgt>
+                                        </p:tgtEl>
+                                        <p:attrNameLst>
+                                          <p:attrName>style.visibility</p:attrName>
+                                        </p:attrNameLst>
+                                      </p:cBhvr>
+                                      <p:to>
+                                        <p:strVal val="visible"/>
+                                      </p:to>
+                                    </p:set>
+                                    <p:animEffect transition="in" filter="fade">
+                                      <p:cBhvr>
+                                        <p:cTn id="17" dur="500"/>
+                                        <p:tgtEl>
+                                          <p:spTgt spid="3">
+                                            <p:txEl>
+                                              <p:pRg st="2" end="2"/>
+                                            </p:txEl>
+                                          </p:spTgt>
+                                        </p:tgtEl>
+                                      </p:cBhvr>
+                                    </p:animEffect>
+                                  </p:childTnLst>
+                                </p:cTn>
+                              </p:par>
+                            </p:childTnLst>
+                          </p:cTn>
+                        </p:par>
+                      </p:childTnLst>
+                    </p:cTn>
+                  </p:par>
+                  <p:par>
+                    <p:cTn id="18" fill="hold">
+                      <p:stCondLst>
+                        <p:cond delay="indefinite"/>
+                      </p:stCondLst>
+                      <p:childTnLst>
+                        <p:par>
+                          <p:cTn id="19" fill="hold">
+                            <p:stCondLst>
+                              <p:cond delay="0"/>
+                            </p:stCondLst>
+                            <p:childTnLst>
+                              <p:par>
+                                <p:cTn id="20" presetID="10" presetClass="entr" presetSubtype="0" fill="hold" grpId="0" nodeType="clickEffect">
+                                  <p:stCondLst>
+                                    <p:cond delay="0"/>
+                                  </p:stCondLst>
+                                  <p:childTnLst>
+                                    <p:set>
+                                      <p:cBhvr>
+                                        <p:cTn id="21" dur="1" fill="hold">
+                                          <p:stCondLst>
+                                            <p:cond delay="0"/>
+                                          </p:stCondLst>
+                                        </p:cTn>
+                                        <p:tgtEl>
+                                          <p:spTgt spid="3">
+                                            <p:txEl>
+                                              <p:pRg st="3" end="3"/>
+                                            </p:txEl>
+                                          </p:spTgt>
+                                        </p:tgtEl>
+                                        <p:attrNameLst>
+                                          <p:attrName>style.visibility</p:attrName>
+                                        </p:attrNameLst>
+                                      </p:cBhvr>
+                                      <p:to>
+                                        <p:strVal val="visible"/>
+                                      </p:to>
+                                    </p:set>
+                                    <p:animEffect transition="in" filter="fade">
+                                      <p:cBhvr>
+                                        <p:cTn id="22" dur="500"/>
+                                        <p:tgtEl>
+                                          <p:spTgt spid="3">
+                                            <p:txEl>
+                                              <p:pRg st="3" end="3"/>
+                                            </p:txEl>
+                                          </p:spTgt>
+                                        </p:tgtEl>
+                                      </p:cBhvr>
+                                    </p:animEffect>
+                                  </p:childTnLst>
+                                </p:cTn>
+                              </p:par>
+                            </p:childTnLst>
+                          </p:cTn>
+                        </p:par>
+                      </p:childTnLst>
+                    </p:cTn>
+                  </p:par>
+                  <p:par>
+                    <p:cTn id="23" fill="hold">
+                      <p:stCondLst>
+                        <p:cond delay="indefinite"/>
+                      </p:stCondLst>
+                      <p:childTnLst>
+                        <p:par>
+                          <p:cTn id="24" fill="hold">
+                            <p:stCondLst>
+                              <p:cond delay="0"/>
+                            </p:stCondLst>
+                            <p:childTnLst>
+                              <p:par>
+                                <p:cTn id="25" presetID="10" presetClass="entr" presetSubtype="0" fill="hold" grpId="0" nodeType="clickEffect">
+                                  <p:stCondLst>
+                                    <p:cond delay="0"/>
+                                  </p:stCondLst>
+                                  <p:childTnLst>
+                                    <p:set>
+                                      <p:cBhvr>
+                                        <p:cTn id="26" dur="1" fill="hold">
+                                          <p:stCondLst>
+                                            <p:cond delay="0"/>
+                                          </p:stCondLst>
+                                        </p:cTn>
+                                        <p:tgtEl>
+                                          <p:spTgt spid="3">
+                                            <p:txEl>
+                                              <p:pRg st="4" end="4"/>
+                                            </p:txEl>
+                                          </p:spTgt>
+                                        </p:tgtEl>
+                                        <p:attrNameLst>
+                                          <p:attrName>style.visibility</p:attrName>
+                                        </p:attrNameLst>
+                                      </p:cBhvr>
+                                      <p:to>
+                                        <p:strVal val="visible"/>
+                                      </p:to>
+                                    </p:set>
+                                    <p:animEffect transition="in" filter="fade">
+                                      <p:cBhvr>
+                                        <p:cTn id="27" dur="500"/>
+                                        <p:tgtEl>
+                                          <p:spTgt spid="3">
+                                            <p:txEl>
+                                              <p:pRg st="4" end="4"/>
+                                            </p:txEl>
+                                          </p:spTgt>
+                                        </p:tgtEl>
+                                      </p:cBhvr>
+                                    </p:animEffect>
+                                  </p:childTnLst>
+                                </p:cTn>
+                              </p:par>
+                            </p:childTnLst>
+                          </p:cTn>
+                        </p:par>
+                      </p:childTnLst>
+                    </p:cTn>
+                  </p:par>
+                  <p:par>
+                    <p:cTn id="28" fill="hold">
+                      <p:stCondLst>
+                        <p:cond delay="indefinite"/>
+                      </p:stCondLst>
+                      <p:childTnLst>
+                        <p:par>
+                          <p:cTn id="29" fill="hold">
+                            <p:stCondLst>
+                              <p:cond delay="0"/>
+                            </p:stCondLst>
+                            <p:childTnLst>
+                              <p:par>
+                                <p:cTn id="30" presetID="10" presetClass="entr" presetSubtype="0" fill="hold" grpId="0" nodeType="clickEffect">
+                                  <p:stCondLst>
+                                    <p:cond delay="0"/>
+                                  </p:stCondLst>
+                                  <p:childTnLst>
+                                    <p:set>
+                                      <p:cBhvr>
+                                        <p:cTn id="31" dur="1" fill="hold">
+                                          <p:stCondLst>
+                                            <p:cond delay="0"/>
+                                          </p:stCondLst>
+                                        </p:cTn>
+                                        <p:tgtEl>
+                                          <p:spTgt spid="3">
+                                            <p:txEl>
+                                              <p:pRg st="5" end="5"/>
+                                            </p:txEl>
+                                          </p:spTgt>
+                                        </p:tgtEl>
+                                        <p:attrNameLst>
+                                          <p:attrName>style.visibility</p:attrName>
+                                        </p:attrNameLst>
+                                      </p:cBhvr>
+                                      <p:to>
+                                        <p:strVal val="visible"/>
+                                      </p:to>
+                                    </p:set>
+                                    <p:animEffect transition="in" filter="fade">
+                                      <p:cBhvr>
+                                        <p:cTn id="32" dur="500"/>
+                                        <p:tgtEl>
+                                          <p:spTgt spid="3">
+                                            <p:txEl>
+                                              <p:pRg st="5" end="5"/>
+                                            </p:txEl>
+                                          </p:spTgt>
+                                        </p:tgtEl>
+                                      </p:cBhvr>
+                                    </p:animEffect>
+                                  </p:childTnLst>
+                                </p:cTn>
+                              </p:par>
+                            </p:childTnLst>
+                          </p:cTn>
+                        </p:par>
+                      </p:childTnLst>
+                    </p:cTn>
+                  </p:par>
+                  <p:par>
+                    <p:cTn id="33" fill="hold">
+                      <p:stCondLst>
+                        <p:cond delay="indefinite"/>
+                      </p:stCondLst>
+                      <p:childTnLst>
+                        <p:par>
+                          <p:cTn id="34" fill="hold">
+                            <p:stCondLst>
+                              <p:cond delay="0"/>
+                            </p:stCondLst>
+                            <p:childTnLst>
+                              <p:par>
+                                <p:cTn id="35" presetID="10" presetClass="entr" presetSubtype="0" fill="hold" grpId="0" nodeType="clickEffect">
+                                  <p:stCondLst>
+                                    <p:cond delay="0"/>
+                                  </p:stCondLst>
+                                  <p:childTnLst>
+                                    <p:set>
+                                      <p:cBhvr>
+                                        <p:cTn id="36" dur="1" fill="hold">
+                                          <p:stCondLst>
+                                            <p:cond delay="0"/>
+                                          </p:stCondLst>
+                                        </p:cTn>
+                                        <p:tgtEl>
+                                          <p:spTgt spid="3">
+                                            <p:txEl>
+                                              <p:pRg st="6" end="6"/>
+                                            </p:txEl>
+                                          </p:spTgt>
+                                        </p:tgtEl>
+                                        <p:attrNameLst>
+                                          <p:attrName>style.visibility</p:attrName>
+                                        </p:attrNameLst>
+                                      </p:cBhvr>
+                                      <p:to>
+                                        <p:strVal val="visible"/>
+                                      </p:to>
+                                    </p:set>
+                                    <p:animEffect transition="in" filter="fade">
+                                      <p:cBhvr>
+                                        <p:cTn id="37" dur="500"/>
+                                        <p:tgtEl>
+                                          <p:spTgt spid="3">
+                                            <p:txEl>
+                                              <p:pRg st="6" end="6"/>
+                                            </p:txEl>
+                                          </p:spTgt>
+                                        </p:tgtEl>
+                                      </p:cBhvr>
+                                    </p:animEffect>
+                                  </p:childTnLst>
+                                </p:cTn>
+                              </p:par>
+                            </p:childTnLst>
+                          </p:cTn>
+                        </p:par>
+                      </p:childTnLst>
+                    </p:cTn>
+                  </p:par>
+                  <p:par>
+                    <p:cTn id="38" fill="hold">
+                      <p:stCondLst>
+                        <p:cond delay="indefinite"/>
+                      </p:stCondLst>
+                      <p:childTnLst>
+                        <p:par>
+                          <p:cTn id="39" fill="hold">
+                            <p:stCondLst>
+                              <p:cond delay="0"/>
+                            </p:stCondLst>
+                            <p:childTnLst>
+                              <p:par>
+                                <p:cTn id="40" presetID="10" presetClass="entr" presetSubtype="0" fill="hold" grpId="0" nodeType="clickEffect">
+                                  <p:stCondLst>
+                                    <p:cond delay="0"/>
+                                  </p:stCondLst>
+                                  <p:childTnLst>
+                                    <p:set>
+                                      <p:cBhvr>
+                                        <p:cTn id="41" dur="1" fill="hold">
+                                          <p:stCondLst>
+                                            <p:cond delay="0"/>
+                                          </p:stCondLst>
+                                        </p:cTn>
+                                        <p:tgtEl>
+                                          <p:spTgt spid="3">
+                                            <p:txEl>
+                                              <p:pRg st="7" end="7"/>
+                                            </p:txEl>
+                                          </p:spTgt>
+                                        </p:tgtEl>
+                                        <p:attrNameLst>
+                                          <p:attrName>style.visibility</p:attrName>
+                                        </p:attrNameLst>
+                                      </p:cBhvr>
+                                      <p:to>
+                                        <p:strVal val="visible"/>
+                                      </p:to>
+                                    </p:set>
+                                    <p:animEffect transition="in" filter="fade">
+                                      <p:cBhvr>
+                                        <p:cTn id="42" dur="500"/>
+                                        <p:tgtEl>
+                                          <p:spTgt spid="3">
+                                            <p:txEl>
+                                              <p:pRg st="7" end="7"/>
+                                            </p:txEl>
+                                          </p:spTgt>
+                                        </p:tgtEl>
+                                      </p:cBhvr>
+                                    </p:animEffect>
+                                  </p:childTnLst>
+                                </p:cTn>
+                              </p:par>
+                            </p:childTnLst>
+                          </p:cTn>
+                        </p:par>
+                      </p:childTnLst>
+                    </p:cTn>
+                  </p:par>
+                  <p:par>
+                    <p:cTn id="43" fill="hold">
+                      <p:stCondLst>
+                        <p:cond delay="indefinite"/>
+                      </p:stCondLst>
+                      <p:childTnLst>
+                        <p:par>
+                          <p:cTn id="44" fill="hold">
+                            <p:stCondLst>
+                              <p:cond delay="0"/>
+                            </p:stCondLst>
+                            <p:childTnLst>
+                              <p:par>
+                                <p:cTn id="45" presetID="10" presetClass="entr" presetSubtype="0" fill="hold" grpId="0" nodeType="clickEffect">
+                                  <p:stCondLst>
+                                    <p:cond delay="0"/>
+                                  </p:stCondLst>
+                                  <p:childTnLst>
+                                    <p:set>
+                                      <p:cBhvr>
+                                        <p:cTn id="46" dur="1" fill="hold">
+                                          <p:stCondLst>
+                                            <p:cond delay="0"/>
+                                          </p:stCondLst>
+                                        </p:cTn>
+                                        <p:tgtEl>
+                                          <p:spTgt spid="3">
+                                            <p:txEl>
+                                              <p:pRg st="8" end="8"/>
+                                            </p:txEl>
+                                          </p:spTgt>
+                                        </p:tgtEl>
+                                        <p:attrNameLst>
+                                          <p:attrName>style.visibility</p:attrName>
+                                        </p:attrNameLst>
+                                      </p:cBhvr>
+                                      <p:to>
+                                        <p:strVal val="visible"/>
+                                      </p:to>
+                                    </p:set>
+                                    <p:animEffect transition="in" filter="fade">
+                                      <p:cBhvr>
+                                        <p:cTn id="47" dur="500"/>
+                                        <p:tgtEl>
+                                          <p:spTgt spid="3">
+                                            <p:txEl>
+                                              <p:pRg st="8" end="8"/>
+                                            </p:txEl>
+                                          </p:spTgt>
+                                        </p:tgtEl>
+                                      </p:cBhvr>
+                                    </p:animEffect>
+                                  </p:childTnLst>
+                                </p:cTn>
+                              </p:par>
+                            </p:childTnLst>
+                          </p:cTn>
+                        </p:par>
+                      </p:childTnLst>
+                    </p:cTn>
+                  </p:par>
+                  <p:par>
+                    <p:cTn id="48" fill="hold">
+                      <p:stCondLst>
+                        <p:cond delay="indefinite"/>
+                      </p:stCondLst>
+                      <p:childTnLst>
+                        <p:par>
+                          <p:cTn id="49" fill="hold">
+                            <p:stCondLst>
+                              <p:cond delay="0"/>
+                            </p:stCondLst>
+                            <p:childTnLst>
+                              <p:par>
+                                <p:cTn id="50" presetID="10" presetClass="entr" presetSubtype="0" fill="hold" grpId="0" nodeType="clickEffect">
+                                  <p:stCondLst>
+                                    <p:cond delay="0"/>
+                                  </p:stCondLst>
+                                  <p:childTnLst>
+                                    <p:set>
+                                      <p:cBhvr>
+                                        <p:cTn id="51" dur="1" fill="hold">
+                                          <p:stCondLst>
+                                            <p:cond delay="0"/>
+                                          </p:stCondLst>
+                                        </p:cTn>
+                                        <p:tgtEl>
+                                          <p:spTgt spid="3">
+                                            <p:txEl>
+                                              <p:pRg st="9" end="9"/>
+                                            </p:txEl>
+                                          </p:spTgt>
+                                        </p:tgtEl>
+                                        <p:attrNameLst>
+                                          <p:attrName>style.visibility</p:attrName>
+                                        </p:attrNameLst>
+                                      </p:cBhvr>
+                                      <p:to>
+                                        <p:strVal val="visible"/>
+                                      </p:to>
+                                    </p:set>
+                                    <p:animEffect transition="in" filter="fade">
+                                      <p:cBhvr>
+                                        <p:cTn id="52" dur="500"/>
+                                        <p:tgtEl>
+                                          <p:spTgt spid="3">
+                                            <p:txEl>
+                                              <p:pRg st="9" end="9"/>
+                                            </p:txEl>
+                                          </p:spTgt>
+                                        </p:tgtEl>
+                                      </p:cBhvr>
+                                    </p:animEffect>
+                                  </p:childTnLst>
+                                </p:cTn>
+                              </p:par>
+                            </p:childTnLst>
+                          </p:cTn>
+                        </p:par>
+                      </p:childTnLst>
+                    </p:cTn>
+                  </p:par>
+                </p:childTnLst>
+              </p:cTn>
+              <p:prevCondLst>
+                <p:cond evt="onPrev" delay="0">
+                  <p:tgtEl>
+                    <p:sldTgt/>
+                  </p:tgtEl>
+                </p:cond>
+              </p:prevCondLst>
+              <p:nextCondLst>
+                <p:cond evt="onNext" delay="0">
+                  <p:tgtEl>
+                    <p:sldTgt/>
+                  </p:tgtEl>
+                </p:cond>
+              </p:nextCondLst>
+            </p:seq>
+          </p:childTnLst>
+        </p:cTn>
+      </p:par>
+    </p:tnLst>
+    <p:bldLst>
+      <p:bldP spid="3" grpId="0" build="p"/>
+    </p:bldLst>
+  </p:timing>
 </p:sld>
 </file>
 
@@ -13579,6 +18143,1153 @@
       </p:transition>
     </mc:Fallback>
   </mc:AlternateContent>
+  <p:timing>
+    <p:tnLst>
+      <p:par>
+        <p:cTn id="1" dur="indefinite" restart="never" nodeType="tmRoot">
+          <p:childTnLst>
+            <p:seq concurrent="1" nextAc="seek">
+              <p:cTn id="2" dur="indefinite" nodeType="mainSeq">
+                <p:childTnLst>
+                  <p:par>
+                    <p:cTn id="3" fill="hold">
+                      <p:stCondLst>
+                        <p:cond delay="indefinite"/>
+                      </p:stCondLst>
+                      <p:childTnLst>
+                        <p:par>
+                          <p:cTn id="4" fill="hold">
+                            <p:stCondLst>
+                              <p:cond delay="0"/>
+                            </p:stCondLst>
+                            <p:childTnLst>
+                              <p:par>
+                                <p:cTn id="5" presetID="42" presetClass="entr" presetSubtype="0" fill="hold" grpId="0" nodeType="clickEffect">
+                                  <p:stCondLst>
+                                    <p:cond delay="0"/>
+                                  </p:stCondLst>
+                                  <p:childTnLst>
+                                    <p:set>
+                                      <p:cBhvr>
+                                        <p:cTn id="6" dur="1" fill="hold">
+                                          <p:stCondLst>
+                                            <p:cond delay="0"/>
+                                          </p:stCondLst>
+                                        </p:cTn>
+                                        <p:tgtEl>
+                                          <p:spTgt spid="3">
+                                            <p:txEl>
+                                              <p:pRg st="0" end="0"/>
+                                            </p:txEl>
+                                          </p:spTgt>
+                                        </p:tgtEl>
+                                        <p:attrNameLst>
+                                          <p:attrName>style.visibility</p:attrName>
+                                        </p:attrNameLst>
+                                      </p:cBhvr>
+                                      <p:to>
+                                        <p:strVal val="visible"/>
+                                      </p:to>
+                                    </p:set>
+                                    <p:animEffect transition="in" filter="fade">
+                                      <p:cBhvr>
+                                        <p:cTn id="7" dur="1000"/>
+                                        <p:tgtEl>
+                                          <p:spTgt spid="3">
+                                            <p:txEl>
+                                              <p:pRg st="0" end="0"/>
+                                            </p:txEl>
+                                          </p:spTgt>
+                                        </p:tgtEl>
+                                      </p:cBhvr>
+                                    </p:animEffect>
+                                    <p:anim calcmode="lin" valueType="num">
+                                      <p:cBhvr>
+                                        <p:cTn id="8" dur="1000" fill="hold"/>
+                                        <p:tgtEl>
+                                          <p:spTgt spid="3">
+                                            <p:txEl>
+                                              <p:pRg st="0" end="0"/>
+                                            </p:txEl>
+                                          </p:spTgt>
+                                        </p:tgtEl>
+                                        <p:attrNameLst>
+                                          <p:attrName>ppt_x</p:attrName>
+                                        </p:attrNameLst>
+                                      </p:cBhvr>
+                                      <p:tavLst>
+                                        <p:tav tm="0">
+                                          <p:val>
+                                            <p:strVal val="#ppt_x"/>
+                                          </p:val>
+                                        </p:tav>
+                                        <p:tav tm="100000">
+                                          <p:val>
+                                            <p:strVal val="#ppt_x"/>
+                                          </p:val>
+                                        </p:tav>
+                                      </p:tavLst>
+                                    </p:anim>
+                                    <p:anim calcmode="lin" valueType="num">
+                                      <p:cBhvr>
+                                        <p:cTn id="9" dur="1000" fill="hold"/>
+                                        <p:tgtEl>
+                                          <p:spTgt spid="3">
+                                            <p:txEl>
+                                              <p:pRg st="0" end="0"/>
+                                            </p:txEl>
+                                          </p:spTgt>
+                                        </p:tgtEl>
+                                        <p:attrNameLst>
+                                          <p:attrName>ppt_y</p:attrName>
+                                        </p:attrNameLst>
+                                      </p:cBhvr>
+                                      <p:tavLst>
+                                        <p:tav tm="0">
+                                          <p:val>
+                                            <p:strVal val="#ppt_y+.1"/>
+                                          </p:val>
+                                        </p:tav>
+                                        <p:tav tm="100000">
+                                          <p:val>
+                                            <p:strVal val="#ppt_y"/>
+                                          </p:val>
+                                        </p:tav>
+                                      </p:tavLst>
+                                    </p:anim>
+                                  </p:childTnLst>
+                                </p:cTn>
+                              </p:par>
+                            </p:childTnLst>
+                          </p:cTn>
+                        </p:par>
+                      </p:childTnLst>
+                    </p:cTn>
+                  </p:par>
+                  <p:par>
+                    <p:cTn id="10" fill="hold">
+                      <p:stCondLst>
+                        <p:cond delay="indefinite"/>
+                      </p:stCondLst>
+                      <p:childTnLst>
+                        <p:par>
+                          <p:cTn id="11" fill="hold">
+                            <p:stCondLst>
+                              <p:cond delay="0"/>
+                            </p:stCondLst>
+                            <p:childTnLst>
+                              <p:par>
+                                <p:cTn id="12" presetID="42" presetClass="entr" presetSubtype="0" fill="hold" grpId="0" nodeType="clickEffect">
+                                  <p:stCondLst>
+                                    <p:cond delay="0"/>
+                                  </p:stCondLst>
+                                  <p:childTnLst>
+                                    <p:set>
+                                      <p:cBhvr>
+                                        <p:cTn id="13" dur="1" fill="hold">
+                                          <p:stCondLst>
+                                            <p:cond delay="0"/>
+                                          </p:stCondLst>
+                                        </p:cTn>
+                                        <p:tgtEl>
+                                          <p:spTgt spid="3">
+                                            <p:txEl>
+                                              <p:pRg st="1" end="1"/>
+                                            </p:txEl>
+                                          </p:spTgt>
+                                        </p:tgtEl>
+                                        <p:attrNameLst>
+                                          <p:attrName>style.visibility</p:attrName>
+                                        </p:attrNameLst>
+                                      </p:cBhvr>
+                                      <p:to>
+                                        <p:strVal val="visible"/>
+                                      </p:to>
+                                    </p:set>
+                                    <p:animEffect transition="in" filter="fade">
+                                      <p:cBhvr>
+                                        <p:cTn id="14" dur="1000"/>
+                                        <p:tgtEl>
+                                          <p:spTgt spid="3">
+                                            <p:txEl>
+                                              <p:pRg st="1" end="1"/>
+                                            </p:txEl>
+                                          </p:spTgt>
+                                        </p:tgtEl>
+                                      </p:cBhvr>
+                                    </p:animEffect>
+                                    <p:anim calcmode="lin" valueType="num">
+                                      <p:cBhvr>
+                                        <p:cTn id="15" dur="1000" fill="hold"/>
+                                        <p:tgtEl>
+                                          <p:spTgt spid="3">
+                                            <p:txEl>
+                                              <p:pRg st="1" end="1"/>
+                                            </p:txEl>
+                                          </p:spTgt>
+                                        </p:tgtEl>
+                                        <p:attrNameLst>
+                                          <p:attrName>ppt_x</p:attrName>
+                                        </p:attrNameLst>
+                                      </p:cBhvr>
+                                      <p:tavLst>
+                                        <p:tav tm="0">
+                                          <p:val>
+                                            <p:strVal val="#ppt_x"/>
+                                          </p:val>
+                                        </p:tav>
+                                        <p:tav tm="100000">
+                                          <p:val>
+                                            <p:strVal val="#ppt_x"/>
+                                          </p:val>
+                                        </p:tav>
+                                      </p:tavLst>
+                                    </p:anim>
+                                    <p:anim calcmode="lin" valueType="num">
+                                      <p:cBhvr>
+                                        <p:cTn id="16" dur="1000" fill="hold"/>
+                                        <p:tgtEl>
+                                          <p:spTgt spid="3">
+                                            <p:txEl>
+                                              <p:pRg st="1" end="1"/>
+                                            </p:txEl>
+                                          </p:spTgt>
+                                        </p:tgtEl>
+                                        <p:attrNameLst>
+                                          <p:attrName>ppt_y</p:attrName>
+                                        </p:attrNameLst>
+                                      </p:cBhvr>
+                                      <p:tavLst>
+                                        <p:tav tm="0">
+                                          <p:val>
+                                            <p:strVal val="#ppt_y+.1"/>
+                                          </p:val>
+                                        </p:tav>
+                                        <p:tav tm="100000">
+                                          <p:val>
+                                            <p:strVal val="#ppt_y"/>
+                                          </p:val>
+                                        </p:tav>
+                                      </p:tavLst>
+                                    </p:anim>
+                                  </p:childTnLst>
+                                </p:cTn>
+                              </p:par>
+                            </p:childTnLst>
+                          </p:cTn>
+                        </p:par>
+                      </p:childTnLst>
+                    </p:cTn>
+                  </p:par>
+                  <p:par>
+                    <p:cTn id="17" fill="hold">
+                      <p:stCondLst>
+                        <p:cond delay="indefinite"/>
+                      </p:stCondLst>
+                      <p:childTnLst>
+                        <p:par>
+                          <p:cTn id="18" fill="hold">
+                            <p:stCondLst>
+                              <p:cond delay="0"/>
+                            </p:stCondLst>
+                            <p:childTnLst>
+                              <p:par>
+                                <p:cTn id="19" presetID="42" presetClass="entr" presetSubtype="0" fill="hold" grpId="0" nodeType="clickEffect">
+                                  <p:stCondLst>
+                                    <p:cond delay="0"/>
+                                  </p:stCondLst>
+                                  <p:childTnLst>
+                                    <p:set>
+                                      <p:cBhvr>
+                                        <p:cTn id="20" dur="1" fill="hold">
+                                          <p:stCondLst>
+                                            <p:cond delay="0"/>
+                                          </p:stCondLst>
+                                        </p:cTn>
+                                        <p:tgtEl>
+                                          <p:spTgt spid="3">
+                                            <p:txEl>
+                                              <p:pRg st="2" end="2"/>
+                                            </p:txEl>
+                                          </p:spTgt>
+                                        </p:tgtEl>
+                                        <p:attrNameLst>
+                                          <p:attrName>style.visibility</p:attrName>
+                                        </p:attrNameLst>
+                                      </p:cBhvr>
+                                      <p:to>
+                                        <p:strVal val="visible"/>
+                                      </p:to>
+                                    </p:set>
+                                    <p:animEffect transition="in" filter="fade">
+                                      <p:cBhvr>
+                                        <p:cTn id="21" dur="1000"/>
+                                        <p:tgtEl>
+                                          <p:spTgt spid="3">
+                                            <p:txEl>
+                                              <p:pRg st="2" end="2"/>
+                                            </p:txEl>
+                                          </p:spTgt>
+                                        </p:tgtEl>
+                                      </p:cBhvr>
+                                    </p:animEffect>
+                                    <p:anim calcmode="lin" valueType="num">
+                                      <p:cBhvr>
+                                        <p:cTn id="22" dur="1000" fill="hold"/>
+                                        <p:tgtEl>
+                                          <p:spTgt spid="3">
+                                            <p:txEl>
+                                              <p:pRg st="2" end="2"/>
+                                            </p:txEl>
+                                          </p:spTgt>
+                                        </p:tgtEl>
+                                        <p:attrNameLst>
+                                          <p:attrName>ppt_x</p:attrName>
+                                        </p:attrNameLst>
+                                      </p:cBhvr>
+                                      <p:tavLst>
+                                        <p:tav tm="0">
+                                          <p:val>
+                                            <p:strVal val="#ppt_x"/>
+                                          </p:val>
+                                        </p:tav>
+                                        <p:tav tm="100000">
+                                          <p:val>
+                                            <p:strVal val="#ppt_x"/>
+                                          </p:val>
+                                        </p:tav>
+                                      </p:tavLst>
+                                    </p:anim>
+                                    <p:anim calcmode="lin" valueType="num">
+                                      <p:cBhvr>
+                                        <p:cTn id="23" dur="1000" fill="hold"/>
+                                        <p:tgtEl>
+                                          <p:spTgt spid="3">
+                                            <p:txEl>
+                                              <p:pRg st="2" end="2"/>
+                                            </p:txEl>
+                                          </p:spTgt>
+                                        </p:tgtEl>
+                                        <p:attrNameLst>
+                                          <p:attrName>ppt_y</p:attrName>
+                                        </p:attrNameLst>
+                                      </p:cBhvr>
+                                      <p:tavLst>
+                                        <p:tav tm="0">
+                                          <p:val>
+                                            <p:strVal val="#ppt_y+.1"/>
+                                          </p:val>
+                                        </p:tav>
+                                        <p:tav tm="100000">
+                                          <p:val>
+                                            <p:strVal val="#ppt_y"/>
+                                          </p:val>
+                                        </p:tav>
+                                      </p:tavLst>
+                                    </p:anim>
+                                  </p:childTnLst>
+                                </p:cTn>
+                              </p:par>
+                            </p:childTnLst>
+                          </p:cTn>
+                        </p:par>
+                      </p:childTnLst>
+                    </p:cTn>
+                  </p:par>
+                  <p:par>
+                    <p:cTn id="24" fill="hold">
+                      <p:stCondLst>
+                        <p:cond delay="indefinite"/>
+                      </p:stCondLst>
+                      <p:childTnLst>
+                        <p:par>
+                          <p:cTn id="25" fill="hold">
+                            <p:stCondLst>
+                              <p:cond delay="0"/>
+                            </p:stCondLst>
+                            <p:childTnLst>
+                              <p:par>
+                                <p:cTn id="26" presetID="42" presetClass="entr" presetSubtype="0" fill="hold" grpId="0" nodeType="clickEffect">
+                                  <p:stCondLst>
+                                    <p:cond delay="0"/>
+                                  </p:stCondLst>
+                                  <p:childTnLst>
+                                    <p:set>
+                                      <p:cBhvr>
+                                        <p:cTn id="27" dur="1" fill="hold">
+                                          <p:stCondLst>
+                                            <p:cond delay="0"/>
+                                          </p:stCondLst>
+                                        </p:cTn>
+                                        <p:tgtEl>
+                                          <p:spTgt spid="3">
+                                            <p:txEl>
+                                              <p:pRg st="3" end="3"/>
+                                            </p:txEl>
+                                          </p:spTgt>
+                                        </p:tgtEl>
+                                        <p:attrNameLst>
+                                          <p:attrName>style.visibility</p:attrName>
+                                        </p:attrNameLst>
+                                      </p:cBhvr>
+                                      <p:to>
+                                        <p:strVal val="visible"/>
+                                      </p:to>
+                                    </p:set>
+                                    <p:animEffect transition="in" filter="fade">
+                                      <p:cBhvr>
+                                        <p:cTn id="28" dur="1000"/>
+                                        <p:tgtEl>
+                                          <p:spTgt spid="3">
+                                            <p:txEl>
+                                              <p:pRg st="3" end="3"/>
+                                            </p:txEl>
+                                          </p:spTgt>
+                                        </p:tgtEl>
+                                      </p:cBhvr>
+                                    </p:animEffect>
+                                    <p:anim calcmode="lin" valueType="num">
+                                      <p:cBhvr>
+                                        <p:cTn id="29" dur="1000" fill="hold"/>
+                                        <p:tgtEl>
+                                          <p:spTgt spid="3">
+                                            <p:txEl>
+                                              <p:pRg st="3" end="3"/>
+                                            </p:txEl>
+                                          </p:spTgt>
+                                        </p:tgtEl>
+                                        <p:attrNameLst>
+                                          <p:attrName>ppt_x</p:attrName>
+                                        </p:attrNameLst>
+                                      </p:cBhvr>
+                                      <p:tavLst>
+                                        <p:tav tm="0">
+                                          <p:val>
+                                            <p:strVal val="#ppt_x"/>
+                                          </p:val>
+                                        </p:tav>
+                                        <p:tav tm="100000">
+                                          <p:val>
+                                            <p:strVal val="#ppt_x"/>
+                                          </p:val>
+                                        </p:tav>
+                                      </p:tavLst>
+                                    </p:anim>
+                                    <p:anim calcmode="lin" valueType="num">
+                                      <p:cBhvr>
+                                        <p:cTn id="30" dur="1000" fill="hold"/>
+                                        <p:tgtEl>
+                                          <p:spTgt spid="3">
+                                            <p:txEl>
+                                              <p:pRg st="3" end="3"/>
+                                            </p:txEl>
+                                          </p:spTgt>
+                                        </p:tgtEl>
+                                        <p:attrNameLst>
+                                          <p:attrName>ppt_y</p:attrName>
+                                        </p:attrNameLst>
+                                      </p:cBhvr>
+                                      <p:tavLst>
+                                        <p:tav tm="0">
+                                          <p:val>
+                                            <p:strVal val="#ppt_y+.1"/>
+                                          </p:val>
+                                        </p:tav>
+                                        <p:tav tm="100000">
+                                          <p:val>
+                                            <p:strVal val="#ppt_y"/>
+                                          </p:val>
+                                        </p:tav>
+                                      </p:tavLst>
+                                    </p:anim>
+                                  </p:childTnLst>
+                                </p:cTn>
+                              </p:par>
+                            </p:childTnLst>
+                          </p:cTn>
+                        </p:par>
+                      </p:childTnLst>
+                    </p:cTn>
+                  </p:par>
+                  <p:par>
+                    <p:cTn id="31" fill="hold">
+                      <p:stCondLst>
+                        <p:cond delay="indefinite"/>
+                      </p:stCondLst>
+                      <p:childTnLst>
+                        <p:par>
+                          <p:cTn id="32" fill="hold">
+                            <p:stCondLst>
+                              <p:cond delay="0"/>
+                            </p:stCondLst>
+                            <p:childTnLst>
+                              <p:par>
+                                <p:cTn id="33" presetID="42" presetClass="entr" presetSubtype="0" fill="hold" grpId="0" nodeType="clickEffect">
+                                  <p:stCondLst>
+                                    <p:cond delay="0"/>
+                                  </p:stCondLst>
+                                  <p:childTnLst>
+                                    <p:set>
+                                      <p:cBhvr>
+                                        <p:cTn id="34" dur="1" fill="hold">
+                                          <p:stCondLst>
+                                            <p:cond delay="0"/>
+                                          </p:stCondLst>
+                                        </p:cTn>
+                                        <p:tgtEl>
+                                          <p:spTgt spid="3">
+                                            <p:txEl>
+                                              <p:pRg st="4" end="4"/>
+                                            </p:txEl>
+                                          </p:spTgt>
+                                        </p:tgtEl>
+                                        <p:attrNameLst>
+                                          <p:attrName>style.visibility</p:attrName>
+                                        </p:attrNameLst>
+                                      </p:cBhvr>
+                                      <p:to>
+                                        <p:strVal val="visible"/>
+                                      </p:to>
+                                    </p:set>
+                                    <p:animEffect transition="in" filter="fade">
+                                      <p:cBhvr>
+                                        <p:cTn id="35" dur="1000"/>
+                                        <p:tgtEl>
+                                          <p:spTgt spid="3">
+                                            <p:txEl>
+                                              <p:pRg st="4" end="4"/>
+                                            </p:txEl>
+                                          </p:spTgt>
+                                        </p:tgtEl>
+                                      </p:cBhvr>
+                                    </p:animEffect>
+                                    <p:anim calcmode="lin" valueType="num">
+                                      <p:cBhvr>
+                                        <p:cTn id="36" dur="1000" fill="hold"/>
+                                        <p:tgtEl>
+                                          <p:spTgt spid="3">
+                                            <p:txEl>
+                                              <p:pRg st="4" end="4"/>
+                                            </p:txEl>
+                                          </p:spTgt>
+                                        </p:tgtEl>
+                                        <p:attrNameLst>
+                                          <p:attrName>ppt_x</p:attrName>
+                                        </p:attrNameLst>
+                                      </p:cBhvr>
+                                      <p:tavLst>
+                                        <p:tav tm="0">
+                                          <p:val>
+                                            <p:strVal val="#ppt_x"/>
+                                          </p:val>
+                                        </p:tav>
+                                        <p:tav tm="100000">
+                                          <p:val>
+                                            <p:strVal val="#ppt_x"/>
+                                          </p:val>
+                                        </p:tav>
+                                      </p:tavLst>
+                                    </p:anim>
+                                    <p:anim calcmode="lin" valueType="num">
+                                      <p:cBhvr>
+                                        <p:cTn id="37" dur="1000" fill="hold"/>
+                                        <p:tgtEl>
+                                          <p:spTgt spid="3">
+                                            <p:txEl>
+                                              <p:pRg st="4" end="4"/>
+                                            </p:txEl>
+                                          </p:spTgt>
+                                        </p:tgtEl>
+                                        <p:attrNameLst>
+                                          <p:attrName>ppt_y</p:attrName>
+                                        </p:attrNameLst>
+                                      </p:cBhvr>
+                                      <p:tavLst>
+                                        <p:tav tm="0">
+                                          <p:val>
+                                            <p:strVal val="#ppt_y+.1"/>
+                                          </p:val>
+                                        </p:tav>
+                                        <p:tav tm="100000">
+                                          <p:val>
+                                            <p:strVal val="#ppt_y"/>
+                                          </p:val>
+                                        </p:tav>
+                                      </p:tavLst>
+                                    </p:anim>
+                                  </p:childTnLst>
+                                </p:cTn>
+                              </p:par>
+                              <p:par>
+                                <p:cTn id="38" presetID="42" presetClass="entr" presetSubtype="0" fill="hold" grpId="0" nodeType="withEffect">
+                                  <p:stCondLst>
+                                    <p:cond delay="0"/>
+                                  </p:stCondLst>
+                                  <p:childTnLst>
+                                    <p:set>
+                                      <p:cBhvr>
+                                        <p:cTn id="39" dur="1" fill="hold">
+                                          <p:stCondLst>
+                                            <p:cond delay="0"/>
+                                          </p:stCondLst>
+                                        </p:cTn>
+                                        <p:tgtEl>
+                                          <p:spTgt spid="3">
+                                            <p:txEl>
+                                              <p:pRg st="5" end="5"/>
+                                            </p:txEl>
+                                          </p:spTgt>
+                                        </p:tgtEl>
+                                        <p:attrNameLst>
+                                          <p:attrName>style.visibility</p:attrName>
+                                        </p:attrNameLst>
+                                      </p:cBhvr>
+                                      <p:to>
+                                        <p:strVal val="visible"/>
+                                      </p:to>
+                                    </p:set>
+                                    <p:animEffect transition="in" filter="fade">
+                                      <p:cBhvr>
+                                        <p:cTn id="40" dur="1000"/>
+                                        <p:tgtEl>
+                                          <p:spTgt spid="3">
+                                            <p:txEl>
+                                              <p:pRg st="5" end="5"/>
+                                            </p:txEl>
+                                          </p:spTgt>
+                                        </p:tgtEl>
+                                      </p:cBhvr>
+                                    </p:animEffect>
+                                    <p:anim calcmode="lin" valueType="num">
+                                      <p:cBhvr>
+                                        <p:cTn id="41" dur="1000" fill="hold"/>
+                                        <p:tgtEl>
+                                          <p:spTgt spid="3">
+                                            <p:txEl>
+                                              <p:pRg st="5" end="5"/>
+                                            </p:txEl>
+                                          </p:spTgt>
+                                        </p:tgtEl>
+                                        <p:attrNameLst>
+                                          <p:attrName>ppt_x</p:attrName>
+                                        </p:attrNameLst>
+                                      </p:cBhvr>
+                                      <p:tavLst>
+                                        <p:tav tm="0">
+                                          <p:val>
+                                            <p:strVal val="#ppt_x"/>
+                                          </p:val>
+                                        </p:tav>
+                                        <p:tav tm="100000">
+                                          <p:val>
+                                            <p:strVal val="#ppt_x"/>
+                                          </p:val>
+                                        </p:tav>
+                                      </p:tavLst>
+                                    </p:anim>
+                                    <p:anim calcmode="lin" valueType="num">
+                                      <p:cBhvr>
+                                        <p:cTn id="42" dur="1000" fill="hold"/>
+                                        <p:tgtEl>
+                                          <p:spTgt spid="3">
+                                            <p:txEl>
+                                              <p:pRg st="5" end="5"/>
+                                            </p:txEl>
+                                          </p:spTgt>
+                                        </p:tgtEl>
+                                        <p:attrNameLst>
+                                          <p:attrName>ppt_y</p:attrName>
+                                        </p:attrNameLst>
+                                      </p:cBhvr>
+                                      <p:tavLst>
+                                        <p:tav tm="0">
+                                          <p:val>
+                                            <p:strVal val="#ppt_y+.1"/>
+                                          </p:val>
+                                        </p:tav>
+                                        <p:tav tm="100000">
+                                          <p:val>
+                                            <p:strVal val="#ppt_y"/>
+                                          </p:val>
+                                        </p:tav>
+                                      </p:tavLst>
+                                    </p:anim>
+                                  </p:childTnLst>
+                                </p:cTn>
+                              </p:par>
+                            </p:childTnLst>
+                          </p:cTn>
+                        </p:par>
+                      </p:childTnLst>
+                    </p:cTn>
+                  </p:par>
+                  <p:par>
+                    <p:cTn id="43" fill="hold">
+                      <p:stCondLst>
+                        <p:cond delay="indefinite"/>
+                      </p:stCondLst>
+                      <p:childTnLst>
+                        <p:par>
+                          <p:cTn id="44" fill="hold">
+                            <p:stCondLst>
+                              <p:cond delay="0"/>
+                            </p:stCondLst>
+                            <p:childTnLst>
+                              <p:par>
+                                <p:cTn id="45" presetID="42" presetClass="entr" presetSubtype="0" fill="hold" grpId="0" nodeType="clickEffect">
+                                  <p:stCondLst>
+                                    <p:cond delay="0"/>
+                                  </p:stCondLst>
+                                  <p:childTnLst>
+                                    <p:set>
+                                      <p:cBhvr>
+                                        <p:cTn id="46" dur="1" fill="hold">
+                                          <p:stCondLst>
+                                            <p:cond delay="0"/>
+                                          </p:stCondLst>
+                                        </p:cTn>
+                                        <p:tgtEl>
+                                          <p:spTgt spid="3">
+                                            <p:txEl>
+                                              <p:pRg st="6" end="6"/>
+                                            </p:txEl>
+                                          </p:spTgt>
+                                        </p:tgtEl>
+                                        <p:attrNameLst>
+                                          <p:attrName>style.visibility</p:attrName>
+                                        </p:attrNameLst>
+                                      </p:cBhvr>
+                                      <p:to>
+                                        <p:strVal val="visible"/>
+                                      </p:to>
+                                    </p:set>
+                                    <p:animEffect transition="in" filter="fade">
+                                      <p:cBhvr>
+                                        <p:cTn id="47" dur="1000"/>
+                                        <p:tgtEl>
+                                          <p:spTgt spid="3">
+                                            <p:txEl>
+                                              <p:pRg st="6" end="6"/>
+                                            </p:txEl>
+                                          </p:spTgt>
+                                        </p:tgtEl>
+                                      </p:cBhvr>
+                                    </p:animEffect>
+                                    <p:anim calcmode="lin" valueType="num">
+                                      <p:cBhvr>
+                                        <p:cTn id="48" dur="1000" fill="hold"/>
+                                        <p:tgtEl>
+                                          <p:spTgt spid="3">
+                                            <p:txEl>
+                                              <p:pRg st="6" end="6"/>
+                                            </p:txEl>
+                                          </p:spTgt>
+                                        </p:tgtEl>
+                                        <p:attrNameLst>
+                                          <p:attrName>ppt_x</p:attrName>
+                                        </p:attrNameLst>
+                                      </p:cBhvr>
+                                      <p:tavLst>
+                                        <p:tav tm="0">
+                                          <p:val>
+                                            <p:strVal val="#ppt_x"/>
+                                          </p:val>
+                                        </p:tav>
+                                        <p:tav tm="100000">
+                                          <p:val>
+                                            <p:strVal val="#ppt_x"/>
+                                          </p:val>
+                                        </p:tav>
+                                      </p:tavLst>
+                                    </p:anim>
+                                    <p:anim calcmode="lin" valueType="num">
+                                      <p:cBhvr>
+                                        <p:cTn id="49" dur="1000" fill="hold"/>
+                                        <p:tgtEl>
+                                          <p:spTgt spid="3">
+                                            <p:txEl>
+                                              <p:pRg st="6" end="6"/>
+                                            </p:txEl>
+                                          </p:spTgt>
+                                        </p:tgtEl>
+                                        <p:attrNameLst>
+                                          <p:attrName>ppt_y</p:attrName>
+                                        </p:attrNameLst>
+                                      </p:cBhvr>
+                                      <p:tavLst>
+                                        <p:tav tm="0">
+                                          <p:val>
+                                            <p:strVal val="#ppt_y+.1"/>
+                                          </p:val>
+                                        </p:tav>
+                                        <p:tav tm="100000">
+                                          <p:val>
+                                            <p:strVal val="#ppt_y"/>
+                                          </p:val>
+                                        </p:tav>
+                                      </p:tavLst>
+                                    </p:anim>
+                                  </p:childTnLst>
+                                </p:cTn>
+                              </p:par>
+                              <p:par>
+                                <p:cTn id="50" presetID="42" presetClass="entr" presetSubtype="0" fill="hold" grpId="0" nodeType="withEffect">
+                                  <p:stCondLst>
+                                    <p:cond delay="0"/>
+                                  </p:stCondLst>
+                                  <p:childTnLst>
+                                    <p:set>
+                                      <p:cBhvr>
+                                        <p:cTn id="51" dur="1" fill="hold">
+                                          <p:stCondLst>
+                                            <p:cond delay="0"/>
+                                          </p:stCondLst>
+                                        </p:cTn>
+                                        <p:tgtEl>
+                                          <p:spTgt spid="3">
+                                            <p:txEl>
+                                              <p:pRg st="7" end="7"/>
+                                            </p:txEl>
+                                          </p:spTgt>
+                                        </p:tgtEl>
+                                        <p:attrNameLst>
+                                          <p:attrName>style.visibility</p:attrName>
+                                        </p:attrNameLst>
+                                      </p:cBhvr>
+                                      <p:to>
+                                        <p:strVal val="visible"/>
+                                      </p:to>
+                                    </p:set>
+                                    <p:animEffect transition="in" filter="fade">
+                                      <p:cBhvr>
+                                        <p:cTn id="52" dur="1000"/>
+                                        <p:tgtEl>
+                                          <p:spTgt spid="3">
+                                            <p:txEl>
+                                              <p:pRg st="7" end="7"/>
+                                            </p:txEl>
+                                          </p:spTgt>
+                                        </p:tgtEl>
+                                      </p:cBhvr>
+                                    </p:animEffect>
+                                    <p:anim calcmode="lin" valueType="num">
+                                      <p:cBhvr>
+                                        <p:cTn id="53" dur="1000" fill="hold"/>
+                                        <p:tgtEl>
+                                          <p:spTgt spid="3">
+                                            <p:txEl>
+                                              <p:pRg st="7" end="7"/>
+                                            </p:txEl>
+                                          </p:spTgt>
+                                        </p:tgtEl>
+                                        <p:attrNameLst>
+                                          <p:attrName>ppt_x</p:attrName>
+                                        </p:attrNameLst>
+                                      </p:cBhvr>
+                                      <p:tavLst>
+                                        <p:tav tm="0">
+                                          <p:val>
+                                            <p:strVal val="#ppt_x"/>
+                                          </p:val>
+                                        </p:tav>
+                                        <p:tav tm="100000">
+                                          <p:val>
+                                            <p:strVal val="#ppt_x"/>
+                                          </p:val>
+                                        </p:tav>
+                                      </p:tavLst>
+                                    </p:anim>
+                                    <p:anim calcmode="lin" valueType="num">
+                                      <p:cBhvr>
+                                        <p:cTn id="54" dur="1000" fill="hold"/>
+                                        <p:tgtEl>
+                                          <p:spTgt spid="3">
+                                            <p:txEl>
+                                              <p:pRg st="7" end="7"/>
+                                            </p:txEl>
+                                          </p:spTgt>
+                                        </p:tgtEl>
+                                        <p:attrNameLst>
+                                          <p:attrName>ppt_y</p:attrName>
+                                        </p:attrNameLst>
+                                      </p:cBhvr>
+                                      <p:tavLst>
+                                        <p:tav tm="0">
+                                          <p:val>
+                                            <p:strVal val="#ppt_y+.1"/>
+                                          </p:val>
+                                        </p:tav>
+                                        <p:tav tm="100000">
+                                          <p:val>
+                                            <p:strVal val="#ppt_y"/>
+                                          </p:val>
+                                        </p:tav>
+                                      </p:tavLst>
+                                    </p:anim>
+                                  </p:childTnLst>
+                                </p:cTn>
+                              </p:par>
+                            </p:childTnLst>
+                          </p:cTn>
+                        </p:par>
+                      </p:childTnLst>
+                    </p:cTn>
+                  </p:par>
+                  <p:par>
+                    <p:cTn id="55" fill="hold">
+                      <p:stCondLst>
+                        <p:cond delay="indefinite"/>
+                      </p:stCondLst>
+                      <p:childTnLst>
+                        <p:par>
+                          <p:cTn id="56" fill="hold">
+                            <p:stCondLst>
+                              <p:cond delay="0"/>
+                            </p:stCondLst>
+                            <p:childTnLst>
+                              <p:par>
+                                <p:cTn id="57" presetID="42" presetClass="entr" presetSubtype="0" fill="hold" grpId="0" nodeType="clickEffect">
+                                  <p:stCondLst>
+                                    <p:cond delay="0"/>
+                                  </p:stCondLst>
+                                  <p:childTnLst>
+                                    <p:set>
+                                      <p:cBhvr>
+                                        <p:cTn id="58" dur="1" fill="hold">
+                                          <p:stCondLst>
+                                            <p:cond delay="0"/>
+                                          </p:stCondLst>
+                                        </p:cTn>
+                                        <p:tgtEl>
+                                          <p:spTgt spid="3">
+                                            <p:txEl>
+                                              <p:pRg st="8" end="8"/>
+                                            </p:txEl>
+                                          </p:spTgt>
+                                        </p:tgtEl>
+                                        <p:attrNameLst>
+                                          <p:attrName>style.visibility</p:attrName>
+                                        </p:attrNameLst>
+                                      </p:cBhvr>
+                                      <p:to>
+                                        <p:strVal val="visible"/>
+                                      </p:to>
+                                    </p:set>
+                                    <p:animEffect transition="in" filter="fade">
+                                      <p:cBhvr>
+                                        <p:cTn id="59" dur="1000"/>
+                                        <p:tgtEl>
+                                          <p:spTgt spid="3">
+                                            <p:txEl>
+                                              <p:pRg st="8" end="8"/>
+                                            </p:txEl>
+                                          </p:spTgt>
+                                        </p:tgtEl>
+                                      </p:cBhvr>
+                                    </p:animEffect>
+                                    <p:anim calcmode="lin" valueType="num">
+                                      <p:cBhvr>
+                                        <p:cTn id="60" dur="1000" fill="hold"/>
+                                        <p:tgtEl>
+                                          <p:spTgt spid="3">
+                                            <p:txEl>
+                                              <p:pRg st="8" end="8"/>
+                                            </p:txEl>
+                                          </p:spTgt>
+                                        </p:tgtEl>
+                                        <p:attrNameLst>
+                                          <p:attrName>ppt_x</p:attrName>
+                                        </p:attrNameLst>
+                                      </p:cBhvr>
+                                      <p:tavLst>
+                                        <p:tav tm="0">
+                                          <p:val>
+                                            <p:strVal val="#ppt_x"/>
+                                          </p:val>
+                                        </p:tav>
+                                        <p:tav tm="100000">
+                                          <p:val>
+                                            <p:strVal val="#ppt_x"/>
+                                          </p:val>
+                                        </p:tav>
+                                      </p:tavLst>
+                                    </p:anim>
+                                    <p:anim calcmode="lin" valueType="num">
+                                      <p:cBhvr>
+                                        <p:cTn id="61" dur="1000" fill="hold"/>
+                                        <p:tgtEl>
+                                          <p:spTgt spid="3">
+                                            <p:txEl>
+                                              <p:pRg st="8" end="8"/>
+                                            </p:txEl>
+                                          </p:spTgt>
+                                        </p:tgtEl>
+                                        <p:attrNameLst>
+                                          <p:attrName>ppt_y</p:attrName>
+                                        </p:attrNameLst>
+                                      </p:cBhvr>
+                                      <p:tavLst>
+                                        <p:tav tm="0">
+                                          <p:val>
+                                            <p:strVal val="#ppt_y+.1"/>
+                                          </p:val>
+                                        </p:tav>
+                                        <p:tav tm="100000">
+                                          <p:val>
+                                            <p:strVal val="#ppt_y"/>
+                                          </p:val>
+                                        </p:tav>
+                                      </p:tavLst>
+                                    </p:anim>
+                                  </p:childTnLst>
+                                </p:cTn>
+                              </p:par>
+                            </p:childTnLst>
+                          </p:cTn>
+                        </p:par>
+                      </p:childTnLst>
+                    </p:cTn>
+                  </p:par>
+                  <p:par>
+                    <p:cTn id="62" fill="hold">
+                      <p:stCondLst>
+                        <p:cond delay="indefinite"/>
+                      </p:stCondLst>
+                      <p:childTnLst>
+                        <p:par>
+                          <p:cTn id="63" fill="hold">
+                            <p:stCondLst>
+                              <p:cond delay="0"/>
+                            </p:stCondLst>
+                            <p:childTnLst>
+                              <p:par>
+                                <p:cTn id="64" presetID="42" presetClass="entr" presetSubtype="0" fill="hold" grpId="0" nodeType="clickEffect">
+                                  <p:stCondLst>
+                                    <p:cond delay="0"/>
+                                  </p:stCondLst>
+                                  <p:childTnLst>
+                                    <p:set>
+                                      <p:cBhvr>
+                                        <p:cTn id="65" dur="1" fill="hold">
+                                          <p:stCondLst>
+                                            <p:cond delay="0"/>
+                                          </p:stCondLst>
+                                        </p:cTn>
+                                        <p:tgtEl>
+                                          <p:spTgt spid="3">
+                                            <p:txEl>
+                                              <p:pRg st="9" end="9"/>
+                                            </p:txEl>
+                                          </p:spTgt>
+                                        </p:tgtEl>
+                                        <p:attrNameLst>
+                                          <p:attrName>style.visibility</p:attrName>
+                                        </p:attrNameLst>
+                                      </p:cBhvr>
+                                      <p:to>
+                                        <p:strVal val="visible"/>
+                                      </p:to>
+                                    </p:set>
+                                    <p:animEffect transition="in" filter="fade">
+                                      <p:cBhvr>
+                                        <p:cTn id="66" dur="1000"/>
+                                        <p:tgtEl>
+                                          <p:spTgt spid="3">
+                                            <p:txEl>
+                                              <p:pRg st="9" end="9"/>
+                                            </p:txEl>
+                                          </p:spTgt>
+                                        </p:tgtEl>
+                                      </p:cBhvr>
+                                    </p:animEffect>
+                                    <p:anim calcmode="lin" valueType="num">
+                                      <p:cBhvr>
+                                        <p:cTn id="67" dur="1000" fill="hold"/>
+                                        <p:tgtEl>
+                                          <p:spTgt spid="3">
+                                            <p:txEl>
+                                              <p:pRg st="9" end="9"/>
+                                            </p:txEl>
+                                          </p:spTgt>
+                                        </p:tgtEl>
+                                        <p:attrNameLst>
+                                          <p:attrName>ppt_x</p:attrName>
+                                        </p:attrNameLst>
+                                      </p:cBhvr>
+                                      <p:tavLst>
+                                        <p:tav tm="0">
+                                          <p:val>
+                                            <p:strVal val="#ppt_x"/>
+                                          </p:val>
+                                        </p:tav>
+                                        <p:tav tm="100000">
+                                          <p:val>
+                                            <p:strVal val="#ppt_x"/>
+                                          </p:val>
+                                        </p:tav>
+                                      </p:tavLst>
+                                    </p:anim>
+                                    <p:anim calcmode="lin" valueType="num">
+                                      <p:cBhvr>
+                                        <p:cTn id="68" dur="1000" fill="hold"/>
+                                        <p:tgtEl>
+                                          <p:spTgt spid="3">
+                                            <p:txEl>
+                                              <p:pRg st="9" end="9"/>
+                                            </p:txEl>
+                                          </p:spTgt>
+                                        </p:tgtEl>
+                                        <p:attrNameLst>
+                                          <p:attrName>ppt_y</p:attrName>
+                                        </p:attrNameLst>
+                                      </p:cBhvr>
+                                      <p:tavLst>
+                                        <p:tav tm="0">
+                                          <p:val>
+                                            <p:strVal val="#ppt_y+.1"/>
+                                          </p:val>
+                                        </p:tav>
+                                        <p:tav tm="100000">
+                                          <p:val>
+                                            <p:strVal val="#ppt_y"/>
+                                          </p:val>
+                                        </p:tav>
+                                      </p:tavLst>
+                                    </p:anim>
+                                  </p:childTnLst>
+                                </p:cTn>
+                              </p:par>
+                            </p:childTnLst>
+                          </p:cTn>
+                        </p:par>
+                      </p:childTnLst>
+                    </p:cTn>
+                  </p:par>
+                </p:childTnLst>
+              </p:cTn>
+              <p:prevCondLst>
+                <p:cond evt="onPrev" delay="0">
+                  <p:tgtEl>
+                    <p:sldTgt/>
+                  </p:tgtEl>
+                </p:cond>
+              </p:prevCondLst>
+              <p:nextCondLst>
+                <p:cond evt="onNext" delay="0">
+                  <p:tgtEl>
+                    <p:sldTgt/>
+                  </p:tgtEl>
+                </p:cond>
+              </p:nextCondLst>
+            </p:seq>
+          </p:childTnLst>
+        </p:cTn>
+      </p:par>
+    </p:tnLst>
+    <p:bldLst>
+      <p:bldP spid="3" grpId="0" build="p"/>
+    </p:bldLst>
+  </p:timing>
 </p:sld>
 </file>
 
